--- a/Slides/PH223_Lecture_23.pptx
+++ b/Slides/PH223_Lecture_23.pptx
@@ -4,24 +4,28 @@
   <p:sldMasterIdLst>
     <p:sldMasterId id="2147483648" r:id="rId1"/>
   </p:sldMasterIdLst>
+  <p:notesMasterIdLst>
+    <p:notesMasterId r:id="rId20"/>
+  </p:notesMasterIdLst>
   <p:sldIdLst>
     <p:sldId id="1044" r:id="rId2"/>
     <p:sldId id="1110" r:id="rId3"/>
     <p:sldId id="1109" r:id="rId4"/>
-    <p:sldId id="257" r:id="rId5"/>
-    <p:sldId id="264" r:id="rId6"/>
-    <p:sldId id="265" r:id="rId7"/>
-    <p:sldId id="256" r:id="rId8"/>
-    <p:sldId id="1112" r:id="rId9"/>
-    <p:sldId id="259" r:id="rId10"/>
-    <p:sldId id="260" r:id="rId11"/>
-    <p:sldId id="268" r:id="rId12"/>
-    <p:sldId id="1114" r:id="rId13"/>
-    <p:sldId id="261" r:id="rId14"/>
-    <p:sldId id="1045" r:id="rId15"/>
-    <p:sldId id="266" r:id="rId16"/>
-    <p:sldId id="1113" r:id="rId17"/>
-    <p:sldId id="267" r:id="rId18"/>
+    <p:sldId id="270" r:id="rId5"/>
+    <p:sldId id="257" r:id="rId6"/>
+    <p:sldId id="264" r:id="rId7"/>
+    <p:sldId id="265" r:id="rId8"/>
+    <p:sldId id="256" r:id="rId9"/>
+    <p:sldId id="1112" r:id="rId10"/>
+    <p:sldId id="259" r:id="rId11"/>
+    <p:sldId id="260" r:id="rId12"/>
+    <p:sldId id="268" r:id="rId13"/>
+    <p:sldId id="1114" r:id="rId14"/>
+    <p:sldId id="261" r:id="rId15"/>
+    <p:sldId id="1045" r:id="rId16"/>
+    <p:sldId id="266" r:id="rId17"/>
+    <p:sldId id="1113" r:id="rId18"/>
+    <p:sldId id="267" r:id="rId19"/>
   </p:sldIdLst>
   <p:sldSz cx="9144000" cy="6858000" type="screen4x3"/>
   <p:notesSz cx="6858000" cy="9144000"/>
@@ -142,7 +146,7 @@
 <file path=ppt/revisionInfo.xml><?xml version="1.0" encoding="utf-8"?>
 <p1510:revInfo xmlns:a="http://schemas.openxmlformats.org/drawingml/2006/main" xmlns:r="http://schemas.openxmlformats.org/officeDocument/2006/relationships" xmlns:p1510="http://schemas.microsoft.com/office/powerpoint/2015/10/main">
   <p1510:revLst>
-    <p1510:client id="{97239A1B-5F00-4ADD-946C-E1D7D158EAFE}" v="1" dt="2023-10-17T21:30:06.339"/>
+    <p1510:client id="{85ABCA9D-111F-41D7-92D0-19D5E39D5466}" v="19" dt="2024-02-16T00:52:27.152"/>
   </p1510:revLst>
 </p1510:revInfo>
 </file>
@@ -243,7 +247,936 @@
       </pc:sldChg>
     </pc:docChg>
   </pc:docChgLst>
+  <pc:docChgLst>
+    <pc:chgData name="Lines, Todd" userId="afaf7c3a-e8aa-4568-882a-02ad8f9e19b0" providerId="ADAL" clId="{85ABCA9D-111F-41D7-92D0-19D5E39D5466}"/>
+    <pc:docChg chg="undo custSel addSld modSld">
+      <pc:chgData name="Lines, Todd" userId="afaf7c3a-e8aa-4568-882a-02ad8f9e19b0" providerId="ADAL" clId="{85ABCA9D-111F-41D7-92D0-19D5E39D5466}" dt="2024-02-16T00:53:42.343" v="155" actId="166"/>
+      <pc:docMkLst>
+        <pc:docMk/>
+      </pc:docMkLst>
+      <pc:sldChg chg="addSp delSp modSp add mod">
+        <pc:chgData name="Lines, Todd" userId="afaf7c3a-e8aa-4568-882a-02ad8f9e19b0" providerId="ADAL" clId="{85ABCA9D-111F-41D7-92D0-19D5E39D5466}" dt="2024-02-16T00:53:42.343" v="155" actId="166"/>
+        <pc:sldMkLst>
+          <pc:docMk/>
+          <pc:sldMk cId="4096599565" sldId="270"/>
+        </pc:sldMkLst>
+        <pc:spChg chg="add del mod">
+          <ac:chgData name="Lines, Todd" userId="afaf7c3a-e8aa-4568-882a-02ad8f9e19b0" providerId="ADAL" clId="{85ABCA9D-111F-41D7-92D0-19D5E39D5466}" dt="2024-02-15T23:32:02.394" v="12" actId="478"/>
+          <ac:spMkLst>
+            <pc:docMk/>
+            <pc:sldMk cId="4096599565" sldId="270"/>
+            <ac:spMk id="2" creationId="{E368FD8A-2785-C8B9-D9A3-8DE0748BE493}"/>
+          </ac:spMkLst>
+        </pc:spChg>
+        <pc:spChg chg="add mod">
+          <ac:chgData name="Lines, Todd" userId="afaf7c3a-e8aa-4568-882a-02ad8f9e19b0" providerId="ADAL" clId="{85ABCA9D-111F-41D7-92D0-19D5E39D5466}" dt="2024-02-15T23:31:46.177" v="7"/>
+          <ac:spMkLst>
+            <pc:docMk/>
+            <pc:sldMk cId="4096599565" sldId="270"/>
+            <ac:spMk id="3" creationId="{258E551C-57E4-1CF5-DB29-F42582053CF2}"/>
+          </ac:spMkLst>
+        </pc:spChg>
+        <pc:spChg chg="add del mod">
+          <ac:chgData name="Lines, Todd" userId="afaf7c3a-e8aa-4568-882a-02ad8f9e19b0" providerId="ADAL" clId="{85ABCA9D-111F-41D7-92D0-19D5E39D5466}" dt="2024-02-15T23:31:54.859" v="10" actId="478"/>
+          <ac:spMkLst>
+            <pc:docMk/>
+            <pc:sldMk cId="4096599565" sldId="270"/>
+            <ac:spMk id="4" creationId="{21488551-2913-0227-2385-B69D86D5E239}"/>
+          </ac:spMkLst>
+        </pc:spChg>
+        <pc:spChg chg="mod">
+          <ac:chgData name="Lines, Todd" userId="afaf7c3a-e8aa-4568-882a-02ad8f9e19b0" providerId="ADAL" clId="{85ABCA9D-111F-41D7-92D0-19D5E39D5466}" dt="2024-02-15T23:32:04.192" v="13"/>
+          <ac:spMkLst>
+            <pc:docMk/>
+            <pc:sldMk cId="4096599565" sldId="270"/>
+            <ac:spMk id="7" creationId="{F62A2AA1-DDA6-41C0-A0F9-F1287425EFD7}"/>
+          </ac:spMkLst>
+        </pc:spChg>
+        <pc:spChg chg="mod">
+          <ac:chgData name="Lines, Todd" userId="afaf7c3a-e8aa-4568-882a-02ad8f9e19b0" providerId="ADAL" clId="{85ABCA9D-111F-41D7-92D0-19D5E39D5466}" dt="2024-02-15T23:32:04.192" v="13"/>
+          <ac:spMkLst>
+            <pc:docMk/>
+            <pc:sldMk cId="4096599565" sldId="270"/>
+            <ac:spMk id="8" creationId="{D44B0DC8-24DE-889A-DAEF-332CD6727455}"/>
+          </ac:spMkLst>
+        </pc:spChg>
+        <pc:spChg chg="mod ord">
+          <ac:chgData name="Lines, Todd" userId="afaf7c3a-e8aa-4568-882a-02ad8f9e19b0" providerId="ADAL" clId="{85ABCA9D-111F-41D7-92D0-19D5E39D5466}" dt="2024-02-16T00:53:42.343" v="155" actId="166"/>
+          <ac:spMkLst>
+            <pc:docMk/>
+            <pc:sldMk cId="4096599565" sldId="270"/>
+            <ac:spMk id="9" creationId="{00000000-0000-0000-0000-000000000000}"/>
+          </ac:spMkLst>
+        </pc:spChg>
+        <pc:spChg chg="mod">
+          <ac:chgData name="Lines, Todd" userId="afaf7c3a-e8aa-4568-882a-02ad8f9e19b0" providerId="ADAL" clId="{85ABCA9D-111F-41D7-92D0-19D5E39D5466}" dt="2024-02-15T23:32:00.812" v="11" actId="164"/>
+          <ac:spMkLst>
+            <pc:docMk/>
+            <pc:sldMk cId="4096599565" sldId="270"/>
+            <ac:spMk id="10" creationId="{00000000-0000-0000-0000-000000000000}"/>
+          </ac:spMkLst>
+        </pc:spChg>
+        <pc:spChg chg="mod">
+          <ac:chgData name="Lines, Todd" userId="afaf7c3a-e8aa-4568-882a-02ad8f9e19b0" providerId="ADAL" clId="{85ABCA9D-111F-41D7-92D0-19D5E39D5466}" dt="2024-02-15T23:32:04.192" v="13"/>
+          <ac:spMkLst>
+            <pc:docMk/>
+            <pc:sldMk cId="4096599565" sldId="270"/>
+            <ac:spMk id="11" creationId="{1451526D-A420-17C2-2435-B9F92A0BBC10}"/>
+          </ac:spMkLst>
+        </pc:spChg>
+        <pc:spChg chg="del">
+          <ac:chgData name="Lines, Todd" userId="afaf7c3a-e8aa-4568-882a-02ad8f9e19b0" providerId="ADAL" clId="{85ABCA9D-111F-41D7-92D0-19D5E39D5466}" dt="2024-02-15T23:32:54.123" v="25" actId="478"/>
+          <ac:spMkLst>
+            <pc:docMk/>
+            <pc:sldMk cId="4096599565" sldId="270"/>
+            <ac:spMk id="13" creationId="{00000000-0000-0000-0000-000000000000}"/>
+          </ac:spMkLst>
+        </pc:spChg>
+        <pc:spChg chg="mod">
+          <ac:chgData name="Lines, Todd" userId="afaf7c3a-e8aa-4568-882a-02ad8f9e19b0" providerId="ADAL" clId="{85ABCA9D-111F-41D7-92D0-19D5E39D5466}" dt="2024-02-15T23:32:00.812" v="11" actId="164"/>
+          <ac:spMkLst>
+            <pc:docMk/>
+            <pc:sldMk cId="4096599565" sldId="270"/>
+            <ac:spMk id="15" creationId="{00000000-0000-0000-0000-000000000000}"/>
+          </ac:spMkLst>
+        </pc:spChg>
+        <pc:spChg chg="mod ord">
+          <ac:chgData name="Lines, Todd" userId="afaf7c3a-e8aa-4568-882a-02ad8f9e19b0" providerId="ADAL" clId="{85ABCA9D-111F-41D7-92D0-19D5E39D5466}" dt="2024-02-16T00:53:42.343" v="155" actId="166"/>
+          <ac:spMkLst>
+            <pc:docMk/>
+            <pc:sldMk cId="4096599565" sldId="270"/>
+            <ac:spMk id="16" creationId="{00000000-0000-0000-0000-000000000000}"/>
+          </ac:spMkLst>
+        </pc:spChg>
+        <pc:spChg chg="mod">
+          <ac:chgData name="Lines, Todd" userId="afaf7c3a-e8aa-4568-882a-02ad8f9e19b0" providerId="ADAL" clId="{85ABCA9D-111F-41D7-92D0-19D5E39D5466}" dt="2024-02-15T23:32:15.009" v="16"/>
+          <ac:spMkLst>
+            <pc:docMk/>
+            <pc:sldMk cId="4096599565" sldId="270"/>
+            <ac:spMk id="18" creationId="{C6EDE5AD-99C7-E868-D106-869B37DF5BA9}"/>
+          </ac:spMkLst>
+        </pc:spChg>
+        <pc:spChg chg="mod">
+          <ac:chgData name="Lines, Todd" userId="afaf7c3a-e8aa-4568-882a-02ad8f9e19b0" providerId="ADAL" clId="{85ABCA9D-111F-41D7-92D0-19D5E39D5466}" dt="2024-02-15T23:32:15.009" v="16"/>
+          <ac:spMkLst>
+            <pc:docMk/>
+            <pc:sldMk cId="4096599565" sldId="270"/>
+            <ac:spMk id="20" creationId="{6845D96B-1017-3EAA-4D44-61A705C90C14}"/>
+          </ac:spMkLst>
+        </pc:spChg>
+        <pc:spChg chg="mod">
+          <ac:chgData name="Lines, Todd" userId="afaf7c3a-e8aa-4568-882a-02ad8f9e19b0" providerId="ADAL" clId="{85ABCA9D-111F-41D7-92D0-19D5E39D5466}" dt="2024-02-15T23:32:15.009" v="16"/>
+          <ac:spMkLst>
+            <pc:docMk/>
+            <pc:sldMk cId="4096599565" sldId="270"/>
+            <ac:spMk id="21" creationId="{3C5479B0-7E7E-D37E-8446-450EE0F9E649}"/>
+          </ac:spMkLst>
+        </pc:spChg>
+        <pc:spChg chg="mod ord">
+          <ac:chgData name="Lines, Todd" userId="afaf7c3a-e8aa-4568-882a-02ad8f9e19b0" providerId="ADAL" clId="{85ABCA9D-111F-41D7-92D0-19D5E39D5466}" dt="2024-02-16T00:53:42.343" v="155" actId="166"/>
+          <ac:spMkLst>
+            <pc:docMk/>
+            <pc:sldMk cId="4096599565" sldId="270"/>
+            <ac:spMk id="24" creationId="{00000000-0000-0000-0000-000000000000}"/>
+          </ac:spMkLst>
+        </pc:spChg>
+        <pc:spChg chg="mod ord">
+          <ac:chgData name="Lines, Todd" userId="afaf7c3a-e8aa-4568-882a-02ad8f9e19b0" providerId="ADAL" clId="{85ABCA9D-111F-41D7-92D0-19D5E39D5466}" dt="2024-02-16T00:53:42.343" v="155" actId="166"/>
+          <ac:spMkLst>
+            <pc:docMk/>
+            <pc:sldMk cId="4096599565" sldId="270"/>
+            <ac:spMk id="25" creationId="{00000000-0000-0000-0000-000000000000}"/>
+          </ac:spMkLst>
+        </pc:spChg>
+        <pc:spChg chg="mod ord">
+          <ac:chgData name="Lines, Todd" userId="afaf7c3a-e8aa-4568-882a-02ad8f9e19b0" providerId="ADAL" clId="{85ABCA9D-111F-41D7-92D0-19D5E39D5466}" dt="2024-02-16T00:53:42.343" v="155" actId="166"/>
+          <ac:spMkLst>
+            <pc:docMk/>
+            <pc:sldMk cId="4096599565" sldId="270"/>
+            <ac:spMk id="26" creationId="{00000000-0000-0000-0000-000000000000}"/>
+          </ac:spMkLst>
+        </pc:spChg>
+        <pc:spChg chg="mod ord">
+          <ac:chgData name="Lines, Todd" userId="afaf7c3a-e8aa-4568-882a-02ad8f9e19b0" providerId="ADAL" clId="{85ABCA9D-111F-41D7-92D0-19D5E39D5466}" dt="2024-02-16T00:53:42.343" v="155" actId="166"/>
+          <ac:spMkLst>
+            <pc:docMk/>
+            <pc:sldMk cId="4096599565" sldId="270"/>
+            <ac:spMk id="27" creationId="{00000000-0000-0000-0000-000000000000}"/>
+          </ac:spMkLst>
+        </pc:spChg>
+        <pc:spChg chg="mod">
+          <ac:chgData name="Lines, Todd" userId="afaf7c3a-e8aa-4568-882a-02ad8f9e19b0" providerId="ADAL" clId="{85ABCA9D-111F-41D7-92D0-19D5E39D5466}" dt="2024-02-15T23:32:00.812" v="11" actId="164"/>
+          <ac:spMkLst>
+            <pc:docMk/>
+            <pc:sldMk cId="4096599565" sldId="270"/>
+            <ac:spMk id="28" creationId="{00000000-0000-0000-0000-000000000000}"/>
+          </ac:spMkLst>
+        </pc:spChg>
+        <pc:spChg chg="del">
+          <ac:chgData name="Lines, Todd" userId="afaf7c3a-e8aa-4568-882a-02ad8f9e19b0" providerId="ADAL" clId="{85ABCA9D-111F-41D7-92D0-19D5E39D5466}" dt="2024-02-15T23:37:22.721" v="75" actId="478"/>
+          <ac:spMkLst>
+            <pc:docMk/>
+            <pc:sldMk cId="4096599565" sldId="270"/>
+            <ac:spMk id="30" creationId="{00000000-0000-0000-0000-000000000000}"/>
+          </ac:spMkLst>
+        </pc:spChg>
+        <pc:spChg chg="del">
+          <ac:chgData name="Lines, Todd" userId="afaf7c3a-e8aa-4568-882a-02ad8f9e19b0" providerId="ADAL" clId="{85ABCA9D-111F-41D7-92D0-19D5E39D5466}" dt="2024-02-15T23:37:19.840" v="74" actId="478"/>
+          <ac:spMkLst>
+            <pc:docMk/>
+            <pc:sldMk cId="4096599565" sldId="270"/>
+            <ac:spMk id="31" creationId="{00000000-0000-0000-0000-000000000000}"/>
+          </ac:spMkLst>
+        </pc:spChg>
+        <pc:spChg chg="mod">
+          <ac:chgData name="Lines, Todd" userId="afaf7c3a-e8aa-4568-882a-02ad8f9e19b0" providerId="ADAL" clId="{85ABCA9D-111F-41D7-92D0-19D5E39D5466}" dt="2024-02-15T23:32:21.184" v="18"/>
+          <ac:spMkLst>
+            <pc:docMk/>
+            <pc:sldMk cId="4096599565" sldId="270"/>
+            <ac:spMk id="32" creationId="{AA688837-DDFA-F160-4BF6-082E0CD9A587}"/>
+          </ac:spMkLst>
+        </pc:spChg>
+        <pc:spChg chg="mod">
+          <ac:chgData name="Lines, Todd" userId="afaf7c3a-e8aa-4568-882a-02ad8f9e19b0" providerId="ADAL" clId="{85ABCA9D-111F-41D7-92D0-19D5E39D5466}" dt="2024-02-15T23:32:21.184" v="18"/>
+          <ac:spMkLst>
+            <pc:docMk/>
+            <pc:sldMk cId="4096599565" sldId="270"/>
+            <ac:spMk id="33" creationId="{274EFAC1-965D-25FE-926C-078B0F9669E8}"/>
+          </ac:spMkLst>
+        </pc:spChg>
+        <pc:spChg chg="mod">
+          <ac:chgData name="Lines, Todd" userId="afaf7c3a-e8aa-4568-882a-02ad8f9e19b0" providerId="ADAL" clId="{85ABCA9D-111F-41D7-92D0-19D5E39D5466}" dt="2024-02-15T23:32:21.184" v="18"/>
+          <ac:spMkLst>
+            <pc:docMk/>
+            <pc:sldMk cId="4096599565" sldId="270"/>
+            <ac:spMk id="34" creationId="{9E40F588-67E5-56BC-AF91-F359B713E7AD}"/>
+          </ac:spMkLst>
+        </pc:spChg>
+        <pc:spChg chg="del">
+          <ac:chgData name="Lines, Todd" userId="afaf7c3a-e8aa-4568-882a-02ad8f9e19b0" providerId="ADAL" clId="{85ABCA9D-111F-41D7-92D0-19D5E39D5466}" dt="2024-02-15T23:31:36.970" v="4" actId="478"/>
+          <ac:spMkLst>
+            <pc:docMk/>
+            <pc:sldMk cId="4096599565" sldId="270"/>
+            <ac:spMk id="36" creationId="{00000000-0000-0000-0000-000000000000}"/>
+          </ac:spMkLst>
+        </pc:spChg>
+        <pc:spChg chg="del">
+          <ac:chgData name="Lines, Todd" userId="afaf7c3a-e8aa-4568-882a-02ad8f9e19b0" providerId="ADAL" clId="{85ABCA9D-111F-41D7-92D0-19D5E39D5466}" dt="2024-02-15T23:31:35.388" v="3" actId="478"/>
+          <ac:spMkLst>
+            <pc:docMk/>
+            <pc:sldMk cId="4096599565" sldId="270"/>
+            <ac:spMk id="37" creationId="{00000000-0000-0000-0000-000000000000}"/>
+          </ac:spMkLst>
+        </pc:spChg>
+        <pc:spChg chg="del">
+          <ac:chgData name="Lines, Todd" userId="afaf7c3a-e8aa-4568-882a-02ad8f9e19b0" providerId="ADAL" clId="{85ABCA9D-111F-41D7-92D0-19D5E39D5466}" dt="2024-02-15T23:31:33.371" v="2" actId="478"/>
+          <ac:spMkLst>
+            <pc:docMk/>
+            <pc:sldMk cId="4096599565" sldId="270"/>
+            <ac:spMk id="39" creationId="{00000000-0000-0000-0000-000000000000}"/>
+          </ac:spMkLst>
+        </pc:spChg>
+        <pc:spChg chg="del">
+          <ac:chgData name="Lines, Todd" userId="afaf7c3a-e8aa-4568-882a-02ad8f9e19b0" providerId="ADAL" clId="{85ABCA9D-111F-41D7-92D0-19D5E39D5466}" dt="2024-02-15T23:32:56.667" v="27" actId="478"/>
+          <ac:spMkLst>
+            <pc:docMk/>
+            <pc:sldMk cId="4096599565" sldId="270"/>
+            <ac:spMk id="41" creationId="{00000000-0000-0000-0000-000000000000}"/>
+          </ac:spMkLst>
+        </pc:spChg>
+        <pc:spChg chg="del">
+          <ac:chgData name="Lines, Todd" userId="afaf7c3a-e8aa-4568-882a-02ad8f9e19b0" providerId="ADAL" clId="{85ABCA9D-111F-41D7-92D0-19D5E39D5466}" dt="2024-02-15T23:31:18.925" v="1" actId="478"/>
+          <ac:spMkLst>
+            <pc:docMk/>
+            <pc:sldMk cId="4096599565" sldId="270"/>
+            <ac:spMk id="42" creationId="{00000000-0000-0000-0000-000000000000}"/>
+          </ac:spMkLst>
+        </pc:spChg>
+        <pc:spChg chg="del">
+          <ac:chgData name="Lines, Todd" userId="afaf7c3a-e8aa-4568-882a-02ad8f9e19b0" providerId="ADAL" clId="{85ABCA9D-111F-41D7-92D0-19D5E39D5466}" dt="2024-02-16T00:52:56.028" v="153" actId="478"/>
+          <ac:spMkLst>
+            <pc:docMk/>
+            <pc:sldMk cId="4096599565" sldId="270"/>
+            <ac:spMk id="43" creationId="{00000000-0000-0000-0000-000000000000}"/>
+          </ac:spMkLst>
+        </pc:spChg>
+        <pc:spChg chg="del">
+          <ac:chgData name="Lines, Todd" userId="afaf7c3a-e8aa-4568-882a-02ad8f9e19b0" providerId="ADAL" clId="{85ABCA9D-111F-41D7-92D0-19D5E39D5466}" dt="2024-02-16T00:52:58.020" v="154" actId="478"/>
+          <ac:spMkLst>
+            <pc:docMk/>
+            <pc:sldMk cId="4096599565" sldId="270"/>
+            <ac:spMk id="44" creationId="{00000000-0000-0000-0000-000000000000}"/>
+          </ac:spMkLst>
+        </pc:spChg>
+        <pc:spChg chg="del">
+          <ac:chgData name="Lines, Todd" userId="afaf7c3a-e8aa-4568-882a-02ad8f9e19b0" providerId="ADAL" clId="{85ABCA9D-111F-41D7-92D0-19D5E39D5466}" dt="2024-02-16T00:52:56.028" v="153" actId="478"/>
+          <ac:spMkLst>
+            <pc:docMk/>
+            <pc:sldMk cId="4096599565" sldId="270"/>
+            <ac:spMk id="45" creationId="{00000000-0000-0000-0000-000000000000}"/>
+          </ac:spMkLst>
+        </pc:spChg>
+        <pc:spChg chg="del">
+          <ac:chgData name="Lines, Todd" userId="afaf7c3a-e8aa-4568-882a-02ad8f9e19b0" providerId="ADAL" clId="{85ABCA9D-111F-41D7-92D0-19D5E39D5466}" dt="2024-02-15T23:32:46.108" v="23" actId="478"/>
+          <ac:spMkLst>
+            <pc:docMk/>
+            <pc:sldMk cId="4096599565" sldId="270"/>
+            <ac:spMk id="47" creationId="{00000000-0000-0000-0000-000000000000}"/>
+          </ac:spMkLst>
+        </pc:spChg>
+        <pc:spChg chg="mod">
+          <ac:chgData name="Lines, Todd" userId="afaf7c3a-e8aa-4568-882a-02ad8f9e19b0" providerId="ADAL" clId="{85ABCA9D-111F-41D7-92D0-19D5E39D5466}" dt="2024-02-15T23:32:33.539" v="21"/>
+          <ac:spMkLst>
+            <pc:docMk/>
+            <pc:sldMk cId="4096599565" sldId="270"/>
+            <ac:spMk id="50" creationId="{FE36243B-64D1-49E2-3166-5275021A60BE}"/>
+          </ac:spMkLst>
+        </pc:spChg>
+        <pc:spChg chg="mod">
+          <ac:chgData name="Lines, Todd" userId="afaf7c3a-e8aa-4568-882a-02ad8f9e19b0" providerId="ADAL" clId="{85ABCA9D-111F-41D7-92D0-19D5E39D5466}" dt="2024-02-15T23:32:33.539" v="21"/>
+          <ac:spMkLst>
+            <pc:docMk/>
+            <pc:sldMk cId="4096599565" sldId="270"/>
+            <ac:spMk id="51" creationId="{DEF87D90-9FB4-0C14-165E-31353E9B3ADE}"/>
+          </ac:spMkLst>
+        </pc:spChg>
+        <pc:spChg chg="mod">
+          <ac:chgData name="Lines, Todd" userId="afaf7c3a-e8aa-4568-882a-02ad8f9e19b0" providerId="ADAL" clId="{85ABCA9D-111F-41D7-92D0-19D5E39D5466}" dt="2024-02-15T23:32:33.539" v="21"/>
+          <ac:spMkLst>
+            <pc:docMk/>
+            <pc:sldMk cId="4096599565" sldId="270"/>
+            <ac:spMk id="52" creationId="{5EDEFA26-BE9C-8816-5F86-784BCE47A987}"/>
+          </ac:spMkLst>
+        </pc:spChg>
+        <pc:spChg chg="del">
+          <ac:chgData name="Lines, Todd" userId="afaf7c3a-e8aa-4568-882a-02ad8f9e19b0" providerId="ADAL" clId="{85ABCA9D-111F-41D7-92D0-19D5E39D5466}" dt="2024-02-15T23:37:26.600" v="77" actId="478"/>
+          <ac:spMkLst>
+            <pc:docMk/>
+            <pc:sldMk cId="4096599565" sldId="270"/>
+            <ac:spMk id="69" creationId="{00000000-0000-0000-0000-000000000000}"/>
+          </ac:spMkLst>
+        </pc:spChg>
+        <pc:spChg chg="del">
+          <ac:chgData name="Lines, Todd" userId="afaf7c3a-e8aa-4568-882a-02ad8f9e19b0" providerId="ADAL" clId="{85ABCA9D-111F-41D7-92D0-19D5E39D5466}" dt="2024-02-15T23:37:23.739" v="76" actId="478"/>
+          <ac:spMkLst>
+            <pc:docMk/>
+            <pc:sldMk cId="4096599565" sldId="270"/>
+            <ac:spMk id="70" creationId="{00000000-0000-0000-0000-000000000000}"/>
+          </ac:spMkLst>
+        </pc:spChg>
+        <pc:grpChg chg="add mod ord">
+          <ac:chgData name="Lines, Todd" userId="afaf7c3a-e8aa-4568-882a-02ad8f9e19b0" providerId="ADAL" clId="{85ABCA9D-111F-41D7-92D0-19D5E39D5466}" dt="2024-02-16T00:53:42.343" v="155" actId="166"/>
+          <ac:grpSpMkLst>
+            <pc:docMk/>
+            <pc:sldMk cId="4096599565" sldId="270"/>
+            <ac:grpSpMk id="5" creationId="{DC77E067-1F3F-B028-8A79-F34E05A4A3A4}"/>
+          </ac:grpSpMkLst>
+        </pc:grpChg>
+        <pc:grpChg chg="add mod ord">
+          <ac:chgData name="Lines, Todd" userId="afaf7c3a-e8aa-4568-882a-02ad8f9e19b0" providerId="ADAL" clId="{85ABCA9D-111F-41D7-92D0-19D5E39D5466}" dt="2024-02-16T00:53:42.343" v="155" actId="166"/>
+          <ac:grpSpMkLst>
+            <pc:docMk/>
+            <pc:sldMk cId="4096599565" sldId="270"/>
+            <ac:grpSpMk id="6" creationId="{42A05E19-7BC4-09AE-81AC-7AE14A8975BC}"/>
+          </ac:grpSpMkLst>
+        </pc:grpChg>
+        <pc:grpChg chg="add mod ord">
+          <ac:chgData name="Lines, Todd" userId="afaf7c3a-e8aa-4568-882a-02ad8f9e19b0" providerId="ADAL" clId="{85ABCA9D-111F-41D7-92D0-19D5E39D5466}" dt="2024-02-16T00:53:42.343" v="155" actId="166"/>
+          <ac:grpSpMkLst>
+            <pc:docMk/>
+            <pc:sldMk cId="4096599565" sldId="270"/>
+            <ac:grpSpMk id="14" creationId="{830BB77D-6959-D4D5-4D10-52428E5381B0}"/>
+          </ac:grpSpMkLst>
+        </pc:grpChg>
+        <pc:grpChg chg="add mod ord">
+          <ac:chgData name="Lines, Todd" userId="afaf7c3a-e8aa-4568-882a-02ad8f9e19b0" providerId="ADAL" clId="{85ABCA9D-111F-41D7-92D0-19D5E39D5466}" dt="2024-02-16T00:53:42.343" v="155" actId="166"/>
+          <ac:grpSpMkLst>
+            <pc:docMk/>
+            <pc:sldMk cId="4096599565" sldId="270"/>
+            <ac:grpSpMk id="22" creationId="{C51A41D4-9308-02CC-D64A-C12B8740557E}"/>
+          </ac:grpSpMkLst>
+        </pc:grpChg>
+        <pc:grpChg chg="add mod ord">
+          <ac:chgData name="Lines, Todd" userId="afaf7c3a-e8aa-4568-882a-02ad8f9e19b0" providerId="ADAL" clId="{85ABCA9D-111F-41D7-92D0-19D5E39D5466}" dt="2024-02-16T00:53:42.343" v="155" actId="166"/>
+          <ac:grpSpMkLst>
+            <pc:docMk/>
+            <pc:sldMk cId="4096599565" sldId="270"/>
+            <ac:grpSpMk id="49" creationId="{DABADD92-777C-3290-7198-B0C6CD6FD364}"/>
+          </ac:grpSpMkLst>
+        </pc:grpChg>
+        <pc:cxnChg chg="del">
+          <ac:chgData name="Lines, Todd" userId="afaf7c3a-e8aa-4568-882a-02ad8f9e19b0" providerId="ADAL" clId="{85ABCA9D-111F-41D7-92D0-19D5E39D5466}" dt="2024-02-15T23:32:52.315" v="24" actId="478"/>
+          <ac:cxnSpMkLst>
+            <pc:docMk/>
+            <pc:sldMk cId="4096599565" sldId="270"/>
+            <ac:cxnSpMk id="12" creationId="{00000000-0000-0000-0000-000000000000}"/>
+          </ac:cxnSpMkLst>
+        </pc:cxnChg>
+        <pc:cxnChg chg="mod">
+          <ac:chgData name="Lines, Todd" userId="afaf7c3a-e8aa-4568-882a-02ad8f9e19b0" providerId="ADAL" clId="{85ABCA9D-111F-41D7-92D0-19D5E39D5466}" dt="2024-02-15T23:34:25.211" v="39" actId="14100"/>
+          <ac:cxnSpMkLst>
+            <pc:docMk/>
+            <pc:sldMk cId="4096599565" sldId="270"/>
+            <ac:cxnSpMk id="19" creationId="{00000000-0000-0000-0000-000000000000}"/>
+          </ac:cxnSpMkLst>
+        </pc:cxnChg>
+        <pc:cxnChg chg="mod">
+          <ac:chgData name="Lines, Todd" userId="afaf7c3a-e8aa-4568-882a-02ad8f9e19b0" providerId="ADAL" clId="{85ABCA9D-111F-41D7-92D0-19D5E39D5466}" dt="2024-02-16T00:52:51.711" v="152" actId="14100"/>
+          <ac:cxnSpMkLst>
+            <pc:docMk/>
+            <pc:sldMk cId="4096599565" sldId="270"/>
+            <ac:cxnSpMk id="29" creationId="{00000000-0000-0000-0000-000000000000}"/>
+          </ac:cxnSpMkLst>
+        </pc:cxnChg>
+        <pc:cxnChg chg="mod">
+          <ac:chgData name="Lines, Todd" userId="afaf7c3a-e8aa-4568-882a-02ad8f9e19b0" providerId="ADAL" clId="{85ABCA9D-111F-41D7-92D0-19D5E39D5466}" dt="2024-02-15T23:34:39.010" v="42" actId="1076"/>
+          <ac:cxnSpMkLst>
+            <pc:docMk/>
+            <pc:sldMk cId="4096599565" sldId="270"/>
+            <ac:cxnSpMk id="38" creationId="{00000000-0000-0000-0000-000000000000}"/>
+          </ac:cxnSpMkLst>
+        </pc:cxnChg>
+        <pc:cxnChg chg="del">
+          <ac:chgData name="Lines, Todd" userId="afaf7c3a-e8aa-4568-882a-02ad8f9e19b0" providerId="ADAL" clId="{85ABCA9D-111F-41D7-92D0-19D5E39D5466}" dt="2024-02-15T23:32:55.258" v="26" actId="478"/>
+          <ac:cxnSpMkLst>
+            <pc:docMk/>
+            <pc:sldMk cId="4096599565" sldId="270"/>
+            <ac:cxnSpMk id="40" creationId="{00000000-0000-0000-0000-000000000000}"/>
+          </ac:cxnSpMkLst>
+        </pc:cxnChg>
+        <pc:cxnChg chg="mod ord">
+          <ac:chgData name="Lines, Todd" userId="afaf7c3a-e8aa-4568-882a-02ad8f9e19b0" providerId="ADAL" clId="{85ABCA9D-111F-41D7-92D0-19D5E39D5466}" dt="2024-02-16T00:53:42.343" v="155" actId="166"/>
+          <ac:cxnSpMkLst>
+            <pc:docMk/>
+            <pc:sldMk cId="4096599565" sldId="270"/>
+            <ac:cxnSpMk id="46" creationId="{00000000-0000-0000-0000-000000000000}"/>
+          </ac:cxnSpMkLst>
+        </pc:cxnChg>
+        <pc:cxnChg chg="add mod">
+          <ac:chgData name="Lines, Todd" userId="afaf7c3a-e8aa-4568-882a-02ad8f9e19b0" providerId="ADAL" clId="{85ABCA9D-111F-41D7-92D0-19D5E39D5466}" dt="2024-02-15T23:37:16.302" v="73" actId="14100"/>
+          <ac:cxnSpMkLst>
+            <pc:docMk/>
+            <pc:sldMk cId="4096599565" sldId="270"/>
+            <ac:cxnSpMk id="59" creationId="{2B3085B4-D4F1-E131-61CB-2F29CE53F65D}"/>
+          </ac:cxnSpMkLst>
+        </pc:cxnChg>
+        <pc:cxnChg chg="add mod">
+          <ac:chgData name="Lines, Todd" userId="afaf7c3a-e8aa-4568-882a-02ad8f9e19b0" providerId="ADAL" clId="{85ABCA9D-111F-41D7-92D0-19D5E39D5466}" dt="2024-02-15T23:38:09.863" v="99" actId="14100"/>
+          <ac:cxnSpMkLst>
+            <pc:docMk/>
+            <pc:sldMk cId="4096599565" sldId="270"/>
+            <ac:cxnSpMk id="64" creationId="{AA2DE362-2082-4512-EE68-A5E7461A81EF}"/>
+          </ac:cxnSpMkLst>
+        </pc:cxnChg>
+        <pc:cxnChg chg="del">
+          <ac:chgData name="Lines, Todd" userId="afaf7c3a-e8aa-4568-882a-02ad8f9e19b0" providerId="ADAL" clId="{85ABCA9D-111F-41D7-92D0-19D5E39D5466}" dt="2024-02-15T23:33:47.963" v="36" actId="478"/>
+          <ac:cxnSpMkLst>
+            <pc:docMk/>
+            <pc:sldMk cId="4096599565" sldId="270"/>
+            <ac:cxnSpMk id="66" creationId="{00000000-0000-0000-0000-000000000000}"/>
+          </ac:cxnSpMkLst>
+        </pc:cxnChg>
+        <pc:cxnChg chg="mod">
+          <ac:chgData name="Lines, Todd" userId="afaf7c3a-e8aa-4568-882a-02ad8f9e19b0" providerId="ADAL" clId="{85ABCA9D-111F-41D7-92D0-19D5E39D5466}" dt="2024-02-15T23:33:19.731" v="29" actId="14100"/>
+          <ac:cxnSpMkLst>
+            <pc:docMk/>
+            <pc:sldMk cId="4096599565" sldId="270"/>
+            <ac:cxnSpMk id="67" creationId="{00000000-0000-0000-0000-000000000000}"/>
+          </ac:cxnSpMkLst>
+        </pc:cxnChg>
+        <pc:cxnChg chg="add mod">
+          <ac:chgData name="Lines, Todd" userId="afaf7c3a-e8aa-4568-882a-02ad8f9e19b0" providerId="ADAL" clId="{85ABCA9D-111F-41D7-92D0-19D5E39D5466}" dt="2024-02-15T23:37:54.450" v="81" actId="1076"/>
+          <ac:cxnSpMkLst>
+            <pc:docMk/>
+            <pc:sldMk cId="4096599565" sldId="270"/>
+            <ac:cxnSpMk id="71" creationId="{39263485-DD2E-5C9F-FD04-10D06EC62630}"/>
+          </ac:cxnSpMkLst>
+        </pc:cxnChg>
+        <pc:cxnChg chg="add mod">
+          <ac:chgData name="Lines, Todd" userId="afaf7c3a-e8aa-4568-882a-02ad8f9e19b0" providerId="ADAL" clId="{85ABCA9D-111F-41D7-92D0-19D5E39D5466}" dt="2024-02-16T00:51:04.353" v="128" actId="1076"/>
+          <ac:cxnSpMkLst>
+            <pc:docMk/>
+            <pc:sldMk cId="4096599565" sldId="270"/>
+            <ac:cxnSpMk id="74" creationId="{E21BD6AA-1F0D-9714-9C86-6ECD19CE5FE1}"/>
+          </ac:cxnSpMkLst>
+        </pc:cxnChg>
+        <pc:cxnChg chg="add mod">
+          <ac:chgData name="Lines, Todd" userId="afaf7c3a-e8aa-4568-882a-02ad8f9e19b0" providerId="ADAL" clId="{85ABCA9D-111F-41D7-92D0-19D5E39D5466}" dt="2024-02-16T00:51:21.531" v="132" actId="1076"/>
+          <ac:cxnSpMkLst>
+            <pc:docMk/>
+            <pc:sldMk cId="4096599565" sldId="270"/>
+            <ac:cxnSpMk id="76" creationId="{F6472FC7-0822-94BD-3162-61452DCE3313}"/>
+          </ac:cxnSpMkLst>
+        </pc:cxnChg>
+        <pc:cxnChg chg="add mod">
+          <ac:chgData name="Lines, Todd" userId="afaf7c3a-e8aa-4568-882a-02ad8f9e19b0" providerId="ADAL" clId="{85ABCA9D-111F-41D7-92D0-19D5E39D5466}" dt="2024-02-16T00:51:36.932" v="136" actId="1076"/>
+          <ac:cxnSpMkLst>
+            <pc:docMk/>
+            <pc:sldMk cId="4096599565" sldId="270"/>
+            <ac:cxnSpMk id="78" creationId="{21452524-B517-8A91-5C12-25F5A2894822}"/>
+          </ac:cxnSpMkLst>
+        </pc:cxnChg>
+        <pc:cxnChg chg="add mod">
+          <ac:chgData name="Lines, Todd" userId="afaf7c3a-e8aa-4568-882a-02ad8f9e19b0" providerId="ADAL" clId="{85ABCA9D-111F-41D7-92D0-19D5E39D5466}" dt="2024-02-16T00:52:21.658" v="146" actId="14100"/>
+          <ac:cxnSpMkLst>
+            <pc:docMk/>
+            <pc:sldMk cId="4096599565" sldId="270"/>
+            <ac:cxnSpMk id="80" creationId="{EDEB1D36-DB19-0A95-1FA7-03D55ADCEB41}"/>
+          </ac:cxnSpMkLst>
+        </pc:cxnChg>
+        <pc:cxnChg chg="add mod">
+          <ac:chgData name="Lines, Todd" userId="afaf7c3a-e8aa-4568-882a-02ad8f9e19b0" providerId="ADAL" clId="{85ABCA9D-111F-41D7-92D0-19D5E39D5466}" dt="2024-02-16T00:52:18.569" v="145" actId="14100"/>
+          <ac:cxnSpMkLst>
+            <pc:docMk/>
+            <pc:sldMk cId="4096599565" sldId="270"/>
+            <ac:cxnSpMk id="82" creationId="{9A2DE06C-3C7A-DD9A-55D7-43E5CF824A5D}"/>
+          </ac:cxnSpMkLst>
+        </pc:cxnChg>
+        <pc:cxnChg chg="add mod">
+          <ac:chgData name="Lines, Todd" userId="afaf7c3a-e8aa-4568-882a-02ad8f9e19b0" providerId="ADAL" clId="{85ABCA9D-111F-41D7-92D0-19D5E39D5466}" dt="2024-02-16T00:52:44.536" v="151" actId="14100"/>
+          <ac:cxnSpMkLst>
+            <pc:docMk/>
+            <pc:sldMk cId="4096599565" sldId="270"/>
+            <ac:cxnSpMk id="86" creationId="{CF280407-9DD6-9A16-B1ED-E6B329C0404C}"/>
+          </ac:cxnSpMkLst>
+        </pc:cxnChg>
+      </pc:sldChg>
+    </pc:docChg>
+  </pc:docChgLst>
 </pc:chgInfo>
+</file>
+
+<file path=ppt/notesMasters/notesMaster1.xml><?xml version="1.0" encoding="utf-8"?>
+<p:notesMaster xmlns:a="http://schemas.openxmlformats.org/drawingml/2006/main" xmlns:r="http://schemas.openxmlformats.org/officeDocument/2006/relationships" xmlns:p="http://schemas.openxmlformats.org/presentationml/2006/main">
+  <p:cSld>
+    <p:bg>
+      <p:bgRef idx="1001">
+        <a:schemeClr val="bg1"/>
+      </p:bgRef>
+    </p:bg>
+    <p:spTree>
+      <p:nvGrpSpPr>
+        <p:cNvPr id="1" name=""/>
+        <p:cNvGrpSpPr/>
+        <p:nvPr/>
+      </p:nvGrpSpPr>
+      <p:grpSpPr>
+        <a:xfrm>
+          <a:off x="0" y="0"/>
+          <a:ext cx="0" cy="0"/>
+          <a:chOff x="0" y="0"/>
+          <a:chExt cx="0" cy="0"/>
+        </a:xfrm>
+      </p:grpSpPr>
+      <p:sp>
+        <p:nvSpPr>
+          <p:cNvPr id="2" name="Header Placeholder 1"/>
+          <p:cNvSpPr>
+            <a:spLocks noGrp="1"/>
+          </p:cNvSpPr>
+          <p:nvPr>
+            <p:ph type="hdr" sz="quarter"/>
+          </p:nvPr>
+        </p:nvSpPr>
+        <p:spPr>
+          <a:xfrm>
+            <a:off x="0" y="0"/>
+            <a:ext cx="2971800" cy="458788"/>
+          </a:xfrm>
+          <a:prstGeom prst="rect">
+            <a:avLst/>
+          </a:prstGeom>
+        </p:spPr>
+        <p:txBody>
+          <a:bodyPr vert="horz" lIns="91440" tIns="45720" rIns="91440" bIns="45720" rtlCol="0"/>
+          <a:lstStyle>
+            <a:lvl1pPr algn="l">
+              <a:defRPr sz="1200"/>
+            </a:lvl1pPr>
+          </a:lstStyle>
+          <a:p>
+            <a:endParaRPr lang="en-US"/>
+          </a:p>
+        </p:txBody>
+      </p:sp>
+      <p:sp>
+        <p:nvSpPr>
+          <p:cNvPr id="3" name="Date Placeholder 2"/>
+          <p:cNvSpPr>
+            <a:spLocks noGrp="1"/>
+          </p:cNvSpPr>
+          <p:nvPr>
+            <p:ph type="dt" idx="1"/>
+          </p:nvPr>
+        </p:nvSpPr>
+        <p:spPr>
+          <a:xfrm>
+            <a:off x="3884613" y="0"/>
+            <a:ext cx="2971800" cy="458788"/>
+          </a:xfrm>
+          <a:prstGeom prst="rect">
+            <a:avLst/>
+          </a:prstGeom>
+        </p:spPr>
+        <p:txBody>
+          <a:bodyPr vert="horz" lIns="91440" tIns="45720" rIns="91440" bIns="45720" rtlCol="0"/>
+          <a:lstStyle>
+            <a:lvl1pPr algn="r">
+              <a:defRPr sz="1200"/>
+            </a:lvl1pPr>
+          </a:lstStyle>
+          <a:p>
+            <a:fld id="{CD4C3869-4CA1-4828-AC4F-DF026F211266}" type="datetimeFigureOut">
+              <a:rPr lang="en-US" smtClean="0"/>
+              <a:t>2/15/2024</a:t>
+            </a:fld>
+            <a:endParaRPr lang="en-US"/>
+          </a:p>
+        </p:txBody>
+      </p:sp>
+      <p:sp>
+        <p:nvSpPr>
+          <p:cNvPr id="4" name="Slide Image Placeholder 3"/>
+          <p:cNvSpPr>
+            <a:spLocks noGrp="1" noRot="1" noChangeAspect="1"/>
+          </p:cNvSpPr>
+          <p:nvPr>
+            <p:ph type="sldImg" idx="2"/>
+          </p:nvPr>
+        </p:nvSpPr>
+        <p:spPr>
+          <a:xfrm>
+            <a:off x="1371600" y="1143000"/>
+            <a:ext cx="4114800" cy="3086100"/>
+          </a:xfrm>
+          <a:prstGeom prst="rect">
+            <a:avLst/>
+          </a:prstGeom>
+          <a:noFill/>
+          <a:ln w="12700">
+            <a:solidFill>
+              <a:prstClr val="black"/>
+            </a:solidFill>
+          </a:ln>
+        </p:spPr>
+        <p:txBody>
+          <a:bodyPr vert="horz" lIns="91440" tIns="45720" rIns="91440" bIns="45720" rtlCol="0" anchor="ctr"/>
+          <a:lstStyle/>
+          <a:p>
+            <a:endParaRPr lang="en-US"/>
+          </a:p>
+        </p:txBody>
+      </p:sp>
+      <p:sp>
+        <p:nvSpPr>
+          <p:cNvPr id="5" name="Notes Placeholder 4"/>
+          <p:cNvSpPr>
+            <a:spLocks noGrp="1"/>
+          </p:cNvSpPr>
+          <p:nvPr>
+            <p:ph type="body" sz="quarter" idx="3"/>
+          </p:nvPr>
+        </p:nvSpPr>
+        <p:spPr>
+          <a:xfrm>
+            <a:off x="685800" y="4400550"/>
+            <a:ext cx="5486400" cy="3600450"/>
+          </a:xfrm>
+          <a:prstGeom prst="rect">
+            <a:avLst/>
+          </a:prstGeom>
+        </p:spPr>
+        <p:txBody>
+          <a:bodyPr vert="horz" lIns="91440" tIns="45720" rIns="91440" bIns="45720" rtlCol="0"/>
+          <a:lstStyle/>
+          <a:p>
+            <a:pPr lvl="0"/>
+            <a:r>
+              <a:rPr lang="en-US"/>
+              <a:t>Click to edit Master text styles</a:t>
+            </a:r>
+          </a:p>
+          <a:p>
+            <a:pPr lvl="1"/>
+            <a:r>
+              <a:rPr lang="en-US"/>
+              <a:t>Second level</a:t>
+            </a:r>
+          </a:p>
+          <a:p>
+            <a:pPr lvl="2"/>
+            <a:r>
+              <a:rPr lang="en-US"/>
+              <a:t>Third level</a:t>
+            </a:r>
+          </a:p>
+          <a:p>
+            <a:pPr lvl="3"/>
+            <a:r>
+              <a:rPr lang="en-US"/>
+              <a:t>Fourth level</a:t>
+            </a:r>
+          </a:p>
+          <a:p>
+            <a:pPr lvl="4"/>
+            <a:r>
+              <a:rPr lang="en-US"/>
+              <a:t>Fifth level</a:t>
+            </a:r>
+          </a:p>
+        </p:txBody>
+      </p:sp>
+      <p:sp>
+        <p:nvSpPr>
+          <p:cNvPr id="6" name="Footer Placeholder 5"/>
+          <p:cNvSpPr>
+            <a:spLocks noGrp="1"/>
+          </p:cNvSpPr>
+          <p:nvPr>
+            <p:ph type="ftr" sz="quarter" idx="4"/>
+          </p:nvPr>
+        </p:nvSpPr>
+        <p:spPr>
+          <a:xfrm>
+            <a:off x="0" y="8685213"/>
+            <a:ext cx="2971800" cy="458787"/>
+          </a:xfrm>
+          <a:prstGeom prst="rect">
+            <a:avLst/>
+          </a:prstGeom>
+        </p:spPr>
+        <p:txBody>
+          <a:bodyPr vert="horz" lIns="91440" tIns="45720" rIns="91440" bIns="45720" rtlCol="0" anchor="b"/>
+          <a:lstStyle>
+            <a:lvl1pPr algn="l">
+              <a:defRPr sz="1200"/>
+            </a:lvl1pPr>
+          </a:lstStyle>
+          <a:p>
+            <a:endParaRPr lang="en-US"/>
+          </a:p>
+        </p:txBody>
+      </p:sp>
+      <p:sp>
+        <p:nvSpPr>
+          <p:cNvPr id="7" name="Slide Number Placeholder 6"/>
+          <p:cNvSpPr>
+            <a:spLocks noGrp="1"/>
+          </p:cNvSpPr>
+          <p:nvPr>
+            <p:ph type="sldNum" sz="quarter" idx="5"/>
+          </p:nvPr>
+        </p:nvSpPr>
+        <p:spPr>
+          <a:xfrm>
+            <a:off x="3884613" y="8685213"/>
+            <a:ext cx="2971800" cy="458787"/>
+          </a:xfrm>
+          <a:prstGeom prst="rect">
+            <a:avLst/>
+          </a:prstGeom>
+        </p:spPr>
+        <p:txBody>
+          <a:bodyPr vert="horz" lIns="91440" tIns="45720" rIns="91440" bIns="45720" rtlCol="0" anchor="b"/>
+          <a:lstStyle>
+            <a:lvl1pPr algn="r">
+              <a:defRPr sz="1200"/>
+            </a:lvl1pPr>
+          </a:lstStyle>
+          <a:p>
+            <a:fld id="{E18AC9B3-195D-4959-A6AE-479884A5837B}" type="slidenum">
+              <a:rPr lang="en-US" smtClean="0"/>
+              <a:t>‹#›</a:t>
+            </a:fld>
+            <a:endParaRPr lang="en-US"/>
+          </a:p>
+        </p:txBody>
+      </p:sp>
+    </p:spTree>
+    <p:extLst>
+      <p:ext uri="{BB962C8B-B14F-4D97-AF65-F5344CB8AC3E}">
+        <p14:creationId xmlns:p14="http://schemas.microsoft.com/office/powerpoint/2010/main" val="2352234668"/>
+      </p:ext>
+    </p:extLst>
+  </p:cSld>
+  <p:clrMap bg1="lt1" tx1="dk1" bg2="lt2" tx2="dk2" accent1="accent1" accent2="accent2" accent3="accent3" accent4="accent4" accent5="accent5" accent6="accent6" hlink="hlink" folHlink="folHlink"/>
+  <p:notesStyle>
+    <a:lvl1pPr marL="0" algn="l" defTabSz="914400" rtl="0" eaLnBrk="1" latinLnBrk="0" hangingPunct="1">
+      <a:defRPr sz="1200" kern="1200">
+        <a:solidFill>
+          <a:schemeClr val="tx1"/>
+        </a:solidFill>
+        <a:latin typeface="+mn-lt"/>
+        <a:ea typeface="+mn-ea"/>
+        <a:cs typeface="+mn-cs"/>
+      </a:defRPr>
+    </a:lvl1pPr>
+    <a:lvl2pPr marL="457200" algn="l" defTabSz="914400" rtl="0" eaLnBrk="1" latinLnBrk="0" hangingPunct="1">
+      <a:defRPr sz="1200" kern="1200">
+        <a:solidFill>
+          <a:schemeClr val="tx1"/>
+        </a:solidFill>
+        <a:latin typeface="+mn-lt"/>
+        <a:ea typeface="+mn-ea"/>
+        <a:cs typeface="+mn-cs"/>
+      </a:defRPr>
+    </a:lvl2pPr>
+    <a:lvl3pPr marL="914400" algn="l" defTabSz="914400" rtl="0" eaLnBrk="1" latinLnBrk="0" hangingPunct="1">
+      <a:defRPr sz="1200" kern="1200">
+        <a:solidFill>
+          <a:schemeClr val="tx1"/>
+        </a:solidFill>
+        <a:latin typeface="+mn-lt"/>
+        <a:ea typeface="+mn-ea"/>
+        <a:cs typeface="+mn-cs"/>
+      </a:defRPr>
+    </a:lvl3pPr>
+    <a:lvl4pPr marL="1371600" algn="l" defTabSz="914400" rtl="0" eaLnBrk="1" latinLnBrk="0" hangingPunct="1">
+      <a:defRPr sz="1200" kern="1200">
+        <a:solidFill>
+          <a:schemeClr val="tx1"/>
+        </a:solidFill>
+        <a:latin typeface="+mn-lt"/>
+        <a:ea typeface="+mn-ea"/>
+        <a:cs typeface="+mn-cs"/>
+      </a:defRPr>
+    </a:lvl4pPr>
+    <a:lvl5pPr marL="1828800" algn="l" defTabSz="914400" rtl="0" eaLnBrk="1" latinLnBrk="0" hangingPunct="1">
+      <a:defRPr sz="1200" kern="1200">
+        <a:solidFill>
+          <a:schemeClr val="tx1"/>
+        </a:solidFill>
+        <a:latin typeface="+mn-lt"/>
+        <a:ea typeface="+mn-ea"/>
+        <a:cs typeface="+mn-cs"/>
+      </a:defRPr>
+    </a:lvl5pPr>
+    <a:lvl6pPr marL="2286000" algn="l" defTabSz="914400" rtl="0" eaLnBrk="1" latinLnBrk="0" hangingPunct="1">
+      <a:defRPr sz="1200" kern="1200">
+        <a:solidFill>
+          <a:schemeClr val="tx1"/>
+        </a:solidFill>
+        <a:latin typeface="+mn-lt"/>
+        <a:ea typeface="+mn-ea"/>
+        <a:cs typeface="+mn-cs"/>
+      </a:defRPr>
+    </a:lvl6pPr>
+    <a:lvl7pPr marL="2743200" algn="l" defTabSz="914400" rtl="0" eaLnBrk="1" latinLnBrk="0" hangingPunct="1">
+      <a:defRPr sz="1200" kern="1200">
+        <a:solidFill>
+          <a:schemeClr val="tx1"/>
+        </a:solidFill>
+        <a:latin typeface="+mn-lt"/>
+        <a:ea typeface="+mn-ea"/>
+        <a:cs typeface="+mn-cs"/>
+      </a:defRPr>
+    </a:lvl7pPr>
+    <a:lvl8pPr marL="3200400" algn="l" defTabSz="914400" rtl="0" eaLnBrk="1" latinLnBrk="0" hangingPunct="1">
+      <a:defRPr sz="1200" kern="1200">
+        <a:solidFill>
+          <a:schemeClr val="tx1"/>
+        </a:solidFill>
+        <a:latin typeface="+mn-lt"/>
+        <a:ea typeface="+mn-ea"/>
+        <a:cs typeface="+mn-cs"/>
+      </a:defRPr>
+    </a:lvl8pPr>
+    <a:lvl9pPr marL="3657600" algn="l" defTabSz="914400" rtl="0" eaLnBrk="1" latinLnBrk="0" hangingPunct="1">
+      <a:defRPr sz="1200" kern="1200">
+        <a:solidFill>
+          <a:schemeClr val="tx1"/>
+        </a:solidFill>
+        <a:latin typeface="+mn-lt"/>
+        <a:ea typeface="+mn-ea"/>
+        <a:cs typeface="+mn-cs"/>
+      </a:defRPr>
+    </a:lvl9pPr>
+  </p:notesStyle>
+</p:notesMaster>
+</file>
+
+<file path=ppt/notesSlides/notesSlide1.xml><?xml version="1.0" encoding="utf-8"?>
+<p:notes xmlns:a="http://schemas.openxmlformats.org/drawingml/2006/main" xmlns:r="http://schemas.openxmlformats.org/officeDocument/2006/relationships" xmlns:p="http://schemas.openxmlformats.org/presentationml/2006/main">
+  <p:cSld>
+    <p:spTree>
+      <p:nvGrpSpPr>
+        <p:cNvPr id="1" name=""/>
+        <p:cNvGrpSpPr/>
+        <p:nvPr/>
+      </p:nvGrpSpPr>
+      <p:grpSpPr>
+        <a:xfrm>
+          <a:off x="0" y="0"/>
+          <a:ext cx="0" cy="0"/>
+          <a:chOff x="0" y="0"/>
+          <a:chExt cx="0" cy="0"/>
+        </a:xfrm>
+      </p:grpSpPr>
+      <p:sp>
+        <p:nvSpPr>
+          <p:cNvPr id="2" name="Slide Image Placeholder 1"/>
+          <p:cNvSpPr>
+            <a:spLocks noGrp="1" noRot="1" noChangeAspect="1"/>
+          </p:cNvSpPr>
+          <p:nvPr>
+            <p:ph type="sldImg"/>
+          </p:nvPr>
+        </p:nvSpPr>
+        <p:spPr/>
+      </p:sp>
+      <p:sp>
+        <p:nvSpPr>
+          <p:cNvPr id="3" name="Notes Placeholder 2"/>
+          <p:cNvSpPr>
+            <a:spLocks noGrp="1"/>
+          </p:cNvSpPr>
+          <p:nvPr>
+            <p:ph type="body" idx="1"/>
+          </p:nvPr>
+        </p:nvSpPr>
+        <p:spPr/>
+        <p:txBody>
+          <a:bodyPr/>
+          <a:lstStyle/>
+          <a:p>
+            <a:endParaRPr lang="en-US" dirty="0"/>
+          </a:p>
+        </p:txBody>
+      </p:sp>
+      <p:sp>
+        <p:nvSpPr>
+          <p:cNvPr id="4" name="Slide Number Placeholder 3"/>
+          <p:cNvSpPr>
+            <a:spLocks noGrp="1"/>
+          </p:cNvSpPr>
+          <p:nvPr>
+            <p:ph type="sldNum" sz="quarter" idx="5"/>
+          </p:nvPr>
+        </p:nvSpPr>
+        <p:spPr/>
+        <p:txBody>
+          <a:bodyPr/>
+          <a:lstStyle/>
+          <a:p>
+            <a:fld id="{E18AC9B3-195D-4959-A6AE-479884A5837B}" type="slidenum">
+              <a:rPr lang="en-US" smtClean="0"/>
+              <a:t>4</a:t>
+            </a:fld>
+            <a:endParaRPr lang="en-US"/>
+          </a:p>
+        </p:txBody>
+      </p:sp>
+    </p:spTree>
+    <p:extLst>
+      <p:ext uri="{BB962C8B-B14F-4D97-AF65-F5344CB8AC3E}">
+        <p14:creationId xmlns:p14="http://schemas.microsoft.com/office/powerpoint/2010/main" val="925658928"/>
+      </p:ext>
+    </p:extLst>
+  </p:cSld>
+  <p:clrMapOvr>
+    <a:masterClrMapping/>
+  </p:clrMapOvr>
+</p:notes>
 </file>
 
 <file path=ppt/slideLayouts/slideLayout1.xml><?xml version="1.0" encoding="utf-8"?>
@@ -426,7 +1359,7 @@
             <a:fld id="{E5B5A7AD-3644-4FD9-AB8D-0B617DF79C2D}" type="datetimeFigureOut">
               <a:rPr lang="en-US" smtClean="0"/>
               <a:pPr/>
-              <a:t>10/17/2023</a:t>
+              <a:t>2/15/2024</a:t>
             </a:fld>
             <a:endParaRPr lang="en-US"/>
           </a:p>
@@ -591,7 +1524,7 @@
             <a:fld id="{E5B5A7AD-3644-4FD9-AB8D-0B617DF79C2D}" type="datetimeFigureOut">
               <a:rPr lang="en-US" smtClean="0"/>
               <a:pPr/>
-              <a:t>10/17/2023</a:t>
+              <a:t>2/15/2024</a:t>
             </a:fld>
             <a:endParaRPr lang="en-US"/>
           </a:p>
@@ -766,7 +1699,7 @@
             <a:fld id="{E5B5A7AD-3644-4FD9-AB8D-0B617DF79C2D}" type="datetimeFigureOut">
               <a:rPr lang="en-US" smtClean="0"/>
               <a:pPr/>
-              <a:t>10/17/2023</a:t>
+              <a:t>2/15/2024</a:t>
             </a:fld>
             <a:endParaRPr lang="en-US"/>
           </a:p>
@@ -931,7 +1864,7 @@
             <a:fld id="{E5B5A7AD-3644-4FD9-AB8D-0B617DF79C2D}" type="datetimeFigureOut">
               <a:rPr lang="en-US" smtClean="0"/>
               <a:pPr/>
-              <a:t>10/17/2023</a:t>
+              <a:t>2/15/2024</a:t>
             </a:fld>
             <a:endParaRPr lang="en-US"/>
           </a:p>
@@ -1173,7 +2106,7 @@
             <a:fld id="{E5B5A7AD-3644-4FD9-AB8D-0B617DF79C2D}" type="datetimeFigureOut">
               <a:rPr lang="en-US" smtClean="0"/>
               <a:pPr/>
-              <a:t>10/17/2023</a:t>
+              <a:t>2/15/2024</a:t>
             </a:fld>
             <a:endParaRPr lang="en-US"/>
           </a:p>
@@ -1455,7 +2388,7 @@
             <a:fld id="{E5B5A7AD-3644-4FD9-AB8D-0B617DF79C2D}" type="datetimeFigureOut">
               <a:rPr lang="en-US" smtClean="0"/>
               <a:pPr/>
-              <a:t>10/17/2023</a:t>
+              <a:t>2/15/2024</a:t>
             </a:fld>
             <a:endParaRPr lang="en-US"/>
           </a:p>
@@ -1871,7 +2804,7 @@
             <a:fld id="{E5B5A7AD-3644-4FD9-AB8D-0B617DF79C2D}" type="datetimeFigureOut">
               <a:rPr lang="en-US" smtClean="0"/>
               <a:pPr/>
-              <a:t>10/17/2023</a:t>
+              <a:t>2/15/2024</a:t>
             </a:fld>
             <a:endParaRPr lang="en-US"/>
           </a:p>
@@ -1985,7 +2918,7 @@
             <a:fld id="{E5B5A7AD-3644-4FD9-AB8D-0B617DF79C2D}" type="datetimeFigureOut">
               <a:rPr lang="en-US" smtClean="0"/>
               <a:pPr/>
-              <a:t>10/17/2023</a:t>
+              <a:t>2/15/2024</a:t>
             </a:fld>
             <a:endParaRPr lang="en-US"/>
           </a:p>
@@ -2077,7 +3010,7 @@
             <a:fld id="{E5B5A7AD-3644-4FD9-AB8D-0B617DF79C2D}" type="datetimeFigureOut">
               <a:rPr lang="en-US" smtClean="0"/>
               <a:pPr/>
-              <a:t>10/17/2023</a:t>
+              <a:t>2/15/2024</a:t>
             </a:fld>
             <a:endParaRPr lang="en-US"/>
           </a:p>
@@ -2349,7 +3282,7 @@
             <a:fld id="{E5B5A7AD-3644-4FD9-AB8D-0B617DF79C2D}" type="datetimeFigureOut">
               <a:rPr lang="en-US" smtClean="0"/>
               <a:pPr/>
-              <a:t>10/17/2023</a:t>
+              <a:t>2/15/2024</a:t>
             </a:fld>
             <a:endParaRPr lang="en-US"/>
           </a:p>
@@ -2598,7 +3531,7 @@
             <a:fld id="{E5B5A7AD-3644-4FD9-AB8D-0B617DF79C2D}" type="datetimeFigureOut">
               <a:rPr lang="en-US" smtClean="0"/>
               <a:pPr/>
-              <a:t>10/17/2023</a:t>
+              <a:t>2/15/2024</a:t>
             </a:fld>
             <a:endParaRPr lang="en-US"/>
           </a:p>
@@ -2806,7 +3739,7 @@
             <a:fld id="{E5B5A7AD-3644-4FD9-AB8D-0B617DF79C2D}" type="datetimeFigureOut">
               <a:rPr lang="en-US" smtClean="0"/>
               <a:pPr/>
-              <a:t>10/17/2023</a:t>
+              <a:t>2/15/2024</a:t>
             </a:fld>
             <a:endParaRPr lang="en-US"/>
           </a:p>
@@ -3601,6 +4534,1742 @@
 </file>
 
 <file path=ppt/slides/slide10.xml><?xml version="1.0" encoding="utf-8"?>
+<p:sld xmlns:a="http://schemas.openxmlformats.org/drawingml/2006/main" xmlns:r="http://schemas.openxmlformats.org/officeDocument/2006/relationships" xmlns:p="http://schemas.openxmlformats.org/presentationml/2006/main">
+  <p:cSld>
+    <p:spTree>
+      <p:nvGrpSpPr>
+        <p:cNvPr id="1" name=""/>
+        <p:cNvGrpSpPr/>
+        <p:nvPr/>
+      </p:nvGrpSpPr>
+      <p:grpSpPr>
+        <a:xfrm>
+          <a:off x="0" y="0"/>
+          <a:ext cx="0" cy="0"/>
+          <a:chOff x="0" y="0"/>
+          <a:chExt cx="0" cy="0"/>
+        </a:xfrm>
+      </p:grpSpPr>
+      <p:sp>
+        <p:nvSpPr>
+          <p:cNvPr id="49" name="TextBox 48"/>
+          <p:cNvSpPr txBox="1"/>
+          <p:nvPr/>
+        </p:nvSpPr>
+        <p:spPr>
+          <a:xfrm>
+            <a:off x="319360" y="4025142"/>
+            <a:ext cx="393056" cy="646331"/>
+          </a:xfrm>
+          <a:prstGeom prst="rect">
+            <a:avLst/>
+          </a:prstGeom>
+          <a:solidFill>
+            <a:schemeClr val="bg1"/>
+          </a:solidFill>
+        </p:spPr>
+        <p:txBody>
+          <a:bodyPr wrap="none" rtlCol="0">
+            <a:spAutoFit/>
+          </a:bodyPr>
+          <a:lstStyle/>
+          <a:p>
+            <a:r>
+              <a:rPr lang="en-US" sz="3600" dirty="0"/>
+              <a:t>y</a:t>
+            </a:r>
+          </a:p>
+        </p:txBody>
+      </p:sp>
+      <p:sp>
+        <p:nvSpPr>
+          <p:cNvPr id="22" name="Oval 21"/>
+          <p:cNvSpPr/>
+          <p:nvPr/>
+        </p:nvSpPr>
+        <p:spPr>
+          <a:xfrm>
+            <a:off x="944130" y="1665026"/>
+            <a:ext cx="1501254" cy="2565779"/>
+          </a:xfrm>
+          <a:prstGeom prst="ellipse">
+            <a:avLst/>
+          </a:prstGeom>
+          <a:solidFill>
+            <a:srgbClr val="FFC000"/>
+          </a:solidFill>
+        </p:spPr>
+        <p:style>
+          <a:lnRef idx="2">
+            <a:schemeClr val="accent1">
+              <a:shade val="50000"/>
+            </a:schemeClr>
+          </a:lnRef>
+          <a:fillRef idx="1">
+            <a:schemeClr val="accent1"/>
+          </a:fillRef>
+          <a:effectRef idx="0">
+            <a:schemeClr val="accent1"/>
+          </a:effectRef>
+          <a:fontRef idx="minor">
+            <a:schemeClr val="lt1"/>
+          </a:fontRef>
+        </p:style>
+        <p:txBody>
+          <a:bodyPr rtlCol="0" anchor="ctr"/>
+          <a:lstStyle/>
+          <a:p>
+            <a:pPr algn="ctr"/>
+            <a:endParaRPr lang="en-US"/>
+          </a:p>
+        </p:txBody>
+      </p:sp>
+      <p:sp>
+        <p:nvSpPr>
+          <p:cNvPr id="23" name="Oval 22"/>
+          <p:cNvSpPr/>
+          <p:nvPr/>
+        </p:nvSpPr>
+        <p:spPr>
+          <a:xfrm>
+            <a:off x="1203438" y="1872017"/>
+            <a:ext cx="1064525" cy="2140425"/>
+          </a:xfrm>
+          <a:prstGeom prst="ellipse">
+            <a:avLst/>
+          </a:prstGeom>
+          <a:solidFill>
+            <a:schemeClr val="bg1"/>
+          </a:solidFill>
+        </p:spPr>
+        <p:style>
+          <a:lnRef idx="2">
+            <a:schemeClr val="accent1">
+              <a:shade val="50000"/>
+            </a:schemeClr>
+          </a:lnRef>
+          <a:fillRef idx="1">
+            <a:schemeClr val="accent1"/>
+          </a:fillRef>
+          <a:effectRef idx="0">
+            <a:schemeClr val="accent1"/>
+          </a:effectRef>
+          <a:fontRef idx="minor">
+            <a:schemeClr val="lt1"/>
+          </a:fontRef>
+        </p:style>
+        <p:txBody>
+          <a:bodyPr rtlCol="0" anchor="ctr"/>
+          <a:lstStyle/>
+          <a:p>
+            <a:pPr algn="ctr"/>
+            <a:endParaRPr lang="en-US" dirty="0">
+              <a:solidFill>
+                <a:srgbClr val="00B050"/>
+              </a:solidFill>
+            </a:endParaRPr>
+          </a:p>
+        </p:txBody>
+      </p:sp>
+      <p:sp>
+        <p:nvSpPr>
+          <p:cNvPr id="7" name="Text Box 9"/>
+          <p:cNvSpPr txBox="1">
+            <a:spLocks noChangeArrowheads="1"/>
+          </p:cNvSpPr>
+          <p:nvPr/>
+        </p:nvSpPr>
+        <p:spPr bwMode="auto">
+          <a:xfrm>
+            <a:off x="1755968" y="1638726"/>
+            <a:ext cx="300082" cy="369332"/>
+          </a:xfrm>
+          <a:prstGeom prst="rect">
+            <a:avLst/>
+          </a:prstGeom>
+          <a:noFill/>
+          <a:ln w="9525">
+            <a:noFill/>
+            <a:miter lim="800000"/>
+            <a:headEnd/>
+            <a:tailEnd/>
+          </a:ln>
+          <a:effectLst/>
+        </p:spPr>
+        <p:txBody>
+          <a:bodyPr wrap="none">
+            <a:spAutoFit/>
+          </a:bodyPr>
+          <a:lstStyle/>
+          <a:p>
+            <a:r>
+              <a:rPr lang="en-US" dirty="0">
+                <a:solidFill>
+                  <a:schemeClr val="bg1"/>
+                </a:solidFill>
+              </a:rPr>
+              <a:t>+</a:t>
+            </a:r>
+          </a:p>
+        </p:txBody>
+      </p:sp>
+      <p:sp>
+        <p:nvSpPr>
+          <p:cNvPr id="9" name="Text Box 11"/>
+          <p:cNvSpPr txBox="1">
+            <a:spLocks noChangeArrowheads="1"/>
+          </p:cNvSpPr>
+          <p:nvPr/>
+        </p:nvSpPr>
+        <p:spPr bwMode="auto">
+          <a:xfrm>
+            <a:off x="1090497" y="1924477"/>
+            <a:ext cx="300082" cy="369332"/>
+          </a:xfrm>
+          <a:prstGeom prst="rect">
+            <a:avLst/>
+          </a:prstGeom>
+          <a:noFill/>
+          <a:ln w="9525">
+            <a:noFill/>
+            <a:miter lim="800000"/>
+            <a:headEnd/>
+            <a:tailEnd/>
+          </a:ln>
+          <a:effectLst/>
+        </p:spPr>
+        <p:txBody>
+          <a:bodyPr wrap="none">
+            <a:spAutoFit/>
+          </a:bodyPr>
+          <a:lstStyle/>
+          <a:p>
+            <a:r>
+              <a:rPr lang="en-US" dirty="0">
+                <a:solidFill>
+                  <a:schemeClr val="bg1"/>
+                </a:solidFill>
+              </a:rPr>
+              <a:t>+</a:t>
+            </a:r>
+          </a:p>
+        </p:txBody>
+      </p:sp>
+      <p:sp>
+        <p:nvSpPr>
+          <p:cNvPr id="12" name="Text Box 14"/>
+          <p:cNvSpPr txBox="1">
+            <a:spLocks noChangeArrowheads="1"/>
+          </p:cNvSpPr>
+          <p:nvPr/>
+        </p:nvSpPr>
+        <p:spPr bwMode="auto">
+          <a:xfrm>
+            <a:off x="2118866" y="2264202"/>
+            <a:ext cx="300082" cy="369332"/>
+          </a:xfrm>
+          <a:prstGeom prst="rect">
+            <a:avLst/>
+          </a:prstGeom>
+          <a:noFill/>
+          <a:ln w="9525">
+            <a:noFill/>
+            <a:miter lim="800000"/>
+            <a:headEnd/>
+            <a:tailEnd/>
+          </a:ln>
+          <a:effectLst/>
+        </p:spPr>
+        <p:txBody>
+          <a:bodyPr wrap="none">
+            <a:spAutoFit/>
+          </a:bodyPr>
+          <a:lstStyle/>
+          <a:p>
+            <a:r>
+              <a:rPr lang="en-US" dirty="0">
+                <a:solidFill>
+                  <a:schemeClr val="bg1"/>
+                </a:solidFill>
+              </a:rPr>
+              <a:t>+</a:t>
+            </a:r>
+          </a:p>
+        </p:txBody>
+      </p:sp>
+      <p:sp>
+        <p:nvSpPr>
+          <p:cNvPr id="13" name="Text Box 15"/>
+          <p:cNvSpPr txBox="1">
+            <a:spLocks noChangeArrowheads="1"/>
+          </p:cNvSpPr>
+          <p:nvPr/>
+        </p:nvSpPr>
+        <p:spPr bwMode="auto">
+          <a:xfrm>
+            <a:off x="1987103" y="1891139"/>
+            <a:ext cx="300082" cy="369332"/>
+          </a:xfrm>
+          <a:prstGeom prst="rect">
+            <a:avLst/>
+          </a:prstGeom>
+          <a:noFill/>
+          <a:ln w="9525">
+            <a:noFill/>
+            <a:miter lim="800000"/>
+            <a:headEnd/>
+            <a:tailEnd/>
+          </a:ln>
+          <a:effectLst/>
+        </p:spPr>
+        <p:txBody>
+          <a:bodyPr wrap="none">
+            <a:spAutoFit/>
+          </a:bodyPr>
+          <a:lstStyle/>
+          <a:p>
+            <a:r>
+              <a:rPr lang="en-US" dirty="0">
+                <a:solidFill>
+                  <a:schemeClr val="bg1"/>
+                </a:solidFill>
+              </a:rPr>
+              <a:t>+</a:t>
+            </a:r>
+          </a:p>
+        </p:txBody>
+      </p:sp>
+      <p:sp>
+        <p:nvSpPr>
+          <p:cNvPr id="14" name="Text Box 16"/>
+          <p:cNvSpPr txBox="1">
+            <a:spLocks noChangeArrowheads="1"/>
+          </p:cNvSpPr>
+          <p:nvPr/>
+        </p:nvSpPr>
+        <p:spPr bwMode="auto">
+          <a:xfrm>
+            <a:off x="1335280" y="1657777"/>
+            <a:ext cx="300082" cy="369332"/>
+          </a:xfrm>
+          <a:prstGeom prst="rect">
+            <a:avLst/>
+          </a:prstGeom>
+          <a:noFill/>
+          <a:ln w="9525">
+            <a:noFill/>
+            <a:miter lim="800000"/>
+            <a:headEnd/>
+            <a:tailEnd/>
+          </a:ln>
+          <a:effectLst/>
+        </p:spPr>
+        <p:txBody>
+          <a:bodyPr wrap="none">
+            <a:spAutoFit/>
+          </a:bodyPr>
+          <a:lstStyle/>
+          <a:p>
+            <a:r>
+              <a:rPr lang="en-US" dirty="0">
+                <a:solidFill>
+                  <a:schemeClr val="bg1"/>
+                </a:solidFill>
+              </a:rPr>
+              <a:t>+</a:t>
+            </a:r>
+          </a:p>
+        </p:txBody>
+      </p:sp>
+      <p:sp>
+        <p:nvSpPr>
+          <p:cNvPr id="15" name="Text Box 17"/>
+          <p:cNvSpPr txBox="1">
+            <a:spLocks noChangeArrowheads="1"/>
+          </p:cNvSpPr>
+          <p:nvPr/>
+        </p:nvSpPr>
+        <p:spPr bwMode="auto">
+          <a:xfrm>
+            <a:off x="944756" y="2299127"/>
+            <a:ext cx="300082" cy="369332"/>
+          </a:xfrm>
+          <a:prstGeom prst="rect">
+            <a:avLst/>
+          </a:prstGeom>
+          <a:noFill/>
+          <a:ln w="9525">
+            <a:noFill/>
+            <a:miter lim="800000"/>
+            <a:headEnd/>
+            <a:tailEnd/>
+          </a:ln>
+          <a:effectLst/>
+        </p:spPr>
+        <p:txBody>
+          <a:bodyPr wrap="none">
+            <a:spAutoFit/>
+          </a:bodyPr>
+          <a:lstStyle/>
+          <a:p>
+            <a:r>
+              <a:rPr lang="en-US" dirty="0">
+                <a:solidFill>
+                  <a:schemeClr val="bg1"/>
+                </a:solidFill>
+              </a:rPr>
+              <a:t>+</a:t>
+            </a:r>
+          </a:p>
+        </p:txBody>
+      </p:sp>
+      <p:sp>
+        <p:nvSpPr>
+          <p:cNvPr id="16" name="Text Box 18"/>
+          <p:cNvSpPr txBox="1">
+            <a:spLocks noChangeArrowheads="1"/>
+          </p:cNvSpPr>
+          <p:nvPr/>
+        </p:nvSpPr>
+        <p:spPr bwMode="auto">
+          <a:xfrm>
+            <a:off x="922530" y="2765851"/>
+            <a:ext cx="300082" cy="369332"/>
+          </a:xfrm>
+          <a:prstGeom prst="rect">
+            <a:avLst/>
+          </a:prstGeom>
+          <a:noFill/>
+          <a:ln w="9525">
+            <a:noFill/>
+            <a:miter lim="800000"/>
+            <a:headEnd/>
+            <a:tailEnd/>
+          </a:ln>
+          <a:effectLst/>
+        </p:spPr>
+        <p:txBody>
+          <a:bodyPr wrap="none">
+            <a:spAutoFit/>
+          </a:bodyPr>
+          <a:lstStyle/>
+          <a:p>
+            <a:r>
+              <a:rPr lang="en-US" dirty="0">
+                <a:solidFill>
+                  <a:schemeClr val="bg1"/>
+                </a:solidFill>
+              </a:rPr>
+              <a:t>+</a:t>
+            </a:r>
+          </a:p>
+        </p:txBody>
+      </p:sp>
+      <p:sp>
+        <p:nvSpPr>
+          <p:cNvPr id="19" name="Text Box 21"/>
+          <p:cNvSpPr txBox="1">
+            <a:spLocks noChangeArrowheads="1"/>
+          </p:cNvSpPr>
+          <p:nvPr/>
+        </p:nvSpPr>
+        <p:spPr bwMode="auto">
+          <a:xfrm>
+            <a:off x="2025203" y="3535789"/>
+            <a:ext cx="300082" cy="369332"/>
+          </a:xfrm>
+          <a:prstGeom prst="rect">
+            <a:avLst/>
+          </a:prstGeom>
+          <a:noFill/>
+          <a:ln w="9525">
+            <a:noFill/>
+            <a:miter lim="800000"/>
+            <a:headEnd/>
+            <a:tailEnd/>
+          </a:ln>
+          <a:effectLst/>
+        </p:spPr>
+        <p:txBody>
+          <a:bodyPr wrap="none">
+            <a:spAutoFit/>
+          </a:bodyPr>
+          <a:lstStyle/>
+          <a:p>
+            <a:r>
+              <a:rPr lang="en-US" dirty="0">
+                <a:solidFill>
+                  <a:schemeClr val="bg1"/>
+                </a:solidFill>
+              </a:rPr>
+              <a:t>+</a:t>
+            </a:r>
+          </a:p>
+        </p:txBody>
+      </p:sp>
+      <p:sp>
+        <p:nvSpPr>
+          <p:cNvPr id="20" name="Text Box 22"/>
+          <p:cNvSpPr txBox="1">
+            <a:spLocks noChangeArrowheads="1"/>
+          </p:cNvSpPr>
+          <p:nvPr/>
+        </p:nvSpPr>
+        <p:spPr bwMode="auto">
+          <a:xfrm>
+            <a:off x="2185540" y="2656314"/>
+            <a:ext cx="300082" cy="369332"/>
+          </a:xfrm>
+          <a:prstGeom prst="rect">
+            <a:avLst/>
+          </a:prstGeom>
+          <a:noFill/>
+          <a:ln w="9525">
+            <a:noFill/>
+            <a:miter lim="800000"/>
+            <a:headEnd/>
+            <a:tailEnd/>
+          </a:ln>
+          <a:effectLst/>
+        </p:spPr>
+        <p:txBody>
+          <a:bodyPr wrap="none">
+            <a:spAutoFit/>
+          </a:bodyPr>
+          <a:lstStyle/>
+          <a:p>
+            <a:r>
+              <a:rPr lang="en-US" dirty="0">
+                <a:solidFill>
+                  <a:schemeClr val="bg1"/>
+                </a:solidFill>
+              </a:rPr>
+              <a:t>+</a:t>
+            </a:r>
+          </a:p>
+        </p:txBody>
+      </p:sp>
+      <p:sp>
+        <p:nvSpPr>
+          <p:cNvPr id="11" name="Text Box 13"/>
+          <p:cNvSpPr txBox="1">
+            <a:spLocks noChangeArrowheads="1"/>
+          </p:cNvSpPr>
+          <p:nvPr/>
+        </p:nvSpPr>
+        <p:spPr bwMode="auto">
+          <a:xfrm>
+            <a:off x="955868" y="3169076"/>
+            <a:ext cx="300082" cy="369332"/>
+          </a:xfrm>
+          <a:prstGeom prst="rect">
+            <a:avLst/>
+          </a:prstGeom>
+          <a:noFill/>
+          <a:ln w="9525">
+            <a:noFill/>
+            <a:miter lim="800000"/>
+            <a:headEnd/>
+            <a:tailEnd/>
+          </a:ln>
+          <a:effectLst/>
+        </p:spPr>
+        <p:txBody>
+          <a:bodyPr wrap="none">
+            <a:spAutoFit/>
+          </a:bodyPr>
+          <a:lstStyle/>
+          <a:p>
+            <a:r>
+              <a:rPr lang="en-US" dirty="0">
+                <a:solidFill>
+                  <a:schemeClr val="bg1"/>
+                </a:solidFill>
+              </a:rPr>
+              <a:t>+</a:t>
+            </a:r>
+          </a:p>
+        </p:txBody>
+      </p:sp>
+      <p:sp>
+        <p:nvSpPr>
+          <p:cNvPr id="17" name="Text Box 19"/>
+          <p:cNvSpPr txBox="1">
+            <a:spLocks noChangeArrowheads="1"/>
+          </p:cNvSpPr>
+          <p:nvPr/>
+        </p:nvSpPr>
+        <p:spPr bwMode="auto">
+          <a:xfrm>
+            <a:off x="1089218" y="3531027"/>
+            <a:ext cx="300082" cy="369332"/>
+          </a:xfrm>
+          <a:prstGeom prst="rect">
+            <a:avLst/>
+          </a:prstGeom>
+          <a:noFill/>
+          <a:ln w="9525">
+            <a:noFill/>
+            <a:miter lim="800000"/>
+            <a:headEnd/>
+            <a:tailEnd/>
+          </a:ln>
+          <a:effectLst/>
+        </p:spPr>
+        <p:txBody>
+          <a:bodyPr wrap="none">
+            <a:spAutoFit/>
+          </a:bodyPr>
+          <a:lstStyle/>
+          <a:p>
+            <a:r>
+              <a:rPr lang="en-US" dirty="0">
+                <a:solidFill>
+                  <a:schemeClr val="bg1"/>
+                </a:solidFill>
+              </a:rPr>
+              <a:t>+</a:t>
+            </a:r>
+          </a:p>
+        </p:txBody>
+      </p:sp>
+      <p:sp>
+        <p:nvSpPr>
+          <p:cNvPr id="18" name="Text Box 20"/>
+          <p:cNvSpPr txBox="1">
+            <a:spLocks noChangeArrowheads="1"/>
+          </p:cNvSpPr>
+          <p:nvPr/>
+        </p:nvSpPr>
+        <p:spPr bwMode="auto">
+          <a:xfrm>
+            <a:off x="1346393" y="3851702"/>
+            <a:ext cx="300082" cy="369332"/>
+          </a:xfrm>
+          <a:prstGeom prst="rect">
+            <a:avLst/>
+          </a:prstGeom>
+          <a:noFill/>
+          <a:ln w="9525">
+            <a:noFill/>
+            <a:miter lim="800000"/>
+            <a:headEnd/>
+            <a:tailEnd/>
+          </a:ln>
+          <a:effectLst/>
+        </p:spPr>
+        <p:txBody>
+          <a:bodyPr wrap="none">
+            <a:spAutoFit/>
+          </a:bodyPr>
+          <a:lstStyle/>
+          <a:p>
+            <a:r>
+              <a:rPr lang="en-US" dirty="0">
+                <a:solidFill>
+                  <a:schemeClr val="bg1"/>
+                </a:solidFill>
+              </a:rPr>
+              <a:t>+</a:t>
+            </a:r>
+          </a:p>
+        </p:txBody>
+      </p:sp>
+      <p:sp>
+        <p:nvSpPr>
+          <p:cNvPr id="10" name="Text Box 12"/>
+          <p:cNvSpPr txBox="1">
+            <a:spLocks noChangeArrowheads="1"/>
+          </p:cNvSpPr>
+          <p:nvPr/>
+        </p:nvSpPr>
+        <p:spPr bwMode="auto">
+          <a:xfrm>
+            <a:off x="1787718" y="3842176"/>
+            <a:ext cx="300082" cy="369332"/>
+          </a:xfrm>
+          <a:prstGeom prst="rect">
+            <a:avLst/>
+          </a:prstGeom>
+          <a:noFill/>
+          <a:ln w="9525">
+            <a:noFill/>
+            <a:miter lim="800000"/>
+            <a:headEnd/>
+            <a:tailEnd/>
+          </a:ln>
+          <a:effectLst/>
+        </p:spPr>
+        <p:txBody>
+          <a:bodyPr wrap="none">
+            <a:spAutoFit/>
+          </a:bodyPr>
+          <a:lstStyle/>
+          <a:p>
+            <a:r>
+              <a:rPr lang="en-US" dirty="0">
+                <a:solidFill>
+                  <a:schemeClr val="bg1"/>
+                </a:solidFill>
+              </a:rPr>
+              <a:t>+</a:t>
+            </a:r>
+          </a:p>
+        </p:txBody>
+      </p:sp>
+      <p:sp>
+        <p:nvSpPr>
+          <p:cNvPr id="5" name="Text Box 7"/>
+          <p:cNvSpPr txBox="1">
+            <a:spLocks noChangeArrowheads="1"/>
+          </p:cNvSpPr>
+          <p:nvPr/>
+        </p:nvSpPr>
+        <p:spPr bwMode="auto">
+          <a:xfrm>
+            <a:off x="2169405" y="3100435"/>
+            <a:ext cx="300082" cy="369332"/>
+          </a:xfrm>
+          <a:prstGeom prst="rect">
+            <a:avLst/>
+          </a:prstGeom>
+          <a:noFill/>
+          <a:ln w="9525">
+            <a:noFill/>
+            <a:miter lim="800000"/>
+            <a:headEnd/>
+            <a:tailEnd/>
+          </a:ln>
+          <a:effectLst/>
+        </p:spPr>
+        <p:txBody>
+          <a:bodyPr wrap="none">
+            <a:spAutoFit/>
+          </a:bodyPr>
+          <a:lstStyle/>
+          <a:p>
+            <a:r>
+              <a:rPr lang="en-US" dirty="0">
+                <a:solidFill>
+                  <a:schemeClr val="bg1"/>
+                </a:solidFill>
+              </a:rPr>
+              <a:t>+</a:t>
+            </a:r>
+          </a:p>
+        </p:txBody>
+      </p:sp>
+      <p:cxnSp>
+        <p:nvCxnSpPr>
+          <p:cNvPr id="26" name="Straight Connector 25"/>
+          <p:cNvCxnSpPr>
+            <a:stCxn id="16" idx="3"/>
+          </p:cNvCxnSpPr>
+          <p:nvPr/>
+        </p:nvCxnSpPr>
+        <p:spPr>
+          <a:xfrm flipV="1">
+            <a:off x="1222612" y="2934269"/>
+            <a:ext cx="7088875" cy="16248"/>
+          </a:xfrm>
+          <a:prstGeom prst="line">
+            <a:avLst/>
+          </a:prstGeom>
+          <a:ln w="28575">
+            <a:solidFill>
+              <a:schemeClr val="tx1"/>
+            </a:solidFill>
+          </a:ln>
+        </p:spPr>
+        <p:style>
+          <a:lnRef idx="1">
+            <a:schemeClr val="accent1"/>
+          </a:lnRef>
+          <a:fillRef idx="0">
+            <a:schemeClr val="accent1"/>
+          </a:fillRef>
+          <a:effectRef idx="0">
+            <a:schemeClr val="accent1"/>
+          </a:effectRef>
+          <a:fontRef idx="minor">
+            <a:schemeClr val="tx1"/>
+          </a:fontRef>
+        </p:style>
+      </p:cxnSp>
+      <p:cxnSp>
+        <p:nvCxnSpPr>
+          <p:cNvPr id="27" name="Straight Connector 26"/>
+          <p:cNvCxnSpPr/>
+          <p:nvPr/>
+        </p:nvCxnSpPr>
+        <p:spPr>
+          <a:xfrm>
+            <a:off x="163773" y="2947916"/>
+            <a:ext cx="684823" cy="2"/>
+          </a:xfrm>
+          <a:prstGeom prst="line">
+            <a:avLst/>
+          </a:prstGeom>
+          <a:ln w="28575">
+            <a:solidFill>
+              <a:schemeClr val="tx1"/>
+            </a:solidFill>
+          </a:ln>
+        </p:spPr>
+        <p:style>
+          <a:lnRef idx="1">
+            <a:schemeClr val="accent1"/>
+          </a:lnRef>
+          <a:fillRef idx="0">
+            <a:schemeClr val="accent1"/>
+          </a:fillRef>
+          <a:effectRef idx="0">
+            <a:schemeClr val="accent1"/>
+          </a:effectRef>
+          <a:fontRef idx="minor">
+            <a:schemeClr val="tx1"/>
+          </a:fontRef>
+        </p:style>
+      </p:cxnSp>
+      <p:cxnSp>
+        <p:nvCxnSpPr>
+          <p:cNvPr id="30" name="Straight Connector 29"/>
+          <p:cNvCxnSpPr/>
+          <p:nvPr/>
+        </p:nvCxnSpPr>
+        <p:spPr>
+          <a:xfrm flipH="1" flipV="1">
+            <a:off x="1626518" y="614149"/>
+            <a:ext cx="27296" cy="2320120"/>
+          </a:xfrm>
+          <a:prstGeom prst="line">
+            <a:avLst/>
+          </a:prstGeom>
+          <a:ln>
+            <a:solidFill>
+              <a:schemeClr val="tx1"/>
+            </a:solidFill>
+            <a:tailEnd type="arrow"/>
+          </a:ln>
+        </p:spPr>
+        <p:style>
+          <a:lnRef idx="1">
+            <a:schemeClr val="accent1"/>
+          </a:lnRef>
+          <a:fillRef idx="0">
+            <a:schemeClr val="accent1"/>
+          </a:fillRef>
+          <a:effectRef idx="0">
+            <a:schemeClr val="accent1"/>
+          </a:effectRef>
+          <a:fontRef idx="minor">
+            <a:schemeClr val="tx1"/>
+          </a:fontRef>
+        </p:style>
+      </p:cxnSp>
+      <p:cxnSp>
+        <p:nvCxnSpPr>
+          <p:cNvPr id="31" name="Straight Connector 30"/>
+          <p:cNvCxnSpPr/>
+          <p:nvPr/>
+        </p:nvCxnSpPr>
+        <p:spPr>
+          <a:xfrm flipH="1">
+            <a:off x="411868" y="2950191"/>
+            <a:ext cx="1257868" cy="1185081"/>
+          </a:xfrm>
+          <a:prstGeom prst="line">
+            <a:avLst/>
+          </a:prstGeom>
+          <a:ln>
+            <a:solidFill>
+              <a:schemeClr val="tx1"/>
+            </a:solidFill>
+            <a:tailEnd type="arrow"/>
+          </a:ln>
+        </p:spPr>
+        <p:style>
+          <a:lnRef idx="1">
+            <a:schemeClr val="accent1"/>
+          </a:lnRef>
+          <a:fillRef idx="0">
+            <a:schemeClr val="accent1"/>
+          </a:fillRef>
+          <a:effectRef idx="0">
+            <a:schemeClr val="accent1"/>
+          </a:effectRef>
+          <a:fontRef idx="minor">
+            <a:schemeClr val="tx1"/>
+          </a:fontRef>
+        </p:style>
+      </p:cxnSp>
+      <p:sp>
+        <p:nvSpPr>
+          <p:cNvPr id="29" name="Freeform 28"/>
+          <p:cNvSpPr/>
+          <p:nvPr/>
+        </p:nvSpPr>
+        <p:spPr>
+          <a:xfrm>
+            <a:off x="1449097" y="1665027"/>
+            <a:ext cx="423081" cy="272955"/>
+          </a:xfrm>
+          <a:custGeom>
+            <a:avLst/>
+            <a:gdLst>
+              <a:gd name="connsiteX0" fmla="*/ 0 w 423081"/>
+              <a:gd name="connsiteY0" fmla="*/ 68239 h 272955"/>
+              <a:gd name="connsiteX1" fmla="*/ 191069 w 423081"/>
+              <a:gd name="connsiteY1" fmla="*/ 0 h 272955"/>
+              <a:gd name="connsiteX2" fmla="*/ 423081 w 423081"/>
+              <a:gd name="connsiteY2" fmla="*/ 13648 h 272955"/>
+              <a:gd name="connsiteX3" fmla="*/ 354842 w 423081"/>
+              <a:gd name="connsiteY3" fmla="*/ 218364 h 272955"/>
+              <a:gd name="connsiteX4" fmla="*/ 245660 w 423081"/>
+              <a:gd name="connsiteY4" fmla="*/ 191069 h 272955"/>
+              <a:gd name="connsiteX5" fmla="*/ 109183 w 423081"/>
+              <a:gd name="connsiteY5" fmla="*/ 272955 h 272955"/>
+              <a:gd name="connsiteX6" fmla="*/ 0 w 423081"/>
+              <a:gd name="connsiteY6" fmla="*/ 68239 h 272955"/>
+            </a:gdLst>
+            <a:ahLst/>
+            <a:cxnLst>
+              <a:cxn ang="0">
+                <a:pos x="connsiteX0" y="connsiteY0"/>
+              </a:cxn>
+              <a:cxn ang="0">
+                <a:pos x="connsiteX1" y="connsiteY1"/>
+              </a:cxn>
+              <a:cxn ang="0">
+                <a:pos x="connsiteX2" y="connsiteY2"/>
+              </a:cxn>
+              <a:cxn ang="0">
+                <a:pos x="connsiteX3" y="connsiteY3"/>
+              </a:cxn>
+              <a:cxn ang="0">
+                <a:pos x="connsiteX4" y="connsiteY4"/>
+              </a:cxn>
+              <a:cxn ang="0">
+                <a:pos x="connsiteX5" y="connsiteY5"/>
+              </a:cxn>
+              <a:cxn ang="0">
+                <a:pos x="connsiteX6" y="connsiteY6"/>
+              </a:cxn>
+            </a:cxnLst>
+            <a:rect l="l" t="t" r="r" b="b"/>
+            <a:pathLst>
+              <a:path w="423081" h="272955">
+                <a:moveTo>
+                  <a:pt x="0" y="68239"/>
+                </a:moveTo>
+                <a:lnTo>
+                  <a:pt x="191069" y="0"/>
+                </a:lnTo>
+                <a:lnTo>
+                  <a:pt x="423081" y="13648"/>
+                </a:lnTo>
+                <a:lnTo>
+                  <a:pt x="354842" y="218364"/>
+                </a:lnTo>
+                <a:lnTo>
+                  <a:pt x="245660" y="191069"/>
+                </a:lnTo>
+                <a:lnTo>
+                  <a:pt x="109183" y="272955"/>
+                </a:lnTo>
+                <a:lnTo>
+                  <a:pt x="0" y="68239"/>
+                </a:lnTo>
+                <a:close/>
+              </a:path>
+            </a:pathLst>
+          </a:custGeom>
+          <a:solidFill>
+            <a:schemeClr val="accent3">
+              <a:alpha val="63000"/>
+            </a:schemeClr>
+          </a:solidFill>
+          <a:ln>
+            <a:noFill/>
+          </a:ln>
+        </p:spPr>
+        <p:style>
+          <a:lnRef idx="2">
+            <a:schemeClr val="accent1">
+              <a:shade val="50000"/>
+            </a:schemeClr>
+          </a:lnRef>
+          <a:fillRef idx="1">
+            <a:schemeClr val="accent1"/>
+          </a:fillRef>
+          <a:effectRef idx="0">
+            <a:schemeClr val="accent1"/>
+          </a:effectRef>
+          <a:fontRef idx="minor">
+            <a:schemeClr val="lt1"/>
+          </a:fontRef>
+        </p:style>
+        <p:txBody>
+          <a:bodyPr rtlCol="0" anchor="ctr"/>
+          <a:lstStyle/>
+          <a:p>
+            <a:pPr algn="ctr"/>
+            <a:endParaRPr lang="en-US"/>
+          </a:p>
+        </p:txBody>
+      </p:sp>
+      <p:sp>
+        <p:nvSpPr>
+          <p:cNvPr id="32" name="Freeform 31"/>
+          <p:cNvSpPr/>
+          <p:nvPr/>
+        </p:nvSpPr>
+        <p:spPr>
+          <a:xfrm flipH="1" flipV="1">
+            <a:off x="1570790" y="3962400"/>
+            <a:ext cx="423081" cy="272955"/>
+          </a:xfrm>
+          <a:custGeom>
+            <a:avLst/>
+            <a:gdLst>
+              <a:gd name="connsiteX0" fmla="*/ 0 w 423081"/>
+              <a:gd name="connsiteY0" fmla="*/ 68239 h 272955"/>
+              <a:gd name="connsiteX1" fmla="*/ 191069 w 423081"/>
+              <a:gd name="connsiteY1" fmla="*/ 0 h 272955"/>
+              <a:gd name="connsiteX2" fmla="*/ 423081 w 423081"/>
+              <a:gd name="connsiteY2" fmla="*/ 13648 h 272955"/>
+              <a:gd name="connsiteX3" fmla="*/ 354842 w 423081"/>
+              <a:gd name="connsiteY3" fmla="*/ 218364 h 272955"/>
+              <a:gd name="connsiteX4" fmla="*/ 245660 w 423081"/>
+              <a:gd name="connsiteY4" fmla="*/ 191069 h 272955"/>
+              <a:gd name="connsiteX5" fmla="*/ 109183 w 423081"/>
+              <a:gd name="connsiteY5" fmla="*/ 272955 h 272955"/>
+              <a:gd name="connsiteX6" fmla="*/ 0 w 423081"/>
+              <a:gd name="connsiteY6" fmla="*/ 68239 h 272955"/>
+            </a:gdLst>
+            <a:ahLst/>
+            <a:cxnLst>
+              <a:cxn ang="0">
+                <a:pos x="connsiteX0" y="connsiteY0"/>
+              </a:cxn>
+              <a:cxn ang="0">
+                <a:pos x="connsiteX1" y="connsiteY1"/>
+              </a:cxn>
+              <a:cxn ang="0">
+                <a:pos x="connsiteX2" y="connsiteY2"/>
+              </a:cxn>
+              <a:cxn ang="0">
+                <a:pos x="connsiteX3" y="connsiteY3"/>
+              </a:cxn>
+              <a:cxn ang="0">
+                <a:pos x="connsiteX4" y="connsiteY4"/>
+              </a:cxn>
+              <a:cxn ang="0">
+                <a:pos x="connsiteX5" y="connsiteY5"/>
+              </a:cxn>
+              <a:cxn ang="0">
+                <a:pos x="connsiteX6" y="connsiteY6"/>
+              </a:cxn>
+            </a:cxnLst>
+            <a:rect l="l" t="t" r="r" b="b"/>
+            <a:pathLst>
+              <a:path w="423081" h="272955">
+                <a:moveTo>
+                  <a:pt x="0" y="68239"/>
+                </a:moveTo>
+                <a:lnTo>
+                  <a:pt x="191069" y="0"/>
+                </a:lnTo>
+                <a:lnTo>
+                  <a:pt x="423081" y="13648"/>
+                </a:lnTo>
+                <a:lnTo>
+                  <a:pt x="354842" y="218364"/>
+                </a:lnTo>
+                <a:lnTo>
+                  <a:pt x="245660" y="191069"/>
+                </a:lnTo>
+                <a:lnTo>
+                  <a:pt x="109183" y="272955"/>
+                </a:lnTo>
+                <a:lnTo>
+                  <a:pt x="0" y="68239"/>
+                </a:lnTo>
+                <a:close/>
+              </a:path>
+            </a:pathLst>
+          </a:custGeom>
+          <a:solidFill>
+            <a:schemeClr val="accent3">
+              <a:alpha val="63000"/>
+            </a:schemeClr>
+          </a:solidFill>
+          <a:ln>
+            <a:noFill/>
+          </a:ln>
+        </p:spPr>
+        <p:style>
+          <a:lnRef idx="2">
+            <a:schemeClr val="accent1">
+              <a:shade val="50000"/>
+            </a:schemeClr>
+          </a:lnRef>
+          <a:fillRef idx="1">
+            <a:schemeClr val="accent1"/>
+          </a:fillRef>
+          <a:effectRef idx="0">
+            <a:schemeClr val="accent1"/>
+          </a:effectRef>
+          <a:fontRef idx="minor">
+            <a:schemeClr val="lt1"/>
+          </a:fontRef>
+        </p:style>
+        <p:txBody>
+          <a:bodyPr rtlCol="0" anchor="ctr"/>
+          <a:lstStyle/>
+          <a:p>
+            <a:pPr algn="ctr"/>
+            <a:endParaRPr lang="en-US"/>
+          </a:p>
+        </p:txBody>
+      </p:sp>
+      <p:cxnSp>
+        <p:nvCxnSpPr>
+          <p:cNvPr id="35" name="Straight Connector 34"/>
+          <p:cNvCxnSpPr/>
+          <p:nvPr/>
+        </p:nvCxnSpPr>
+        <p:spPr>
+          <a:xfrm flipH="1" flipV="1">
+            <a:off x="1646990" y="1752601"/>
+            <a:ext cx="5013117" cy="1195315"/>
+          </a:xfrm>
+          <a:prstGeom prst="line">
+            <a:avLst/>
+          </a:prstGeom>
+          <a:ln>
+            <a:solidFill>
+              <a:schemeClr val="tx1"/>
+            </a:solidFill>
+          </a:ln>
+        </p:spPr>
+        <p:style>
+          <a:lnRef idx="1">
+            <a:schemeClr val="accent1"/>
+          </a:lnRef>
+          <a:fillRef idx="0">
+            <a:schemeClr val="accent1"/>
+          </a:fillRef>
+          <a:effectRef idx="0">
+            <a:schemeClr val="accent1"/>
+          </a:effectRef>
+          <a:fontRef idx="minor">
+            <a:schemeClr val="tx1"/>
+          </a:fontRef>
+        </p:style>
+      </p:cxnSp>
+      <p:sp>
+        <p:nvSpPr>
+          <p:cNvPr id="37" name="TextBox 36"/>
+          <p:cNvSpPr txBox="1"/>
+          <p:nvPr/>
+        </p:nvSpPr>
+        <p:spPr>
+          <a:xfrm>
+            <a:off x="8127783" y="3015521"/>
+            <a:ext cx="367408" cy="646331"/>
+          </a:xfrm>
+          <a:prstGeom prst="rect">
+            <a:avLst/>
+          </a:prstGeom>
+          <a:noFill/>
+        </p:spPr>
+        <p:txBody>
+          <a:bodyPr wrap="none" rtlCol="0">
+            <a:spAutoFit/>
+          </a:bodyPr>
+          <a:lstStyle/>
+          <a:p>
+            <a:r>
+              <a:rPr lang="en-US" sz="3600" dirty="0"/>
+              <a:t>z</a:t>
+            </a:r>
+          </a:p>
+        </p:txBody>
+      </p:sp>
+      <p:cxnSp>
+        <p:nvCxnSpPr>
+          <p:cNvPr id="39" name="Straight Arrow Connector 38"/>
+          <p:cNvCxnSpPr/>
+          <p:nvPr/>
+        </p:nvCxnSpPr>
+        <p:spPr>
+          <a:xfrm>
+            <a:off x="6573830" y="2954740"/>
+            <a:ext cx="864200" cy="225189"/>
+          </a:xfrm>
+          <a:prstGeom prst="straightConnector1">
+            <a:avLst/>
+          </a:prstGeom>
+          <a:ln w="38100">
+            <a:solidFill>
+              <a:srgbClr val="FF0000"/>
+            </a:solidFill>
+            <a:tailEnd type="arrow"/>
+          </a:ln>
+        </p:spPr>
+        <p:style>
+          <a:lnRef idx="1">
+            <a:schemeClr val="accent1"/>
+          </a:lnRef>
+          <a:fillRef idx="0">
+            <a:schemeClr val="accent1"/>
+          </a:fillRef>
+          <a:effectRef idx="0">
+            <a:schemeClr val="accent1"/>
+          </a:effectRef>
+          <a:fontRef idx="minor">
+            <a:schemeClr val="tx1"/>
+          </a:fontRef>
+        </p:style>
+      </p:cxnSp>
+      <p:sp>
+        <p:nvSpPr>
+          <p:cNvPr id="41" name="TextBox 40"/>
+          <p:cNvSpPr txBox="1"/>
+          <p:nvPr/>
+        </p:nvSpPr>
+        <p:spPr>
+          <a:xfrm>
+            <a:off x="4340122" y="2438388"/>
+            <a:ext cx="533400" cy="461665"/>
+          </a:xfrm>
+          <a:prstGeom prst="rect">
+            <a:avLst/>
+          </a:prstGeom>
+          <a:noFill/>
+        </p:spPr>
+        <p:txBody>
+          <a:bodyPr wrap="square" rtlCol="0">
+            <a:spAutoFit/>
+          </a:bodyPr>
+          <a:lstStyle/>
+          <a:p>
+            <a:r>
+              <a:rPr lang="en-US" sz="2400" dirty="0">
+                <a:latin typeface="Symbol" pitchFamily="18" charset="2"/>
+              </a:rPr>
+              <a:t>q</a:t>
+            </a:r>
+          </a:p>
+        </p:txBody>
+      </p:sp>
+      <p:sp>
+        <p:nvSpPr>
+          <p:cNvPr id="42" name="Arc 41"/>
+          <p:cNvSpPr/>
+          <p:nvPr/>
+        </p:nvSpPr>
+        <p:spPr>
+          <a:xfrm flipH="1" flipV="1">
+            <a:off x="4660839" y="2416778"/>
+            <a:ext cx="533400" cy="609600"/>
+          </a:xfrm>
+          <a:prstGeom prst="arc">
+            <a:avLst>
+              <a:gd name="adj1" fmla="val 19626747"/>
+              <a:gd name="adj2" fmla="val 2775242"/>
+            </a:avLst>
+          </a:prstGeom>
+          <a:ln>
+            <a:solidFill>
+              <a:schemeClr val="tx1"/>
+            </a:solidFill>
+            <a:prstDash val="lgDash"/>
+          </a:ln>
+        </p:spPr>
+        <p:style>
+          <a:lnRef idx="1">
+            <a:schemeClr val="accent1"/>
+          </a:lnRef>
+          <a:fillRef idx="0">
+            <a:schemeClr val="accent1"/>
+          </a:fillRef>
+          <a:effectRef idx="0">
+            <a:schemeClr val="accent1"/>
+          </a:effectRef>
+          <a:fontRef idx="minor">
+            <a:schemeClr val="tx1"/>
+          </a:fontRef>
+        </p:style>
+        <p:txBody>
+          <a:bodyPr rtlCol="0" anchor="ctr"/>
+          <a:lstStyle/>
+          <a:p>
+            <a:pPr algn="ctr"/>
+            <a:endParaRPr lang="en-US"/>
+          </a:p>
+        </p:txBody>
+      </p:sp>
+      <p:graphicFrame>
+        <p:nvGraphicFramePr>
+          <p:cNvPr id="44" name="Object 43"/>
+          <p:cNvGraphicFramePr>
+            <a:graphicFrameLocks noChangeAspect="1"/>
+          </p:cNvGraphicFramePr>
+          <p:nvPr/>
+        </p:nvGraphicFramePr>
+        <p:xfrm>
+          <a:off x="3898900" y="1746250"/>
+          <a:ext cx="1338263" cy="488950"/>
+        </p:xfrm>
+        <a:graphic>
+          <a:graphicData uri="http://schemas.openxmlformats.org/presentationml/2006/ole">
+            <mc:AlternateContent xmlns:mc="http://schemas.openxmlformats.org/markup-compatibility/2006">
+              <mc:Choice xmlns:v="urn:schemas-microsoft-com:vml" Requires="v">
+                <p:oleObj name="Equation" r:id="rId2" imgW="838080" imgH="304560" progId="Equation.3">
+                  <p:embed/>
+                </p:oleObj>
+              </mc:Choice>
+              <mc:Fallback>
+                <p:oleObj name="Equation" r:id="rId2" imgW="838080" imgH="304560" progId="Equation.3">
+                  <p:embed/>
+                  <p:pic>
+                    <p:nvPicPr>
+                      <p:cNvPr id="44" name="Object 43"/>
+                      <p:cNvPicPr>
+                        <a:picLocks noChangeAspect="1" noChangeArrowheads="1"/>
+                      </p:cNvPicPr>
+                      <p:nvPr/>
+                    </p:nvPicPr>
+                    <p:blipFill>
+                      <a:blip r:embed="rId3">
+                        <a:extLst>
+                          <a:ext uri="{28A0092B-C50C-407E-A947-70E740481C1C}">
+                            <a14:useLocalDpi xmlns:a14="http://schemas.microsoft.com/office/drawing/2010/main" val="0"/>
+                          </a:ext>
+                        </a:extLst>
+                      </a:blip>
+                      <a:srcRect/>
+                      <a:stretch>
+                        <a:fillRect/>
+                      </a:stretch>
+                    </p:blipFill>
+                    <p:spPr bwMode="auto">
+                      <a:xfrm>
+                        <a:off x="3898900" y="1746250"/>
+                        <a:ext cx="1338263" cy="488950"/>
+                      </a:xfrm>
+                      <a:prstGeom prst="rect">
+                        <a:avLst/>
+                      </a:prstGeom>
+                      <a:noFill/>
+                      <a:extLst>
+                        <a:ext uri="{909E8E84-426E-40DD-AFC4-6F175D3DCCD1}">
+                          <a14:hiddenFill xmlns:a14="http://schemas.microsoft.com/office/drawing/2010/main">
+                            <a:solidFill>
+                              <a:srgbClr val="FFFFFF"/>
+                            </a:solidFill>
+                          </a14:hiddenFill>
+                        </a:ext>
+                      </a:extLst>
+                    </p:spPr>
+                  </p:pic>
+                </p:oleObj>
+              </mc:Fallback>
+            </mc:AlternateContent>
+          </a:graphicData>
+        </a:graphic>
+      </p:graphicFrame>
+      <p:sp>
+        <p:nvSpPr>
+          <p:cNvPr id="50" name="TextBox 49"/>
+          <p:cNvSpPr txBox="1"/>
+          <p:nvPr/>
+        </p:nvSpPr>
+        <p:spPr>
+          <a:xfrm>
+            <a:off x="1162337" y="266131"/>
+            <a:ext cx="385042" cy="646331"/>
+          </a:xfrm>
+          <a:prstGeom prst="rect">
+            <a:avLst/>
+          </a:prstGeom>
+          <a:solidFill>
+            <a:schemeClr val="bg1"/>
+          </a:solidFill>
+        </p:spPr>
+        <p:txBody>
+          <a:bodyPr wrap="none" rtlCol="0">
+            <a:spAutoFit/>
+          </a:bodyPr>
+          <a:lstStyle/>
+          <a:p>
+            <a:r>
+              <a:rPr lang="en-US" sz="3600" dirty="0"/>
+              <a:t>x</a:t>
+            </a:r>
+          </a:p>
+        </p:txBody>
+      </p:sp>
+      <p:cxnSp>
+        <p:nvCxnSpPr>
+          <p:cNvPr id="54" name="Straight Connector 53"/>
+          <p:cNvCxnSpPr/>
+          <p:nvPr/>
+        </p:nvCxnSpPr>
+        <p:spPr>
+          <a:xfrm flipH="1">
+            <a:off x="1731153" y="2934269"/>
+            <a:ext cx="4819772" cy="1162333"/>
+          </a:xfrm>
+          <a:prstGeom prst="line">
+            <a:avLst/>
+          </a:prstGeom>
+          <a:ln>
+            <a:solidFill>
+              <a:schemeClr val="tx1"/>
+            </a:solidFill>
+          </a:ln>
+        </p:spPr>
+        <p:style>
+          <a:lnRef idx="1">
+            <a:schemeClr val="accent1"/>
+          </a:lnRef>
+          <a:fillRef idx="0">
+            <a:schemeClr val="accent1"/>
+          </a:fillRef>
+          <a:effectRef idx="0">
+            <a:schemeClr val="accent1"/>
+          </a:effectRef>
+          <a:fontRef idx="minor">
+            <a:schemeClr val="tx1"/>
+          </a:fontRef>
+        </p:style>
+      </p:cxnSp>
+      <p:cxnSp>
+        <p:nvCxnSpPr>
+          <p:cNvPr id="57" name="Straight Arrow Connector 56"/>
+          <p:cNvCxnSpPr/>
+          <p:nvPr/>
+        </p:nvCxnSpPr>
+        <p:spPr>
+          <a:xfrm flipV="1">
+            <a:off x="6562458" y="2684060"/>
+            <a:ext cx="864200" cy="225189"/>
+          </a:xfrm>
+          <a:prstGeom prst="straightConnector1">
+            <a:avLst/>
+          </a:prstGeom>
+          <a:ln w="38100">
+            <a:solidFill>
+              <a:srgbClr val="FF0000"/>
+            </a:solidFill>
+            <a:tailEnd type="arrow"/>
+          </a:ln>
+        </p:spPr>
+        <p:style>
+          <a:lnRef idx="1">
+            <a:schemeClr val="accent1"/>
+          </a:lnRef>
+          <a:fillRef idx="0">
+            <a:schemeClr val="accent1"/>
+          </a:fillRef>
+          <a:effectRef idx="0">
+            <a:schemeClr val="accent1"/>
+          </a:effectRef>
+          <a:fontRef idx="minor">
+            <a:schemeClr val="tx1"/>
+          </a:fontRef>
+        </p:style>
+      </p:cxnSp>
+      <p:cxnSp>
+        <p:nvCxnSpPr>
+          <p:cNvPr id="59" name="Straight Arrow Connector 58"/>
+          <p:cNvCxnSpPr/>
+          <p:nvPr/>
+        </p:nvCxnSpPr>
+        <p:spPr>
+          <a:xfrm flipH="1">
+            <a:off x="1119116" y="2961564"/>
+            <a:ext cx="504969" cy="532263"/>
+          </a:xfrm>
+          <a:prstGeom prst="straightConnector1">
+            <a:avLst/>
+          </a:prstGeom>
+          <a:ln w="38100">
+            <a:solidFill>
+              <a:srgbClr val="00B050"/>
+            </a:solidFill>
+            <a:tailEnd type="arrow"/>
+          </a:ln>
+        </p:spPr>
+        <p:style>
+          <a:lnRef idx="1">
+            <a:schemeClr val="accent1"/>
+          </a:lnRef>
+          <a:fillRef idx="0">
+            <a:schemeClr val="accent1"/>
+          </a:fillRef>
+          <a:effectRef idx="0">
+            <a:schemeClr val="accent1"/>
+          </a:effectRef>
+          <a:fontRef idx="minor">
+            <a:schemeClr val="tx1"/>
+          </a:fontRef>
+        </p:style>
+      </p:cxnSp>
+      <p:sp>
+        <p:nvSpPr>
+          <p:cNvPr id="62" name="Rectangle 61"/>
+          <p:cNvSpPr/>
+          <p:nvPr/>
+        </p:nvSpPr>
+        <p:spPr>
+          <a:xfrm>
+            <a:off x="1387347" y="3107855"/>
+            <a:ext cx="351378" cy="461665"/>
+          </a:xfrm>
+          <a:prstGeom prst="rect">
+            <a:avLst/>
+          </a:prstGeom>
+        </p:spPr>
+        <p:txBody>
+          <a:bodyPr wrap="none">
+            <a:spAutoFit/>
+          </a:bodyPr>
+          <a:lstStyle/>
+          <a:p>
+            <a:r>
+              <a:rPr lang="en-US" sz="2400" dirty="0">
+                <a:solidFill>
+                  <a:srgbClr val="00B050"/>
+                </a:solidFill>
+              </a:rPr>
+              <a:t>R</a:t>
+            </a:r>
+            <a:endParaRPr lang="en-US" sz="2400" dirty="0"/>
+          </a:p>
+        </p:txBody>
+      </p:sp>
+      <p:cxnSp>
+        <p:nvCxnSpPr>
+          <p:cNvPr id="36" name="Straight Arrow Connector 35"/>
+          <p:cNvCxnSpPr/>
+          <p:nvPr/>
+        </p:nvCxnSpPr>
+        <p:spPr>
+          <a:xfrm flipV="1">
+            <a:off x="6543350" y="2933700"/>
+            <a:ext cx="1951841" cy="5800"/>
+          </a:xfrm>
+          <a:prstGeom prst="straightConnector1">
+            <a:avLst/>
+          </a:prstGeom>
+          <a:ln w="57150">
+            <a:solidFill>
+              <a:srgbClr val="00B050"/>
+            </a:solidFill>
+            <a:tailEnd type="arrow"/>
+          </a:ln>
+        </p:spPr>
+        <p:style>
+          <a:lnRef idx="1">
+            <a:schemeClr val="accent1"/>
+          </a:lnRef>
+          <a:fillRef idx="0">
+            <a:schemeClr val="accent1"/>
+          </a:fillRef>
+          <a:effectRef idx="0">
+            <a:schemeClr val="accent1"/>
+          </a:effectRef>
+          <a:fontRef idx="minor">
+            <a:schemeClr val="tx1"/>
+          </a:fontRef>
+        </p:style>
+      </p:cxnSp>
+      <p:sp>
+        <p:nvSpPr>
+          <p:cNvPr id="38" name="TextBox 37"/>
+          <p:cNvSpPr txBox="1"/>
+          <p:nvPr/>
+        </p:nvSpPr>
+        <p:spPr>
+          <a:xfrm>
+            <a:off x="7840980" y="2308860"/>
+            <a:ext cx="410690" cy="646331"/>
+          </a:xfrm>
+          <a:prstGeom prst="rect">
+            <a:avLst/>
+          </a:prstGeom>
+          <a:noFill/>
+        </p:spPr>
+        <p:txBody>
+          <a:bodyPr wrap="none" rtlCol="0">
+            <a:spAutoFit/>
+          </a:bodyPr>
+          <a:lstStyle/>
+          <a:p>
+            <a:r>
+              <a:rPr lang="en-US" sz="3600" dirty="0">
+                <a:solidFill>
+                  <a:srgbClr val="00B050"/>
+                </a:solidFill>
+              </a:rPr>
+              <a:t>E</a:t>
+            </a:r>
+          </a:p>
+        </p:txBody>
+      </p:sp>
+      <p:sp>
+        <p:nvSpPr>
+          <p:cNvPr id="40" name="Oval 39"/>
+          <p:cNvSpPr/>
+          <p:nvPr/>
+        </p:nvSpPr>
+        <p:spPr>
+          <a:xfrm>
+            <a:off x="6419850" y="2838450"/>
+            <a:ext cx="190500" cy="190500"/>
+          </a:xfrm>
+          <a:prstGeom prst="ellipse">
+            <a:avLst/>
+          </a:prstGeom>
+          <a:solidFill>
+            <a:schemeClr val="tx1"/>
+          </a:solidFill>
+          <a:ln>
+            <a:noFill/>
+          </a:ln>
+        </p:spPr>
+        <p:style>
+          <a:lnRef idx="2">
+            <a:schemeClr val="accent1">
+              <a:shade val="50000"/>
+            </a:schemeClr>
+          </a:lnRef>
+          <a:fillRef idx="1">
+            <a:schemeClr val="accent1"/>
+          </a:fillRef>
+          <a:effectRef idx="0">
+            <a:schemeClr val="accent1"/>
+          </a:effectRef>
+          <a:fontRef idx="minor">
+            <a:schemeClr val="lt1"/>
+          </a:fontRef>
+        </p:style>
+        <p:txBody>
+          <a:bodyPr rtlCol="0" anchor="ctr"/>
+          <a:lstStyle/>
+          <a:p>
+            <a:pPr algn="ctr"/>
+            <a:endParaRPr lang="en-US"/>
+          </a:p>
+        </p:txBody>
+      </p:sp>
+      <p:sp>
+        <p:nvSpPr>
+          <p:cNvPr id="43" name="TextBox 42"/>
+          <p:cNvSpPr txBox="1"/>
+          <p:nvPr/>
+        </p:nvSpPr>
+        <p:spPr>
+          <a:xfrm>
+            <a:off x="6324600" y="3238500"/>
+            <a:ext cx="423514" cy="646331"/>
+          </a:xfrm>
+          <a:prstGeom prst="rect">
+            <a:avLst/>
+          </a:prstGeom>
+          <a:noFill/>
+        </p:spPr>
+        <p:txBody>
+          <a:bodyPr wrap="none" rtlCol="0">
+            <a:spAutoFit/>
+          </a:bodyPr>
+          <a:lstStyle/>
+          <a:p>
+            <a:r>
+              <a:rPr lang="en-US" sz="3600" dirty="0"/>
+              <a:t>P</a:t>
+            </a:r>
+          </a:p>
+        </p:txBody>
+      </p:sp>
+      <p:cxnSp>
+        <p:nvCxnSpPr>
+          <p:cNvPr id="3" name="Straight Connector 2"/>
+          <p:cNvCxnSpPr/>
+          <p:nvPr/>
+        </p:nvCxnSpPr>
+        <p:spPr>
+          <a:xfrm flipH="1" flipV="1">
+            <a:off x="1239259" y="2109143"/>
+            <a:ext cx="430477" cy="824557"/>
+          </a:xfrm>
+          <a:prstGeom prst="line">
+            <a:avLst/>
+          </a:prstGeom>
+        </p:spPr>
+        <p:style>
+          <a:lnRef idx="1">
+            <a:schemeClr val="accent1"/>
+          </a:lnRef>
+          <a:fillRef idx="0">
+            <a:schemeClr val="accent1"/>
+          </a:fillRef>
+          <a:effectRef idx="0">
+            <a:schemeClr val="accent1"/>
+          </a:effectRef>
+          <a:fontRef idx="minor">
+            <a:schemeClr val="tx1"/>
+          </a:fontRef>
+        </p:style>
+      </p:cxnSp>
+      <p:sp>
+        <p:nvSpPr>
+          <p:cNvPr id="45" name="TextBox 44"/>
+          <p:cNvSpPr txBox="1"/>
+          <p:nvPr/>
+        </p:nvSpPr>
+        <p:spPr>
+          <a:xfrm>
+            <a:off x="1322840" y="2059756"/>
+            <a:ext cx="533400" cy="461665"/>
+          </a:xfrm>
+          <a:prstGeom prst="rect">
+            <a:avLst/>
+          </a:prstGeom>
+          <a:noFill/>
+        </p:spPr>
+        <p:txBody>
+          <a:bodyPr wrap="square" rtlCol="0">
+            <a:spAutoFit/>
+          </a:bodyPr>
+          <a:lstStyle/>
+          <a:p>
+            <a:r>
+              <a:rPr lang="en-US" sz="2400" dirty="0">
+                <a:latin typeface="Symbol" pitchFamily="18" charset="2"/>
+                <a:sym typeface="Symbol"/>
+              </a:rPr>
+              <a:t></a:t>
+            </a:r>
+            <a:endParaRPr lang="en-US" sz="2400" dirty="0">
+              <a:latin typeface="Symbol" pitchFamily="18" charset="2"/>
+            </a:endParaRPr>
+          </a:p>
+        </p:txBody>
+      </p:sp>
+    </p:spTree>
+  </p:cSld>
+  <p:clrMapOvr>
+    <a:masterClrMapping/>
+  </p:clrMapOvr>
+</p:sld>
+</file>
+
+<file path=ppt/slides/slide11.xml><?xml version="1.0" encoding="utf-8"?>
 <p:sld xmlns:a="http://schemas.openxmlformats.org/drawingml/2006/main" xmlns:r="http://schemas.openxmlformats.org/officeDocument/2006/relationships" xmlns:p="http://schemas.openxmlformats.org/presentationml/2006/main">
   <p:cSld>
     <p:spTree>
@@ -4537,7 +7206,7 @@
 </p:sld>
 </file>
 
-<file path=ppt/slides/slide11.xml><?xml version="1.0" encoding="utf-8"?>
+<file path=ppt/slides/slide12.xml><?xml version="1.0" encoding="utf-8"?>
 <p:sld xmlns:a="http://schemas.openxmlformats.org/drawingml/2006/main" xmlns:r="http://schemas.openxmlformats.org/officeDocument/2006/relationships" xmlns:p="http://schemas.openxmlformats.org/presentationml/2006/main">
   <p:cSld>
     <p:spTree>
@@ -5690,7 +8359,7 @@
 </p:sld>
 </file>
 
-<file path=ppt/slides/slide12.xml><?xml version="1.0" encoding="utf-8"?>
+<file path=ppt/slides/slide13.xml><?xml version="1.0" encoding="utf-8"?>
 <p:sld xmlns:a="http://schemas.openxmlformats.org/drawingml/2006/main" xmlns:r="http://schemas.openxmlformats.org/officeDocument/2006/relationships" xmlns:p="http://schemas.openxmlformats.org/presentationml/2006/main">
   <p:cSld>
     <p:spTree>
@@ -22789,7 +25458,7 @@
 </p:sld>
 </file>
 
-<file path=ppt/slides/slide13.xml><?xml version="1.0" encoding="utf-8"?>
+<file path=ppt/slides/slide14.xml><?xml version="1.0" encoding="utf-8"?>
 <p:sld xmlns:a="http://schemas.openxmlformats.org/drawingml/2006/main" xmlns:r="http://schemas.openxmlformats.org/officeDocument/2006/relationships" xmlns:p="http://schemas.openxmlformats.org/presentationml/2006/main">
   <p:cSld>
     <p:spTree>
@@ -28045,7 +30714,7 @@
 </p:sld>
 </file>
 
-<file path=ppt/slides/slide14.xml><?xml version="1.0" encoding="utf-8"?>
+<file path=ppt/slides/slide15.xml><?xml version="1.0" encoding="utf-8"?>
 <p:sld xmlns:a="http://schemas.openxmlformats.org/drawingml/2006/main" xmlns:r="http://schemas.openxmlformats.org/officeDocument/2006/relationships" xmlns:p="http://schemas.openxmlformats.org/presentationml/2006/main">
   <p:cSld>
     <p:spTree>
@@ -28182,7 +30851,7 @@
 </p:sld>
 </file>
 
-<file path=ppt/slides/slide15.xml><?xml version="1.0" encoding="utf-8"?>
+<file path=ppt/slides/slide16.xml><?xml version="1.0" encoding="utf-8"?>
 <p:sld xmlns:a="http://schemas.openxmlformats.org/drawingml/2006/main" xmlns:r="http://schemas.openxmlformats.org/officeDocument/2006/relationships" xmlns:p="http://schemas.openxmlformats.org/presentationml/2006/main">
   <p:cSld>
     <p:spTree>
@@ -29265,7 +31934,7 @@
 </p:sld>
 </file>
 
-<file path=ppt/slides/slide16.xml><?xml version="1.0" encoding="utf-8"?>
+<file path=ppt/slides/slide17.xml><?xml version="1.0" encoding="utf-8"?>
 <p:sld xmlns:a="http://schemas.openxmlformats.org/drawingml/2006/main" xmlns:r="http://schemas.openxmlformats.org/officeDocument/2006/relationships" xmlns:p="http://schemas.openxmlformats.org/presentationml/2006/main">
   <p:cSld>
     <p:spTree>
@@ -29408,7 +32077,7 @@
 </p:sld>
 </file>
 
-<file path=ppt/slides/slide17.xml><?xml version="1.0" encoding="utf-8"?>
+<file path=ppt/slides/slide18.xml><?xml version="1.0" encoding="utf-8"?>
 <p:sld xmlns:a="http://schemas.openxmlformats.org/drawingml/2006/main" xmlns:r="http://schemas.openxmlformats.org/officeDocument/2006/relationships" xmlns:p="http://schemas.openxmlformats.org/presentationml/2006/main">
   <p:cSld>
     <p:spTree>
@@ -35348,6 +38017,1863 @@
       </p:grpSpPr>
       <p:cxnSp>
         <p:nvCxnSpPr>
+          <p:cNvPr id="67" name="Straight Connector 66"/>
+          <p:cNvCxnSpPr>
+            <a:cxnSpLocks/>
+          </p:cNvCxnSpPr>
+          <p:nvPr/>
+        </p:nvCxnSpPr>
+        <p:spPr>
+          <a:xfrm flipH="1" flipV="1">
+            <a:off x="1249344" y="835338"/>
+            <a:ext cx="4225683" cy="2559543"/>
+          </a:xfrm>
+          <a:prstGeom prst="line">
+            <a:avLst/>
+          </a:prstGeom>
+          <a:ln>
+            <a:solidFill>
+              <a:schemeClr val="tx1"/>
+            </a:solidFill>
+          </a:ln>
+        </p:spPr>
+        <p:style>
+          <a:lnRef idx="1">
+            <a:schemeClr val="accent1"/>
+          </a:lnRef>
+          <a:fillRef idx="0">
+            <a:schemeClr val="accent1"/>
+          </a:fillRef>
+          <a:effectRef idx="0">
+            <a:schemeClr val="accent1"/>
+          </a:effectRef>
+          <a:fontRef idx="minor">
+            <a:schemeClr val="tx1"/>
+          </a:fontRef>
+        </p:style>
+      </p:cxnSp>
+      <p:cxnSp>
+        <p:nvCxnSpPr>
+          <p:cNvPr id="19" name="Straight Connector 18"/>
+          <p:cNvCxnSpPr>
+            <a:cxnSpLocks/>
+            <a:stCxn id="17" idx="3"/>
+          </p:cNvCxnSpPr>
+          <p:nvPr/>
+        </p:nvCxnSpPr>
+        <p:spPr>
+          <a:xfrm flipH="1">
+            <a:off x="1191929" y="3469214"/>
+            <a:ext cx="4254204" cy="2779176"/>
+          </a:xfrm>
+          <a:prstGeom prst="line">
+            <a:avLst/>
+          </a:prstGeom>
+          <a:ln>
+            <a:solidFill>
+              <a:schemeClr val="tx1"/>
+            </a:solidFill>
+          </a:ln>
+        </p:spPr>
+        <p:style>
+          <a:lnRef idx="1">
+            <a:schemeClr val="accent1"/>
+          </a:lnRef>
+          <a:fillRef idx="0">
+            <a:schemeClr val="accent1"/>
+          </a:fillRef>
+          <a:effectRef idx="0">
+            <a:schemeClr val="accent1"/>
+          </a:effectRef>
+          <a:fontRef idx="minor">
+            <a:schemeClr val="tx1"/>
+          </a:fontRef>
+        </p:style>
+      </p:cxnSp>
+      <p:cxnSp>
+        <p:nvCxnSpPr>
+          <p:cNvPr id="38" name="Straight Arrow Connector 37"/>
+          <p:cNvCxnSpPr>
+            <a:cxnSpLocks/>
+          </p:cNvCxnSpPr>
+          <p:nvPr/>
+        </p:nvCxnSpPr>
+        <p:spPr>
+          <a:xfrm flipV="1">
+            <a:off x="5545264" y="2910799"/>
+            <a:ext cx="747174" cy="477258"/>
+          </a:xfrm>
+          <a:prstGeom prst="straightConnector1">
+            <a:avLst/>
+          </a:prstGeom>
+          <a:ln w="38100">
+            <a:solidFill>
+              <a:srgbClr val="FF0000"/>
+            </a:solidFill>
+            <a:tailEnd type="arrow"/>
+          </a:ln>
+        </p:spPr>
+        <p:style>
+          <a:lnRef idx="1">
+            <a:schemeClr val="accent1"/>
+          </a:lnRef>
+          <a:fillRef idx="0">
+            <a:schemeClr val="accent1"/>
+          </a:fillRef>
+          <a:effectRef idx="0">
+            <a:schemeClr val="accent1"/>
+          </a:effectRef>
+          <a:fontRef idx="minor">
+            <a:schemeClr val="tx1"/>
+          </a:fontRef>
+        </p:style>
+      </p:cxnSp>
+      <p:cxnSp>
+        <p:nvCxnSpPr>
+          <p:cNvPr id="29" name="Straight Arrow Connector 28"/>
+          <p:cNvCxnSpPr>
+            <a:cxnSpLocks/>
+          </p:cNvCxnSpPr>
+          <p:nvPr/>
+        </p:nvCxnSpPr>
+        <p:spPr>
+          <a:xfrm flipV="1">
+            <a:off x="5461380" y="3409763"/>
+            <a:ext cx="1039433" cy="4452"/>
+          </a:xfrm>
+          <a:prstGeom prst="straightConnector1">
+            <a:avLst/>
+          </a:prstGeom>
+          <a:ln w="38100">
+            <a:solidFill>
+              <a:srgbClr val="FF0000"/>
+            </a:solidFill>
+            <a:tailEnd type="arrow"/>
+          </a:ln>
+        </p:spPr>
+        <p:style>
+          <a:lnRef idx="1">
+            <a:schemeClr val="accent1"/>
+          </a:lnRef>
+          <a:fillRef idx="0">
+            <a:schemeClr val="accent1"/>
+          </a:fillRef>
+          <a:effectRef idx="0">
+            <a:schemeClr val="accent1"/>
+          </a:effectRef>
+          <a:fontRef idx="minor">
+            <a:schemeClr val="tx1"/>
+          </a:fontRef>
+        </p:style>
+      </p:cxnSp>
+      <p:sp>
+        <p:nvSpPr>
+          <p:cNvPr id="17" name="Oval 16"/>
+          <p:cNvSpPr/>
+          <p:nvPr/>
+        </p:nvSpPr>
+        <p:spPr>
+          <a:xfrm>
+            <a:off x="5423815" y="3339132"/>
+            <a:ext cx="152400" cy="152400"/>
+          </a:xfrm>
+          <a:prstGeom prst="ellipse">
+            <a:avLst/>
+          </a:prstGeom>
+          <a:solidFill>
+            <a:schemeClr val="tx1"/>
+          </a:solidFill>
+          <a:ln>
+            <a:noFill/>
+          </a:ln>
+        </p:spPr>
+        <p:style>
+          <a:lnRef idx="2">
+            <a:schemeClr val="accent1">
+              <a:shade val="50000"/>
+            </a:schemeClr>
+          </a:lnRef>
+          <a:fillRef idx="1">
+            <a:schemeClr val="accent1"/>
+          </a:fillRef>
+          <a:effectRef idx="0">
+            <a:schemeClr val="accent1"/>
+          </a:effectRef>
+          <a:fontRef idx="minor">
+            <a:schemeClr val="lt1"/>
+          </a:fontRef>
+        </p:style>
+        <p:txBody>
+          <a:bodyPr rtlCol="0" anchor="ctr"/>
+          <a:lstStyle/>
+          <a:p>
+            <a:pPr algn="ctr"/>
+            <a:endParaRPr lang="en-US"/>
+          </a:p>
+        </p:txBody>
+      </p:sp>
+      <p:cxnSp>
+        <p:nvCxnSpPr>
+          <p:cNvPr id="35" name="Straight Connector 34"/>
+          <p:cNvCxnSpPr/>
+          <p:nvPr/>
+        </p:nvCxnSpPr>
+        <p:spPr>
+          <a:xfrm>
+            <a:off x="914400" y="3415352"/>
+            <a:ext cx="6769100" cy="1235"/>
+          </a:xfrm>
+          <a:prstGeom prst="line">
+            <a:avLst/>
+          </a:prstGeom>
+          <a:ln>
+            <a:solidFill>
+              <a:schemeClr val="tx1"/>
+            </a:solidFill>
+            <a:tailEnd type="arrow"/>
+          </a:ln>
+        </p:spPr>
+        <p:style>
+          <a:lnRef idx="1">
+            <a:schemeClr val="accent1"/>
+          </a:lnRef>
+          <a:fillRef idx="0">
+            <a:schemeClr val="accent1"/>
+          </a:fillRef>
+          <a:effectRef idx="0">
+            <a:schemeClr val="accent1"/>
+          </a:effectRef>
+          <a:fontRef idx="minor">
+            <a:schemeClr val="tx1"/>
+          </a:fontRef>
+        </p:style>
+      </p:cxnSp>
+      <p:sp>
+        <p:nvSpPr>
+          <p:cNvPr id="48" name="TextBox 47"/>
+          <p:cNvSpPr txBox="1"/>
+          <p:nvPr/>
+        </p:nvSpPr>
+        <p:spPr>
+          <a:xfrm>
+            <a:off x="7545481" y="3491532"/>
+            <a:ext cx="276038" cy="369332"/>
+          </a:xfrm>
+          <a:prstGeom prst="rect">
+            <a:avLst/>
+          </a:prstGeom>
+          <a:noFill/>
+        </p:spPr>
+        <p:txBody>
+          <a:bodyPr wrap="none" rtlCol="0">
+            <a:spAutoFit/>
+          </a:bodyPr>
+          <a:lstStyle/>
+          <a:p>
+            <a:r>
+              <a:rPr lang="en-US" dirty="0"/>
+              <a:t>z</a:t>
+            </a:r>
+          </a:p>
+        </p:txBody>
+      </p:sp>
+      <p:sp>
+        <p:nvSpPr>
+          <p:cNvPr id="23" name="TextBox 22"/>
+          <p:cNvSpPr txBox="1"/>
+          <p:nvPr/>
+        </p:nvSpPr>
+        <p:spPr>
+          <a:xfrm>
+            <a:off x="2520268" y="3069609"/>
+            <a:ext cx="378630" cy="646331"/>
+          </a:xfrm>
+          <a:prstGeom prst="rect">
+            <a:avLst/>
+          </a:prstGeom>
+          <a:solidFill>
+            <a:schemeClr val="bg1"/>
+          </a:solidFill>
+        </p:spPr>
+        <p:txBody>
+          <a:bodyPr wrap="none" rtlCol="0">
+            <a:spAutoFit/>
+          </a:bodyPr>
+          <a:lstStyle/>
+          <a:p>
+            <a:r>
+              <a:rPr lang="en-US" sz="3600" dirty="0"/>
+              <a:t>L</a:t>
+            </a:r>
+          </a:p>
+        </p:txBody>
+      </p:sp>
+      <p:cxnSp>
+        <p:nvCxnSpPr>
+          <p:cNvPr id="59" name="Straight Connector 58">
+            <a:extLst>
+              <a:ext uri="{FF2B5EF4-FFF2-40B4-BE49-F238E27FC236}">
+                <a16:creationId xmlns:a16="http://schemas.microsoft.com/office/drawing/2014/main" id="{2B3085B4-D4F1-E131-61CB-2F29CE53F65D}"/>
+              </a:ext>
+            </a:extLst>
+          </p:cNvPr>
+          <p:cNvCxnSpPr>
+            <a:cxnSpLocks/>
+            <a:endCxn id="34" idx="0"/>
+          </p:cNvCxnSpPr>
+          <p:nvPr/>
+        </p:nvCxnSpPr>
+        <p:spPr>
+          <a:xfrm flipH="1">
+            <a:off x="978627" y="3415332"/>
+            <a:ext cx="4521380" cy="936543"/>
+          </a:xfrm>
+          <a:prstGeom prst="line">
+            <a:avLst/>
+          </a:prstGeom>
+          <a:ln>
+            <a:solidFill>
+              <a:schemeClr val="tx1"/>
+            </a:solidFill>
+          </a:ln>
+        </p:spPr>
+        <p:style>
+          <a:lnRef idx="1">
+            <a:schemeClr val="accent1"/>
+          </a:lnRef>
+          <a:fillRef idx="0">
+            <a:schemeClr val="accent1"/>
+          </a:fillRef>
+          <a:effectRef idx="0">
+            <a:schemeClr val="accent1"/>
+          </a:effectRef>
+          <a:fontRef idx="minor">
+            <a:schemeClr val="tx1"/>
+          </a:fontRef>
+        </p:style>
+      </p:cxnSp>
+      <p:cxnSp>
+        <p:nvCxnSpPr>
+          <p:cNvPr id="64" name="Straight Connector 63">
+            <a:extLst>
+              <a:ext uri="{FF2B5EF4-FFF2-40B4-BE49-F238E27FC236}">
+                <a16:creationId xmlns:a16="http://schemas.microsoft.com/office/drawing/2014/main" id="{AA2DE362-2082-4512-EE68-A5E7461A81EF}"/>
+              </a:ext>
+            </a:extLst>
+          </p:cNvPr>
+          <p:cNvCxnSpPr>
+            <a:cxnSpLocks/>
+            <a:endCxn id="26" idx="0"/>
+          </p:cNvCxnSpPr>
+          <p:nvPr/>
+        </p:nvCxnSpPr>
+        <p:spPr>
+          <a:xfrm flipH="1">
+            <a:off x="971806" y="3415332"/>
+            <a:ext cx="4528217" cy="1889650"/>
+          </a:xfrm>
+          <a:prstGeom prst="line">
+            <a:avLst/>
+          </a:prstGeom>
+          <a:ln>
+            <a:solidFill>
+              <a:schemeClr val="tx1"/>
+            </a:solidFill>
+          </a:ln>
+        </p:spPr>
+        <p:style>
+          <a:lnRef idx="1">
+            <a:schemeClr val="accent1"/>
+          </a:lnRef>
+          <a:fillRef idx="0">
+            <a:schemeClr val="accent1"/>
+          </a:fillRef>
+          <a:effectRef idx="0">
+            <a:schemeClr val="accent1"/>
+          </a:effectRef>
+          <a:fontRef idx="minor">
+            <a:schemeClr val="tx1"/>
+          </a:fontRef>
+        </p:style>
+      </p:cxnSp>
+      <p:cxnSp>
+        <p:nvCxnSpPr>
+          <p:cNvPr id="71" name="Straight Connector 70">
+            <a:extLst>
+              <a:ext uri="{FF2B5EF4-FFF2-40B4-BE49-F238E27FC236}">
+                <a16:creationId xmlns:a16="http://schemas.microsoft.com/office/drawing/2014/main" id="{39263485-DD2E-5C9F-FD04-10D06EC62630}"/>
+              </a:ext>
+            </a:extLst>
+          </p:cNvPr>
+          <p:cNvCxnSpPr>
+            <a:cxnSpLocks/>
+          </p:cNvCxnSpPr>
+          <p:nvPr/>
+        </p:nvCxnSpPr>
+        <p:spPr>
+          <a:xfrm flipH="1" flipV="1">
+            <a:off x="928224" y="2466868"/>
+            <a:ext cx="4521380" cy="936543"/>
+          </a:xfrm>
+          <a:prstGeom prst="line">
+            <a:avLst/>
+          </a:prstGeom>
+          <a:ln>
+            <a:solidFill>
+              <a:schemeClr val="tx1"/>
+            </a:solidFill>
+          </a:ln>
+        </p:spPr>
+        <p:style>
+          <a:lnRef idx="1">
+            <a:schemeClr val="accent1"/>
+          </a:lnRef>
+          <a:fillRef idx="0">
+            <a:schemeClr val="accent1"/>
+          </a:fillRef>
+          <a:effectRef idx="0">
+            <a:schemeClr val="accent1"/>
+          </a:effectRef>
+          <a:fontRef idx="minor">
+            <a:schemeClr val="tx1"/>
+          </a:fontRef>
+        </p:style>
+      </p:cxnSp>
+      <p:cxnSp>
+        <p:nvCxnSpPr>
+          <p:cNvPr id="74" name="Straight Connector 73">
+            <a:extLst>
+              <a:ext uri="{FF2B5EF4-FFF2-40B4-BE49-F238E27FC236}">
+                <a16:creationId xmlns:a16="http://schemas.microsoft.com/office/drawing/2014/main" id="{E21BD6AA-1F0D-9714-9C86-6ECD19CE5FE1}"/>
+              </a:ext>
+            </a:extLst>
+          </p:cNvPr>
+          <p:cNvCxnSpPr>
+            <a:cxnSpLocks/>
+          </p:cNvCxnSpPr>
+          <p:nvPr/>
+        </p:nvCxnSpPr>
+        <p:spPr>
+          <a:xfrm flipH="1" flipV="1">
+            <a:off x="956673" y="1553036"/>
+            <a:ext cx="4543334" cy="1858888"/>
+          </a:xfrm>
+          <a:prstGeom prst="line">
+            <a:avLst/>
+          </a:prstGeom>
+          <a:ln>
+            <a:solidFill>
+              <a:schemeClr val="tx1"/>
+            </a:solidFill>
+          </a:ln>
+        </p:spPr>
+        <p:style>
+          <a:lnRef idx="1">
+            <a:schemeClr val="accent1"/>
+          </a:lnRef>
+          <a:fillRef idx="0">
+            <a:schemeClr val="accent1"/>
+          </a:fillRef>
+          <a:effectRef idx="0">
+            <a:schemeClr val="accent1"/>
+          </a:effectRef>
+          <a:fontRef idx="minor">
+            <a:schemeClr val="tx1"/>
+          </a:fontRef>
+        </p:style>
+      </p:cxnSp>
+      <p:cxnSp>
+        <p:nvCxnSpPr>
+          <p:cNvPr id="76" name="Straight Arrow Connector 75">
+            <a:extLst>
+              <a:ext uri="{FF2B5EF4-FFF2-40B4-BE49-F238E27FC236}">
+                <a16:creationId xmlns:a16="http://schemas.microsoft.com/office/drawing/2014/main" id="{F6472FC7-0822-94BD-3162-61452DCE3313}"/>
+              </a:ext>
+            </a:extLst>
+          </p:cNvPr>
+          <p:cNvCxnSpPr>
+            <a:cxnSpLocks/>
+          </p:cNvCxnSpPr>
+          <p:nvPr/>
+        </p:nvCxnSpPr>
+        <p:spPr>
+          <a:xfrm>
+            <a:off x="5554733" y="3459351"/>
+            <a:ext cx="714834" cy="444492"/>
+          </a:xfrm>
+          <a:prstGeom prst="straightConnector1">
+            <a:avLst/>
+          </a:prstGeom>
+          <a:ln w="38100">
+            <a:solidFill>
+              <a:srgbClr val="FF0000"/>
+            </a:solidFill>
+            <a:tailEnd type="arrow"/>
+          </a:ln>
+        </p:spPr>
+        <p:style>
+          <a:lnRef idx="1">
+            <a:schemeClr val="accent1"/>
+          </a:lnRef>
+          <a:fillRef idx="0">
+            <a:schemeClr val="accent1"/>
+          </a:fillRef>
+          <a:effectRef idx="0">
+            <a:schemeClr val="accent1"/>
+          </a:effectRef>
+          <a:fontRef idx="minor">
+            <a:schemeClr val="tx1"/>
+          </a:fontRef>
+        </p:style>
+      </p:cxnSp>
+      <p:cxnSp>
+        <p:nvCxnSpPr>
+          <p:cNvPr id="78" name="Straight Arrow Connector 77">
+            <a:extLst>
+              <a:ext uri="{FF2B5EF4-FFF2-40B4-BE49-F238E27FC236}">
+                <a16:creationId xmlns:a16="http://schemas.microsoft.com/office/drawing/2014/main" id="{21452524-B517-8A91-5C12-25F5A2894822}"/>
+              </a:ext>
+            </a:extLst>
+          </p:cNvPr>
+          <p:cNvCxnSpPr>
+            <a:cxnSpLocks/>
+          </p:cNvCxnSpPr>
+          <p:nvPr/>
+        </p:nvCxnSpPr>
+        <p:spPr>
+          <a:xfrm flipV="1">
+            <a:off x="5570013" y="3056205"/>
+            <a:ext cx="794968" cy="338676"/>
+          </a:xfrm>
+          <a:prstGeom prst="straightConnector1">
+            <a:avLst/>
+          </a:prstGeom>
+          <a:ln w="38100">
+            <a:solidFill>
+              <a:srgbClr val="FF0000"/>
+            </a:solidFill>
+            <a:tailEnd type="arrow"/>
+          </a:ln>
+        </p:spPr>
+        <p:style>
+          <a:lnRef idx="1">
+            <a:schemeClr val="accent1"/>
+          </a:lnRef>
+          <a:fillRef idx="0">
+            <a:schemeClr val="accent1"/>
+          </a:fillRef>
+          <a:effectRef idx="0">
+            <a:schemeClr val="accent1"/>
+          </a:effectRef>
+          <a:fontRef idx="minor">
+            <a:schemeClr val="tx1"/>
+          </a:fontRef>
+        </p:style>
+      </p:cxnSp>
+      <p:cxnSp>
+        <p:nvCxnSpPr>
+          <p:cNvPr id="80" name="Straight Arrow Connector 79">
+            <a:extLst>
+              <a:ext uri="{FF2B5EF4-FFF2-40B4-BE49-F238E27FC236}">
+                <a16:creationId xmlns:a16="http://schemas.microsoft.com/office/drawing/2014/main" id="{EDEB1D36-DB19-0A95-1FA7-03D55ADCEB41}"/>
+              </a:ext>
+            </a:extLst>
+          </p:cNvPr>
+          <p:cNvCxnSpPr>
+            <a:cxnSpLocks/>
+          </p:cNvCxnSpPr>
+          <p:nvPr/>
+        </p:nvCxnSpPr>
+        <p:spPr>
+          <a:xfrm>
+            <a:off x="5560214" y="3437645"/>
+            <a:ext cx="819633" cy="327863"/>
+          </a:xfrm>
+          <a:prstGeom prst="straightConnector1">
+            <a:avLst/>
+          </a:prstGeom>
+          <a:ln w="38100">
+            <a:solidFill>
+              <a:srgbClr val="FF0000"/>
+            </a:solidFill>
+            <a:tailEnd type="arrow"/>
+          </a:ln>
+        </p:spPr>
+        <p:style>
+          <a:lnRef idx="1">
+            <a:schemeClr val="accent1"/>
+          </a:lnRef>
+          <a:fillRef idx="0">
+            <a:schemeClr val="accent1"/>
+          </a:fillRef>
+          <a:effectRef idx="0">
+            <a:schemeClr val="accent1"/>
+          </a:effectRef>
+          <a:fontRef idx="minor">
+            <a:schemeClr val="tx1"/>
+          </a:fontRef>
+        </p:style>
+      </p:cxnSp>
+      <p:cxnSp>
+        <p:nvCxnSpPr>
+          <p:cNvPr id="82" name="Straight Arrow Connector 81">
+            <a:extLst>
+              <a:ext uri="{FF2B5EF4-FFF2-40B4-BE49-F238E27FC236}">
+                <a16:creationId xmlns:a16="http://schemas.microsoft.com/office/drawing/2014/main" id="{9A2DE06C-3C7A-DD9A-55D7-43E5CF824A5D}"/>
+              </a:ext>
+            </a:extLst>
+          </p:cNvPr>
+          <p:cNvCxnSpPr>
+            <a:cxnSpLocks/>
+          </p:cNvCxnSpPr>
+          <p:nvPr/>
+        </p:nvCxnSpPr>
+        <p:spPr>
+          <a:xfrm>
+            <a:off x="5594579" y="3428237"/>
+            <a:ext cx="833512" cy="165603"/>
+          </a:xfrm>
+          <a:prstGeom prst="straightConnector1">
+            <a:avLst/>
+          </a:prstGeom>
+          <a:ln w="38100">
+            <a:solidFill>
+              <a:srgbClr val="FF0000"/>
+            </a:solidFill>
+            <a:tailEnd type="arrow"/>
+          </a:ln>
+        </p:spPr>
+        <p:style>
+          <a:lnRef idx="1">
+            <a:schemeClr val="accent1"/>
+          </a:lnRef>
+          <a:fillRef idx="0">
+            <a:schemeClr val="accent1"/>
+          </a:fillRef>
+          <a:effectRef idx="0">
+            <a:schemeClr val="accent1"/>
+          </a:effectRef>
+          <a:fontRef idx="minor">
+            <a:schemeClr val="tx1"/>
+          </a:fontRef>
+        </p:style>
+      </p:cxnSp>
+      <p:cxnSp>
+        <p:nvCxnSpPr>
+          <p:cNvPr id="86" name="Straight Arrow Connector 85">
+            <a:extLst>
+              <a:ext uri="{FF2B5EF4-FFF2-40B4-BE49-F238E27FC236}">
+                <a16:creationId xmlns:a16="http://schemas.microsoft.com/office/drawing/2014/main" id="{CF280407-9DD6-9A16-B1ED-E6B329C0404C}"/>
+              </a:ext>
+            </a:extLst>
+          </p:cNvPr>
+          <p:cNvCxnSpPr>
+            <a:cxnSpLocks/>
+          </p:cNvCxnSpPr>
+          <p:nvPr/>
+        </p:nvCxnSpPr>
+        <p:spPr>
+          <a:xfrm flipV="1">
+            <a:off x="5593024" y="3256569"/>
+            <a:ext cx="835067" cy="149009"/>
+          </a:xfrm>
+          <a:prstGeom prst="straightConnector1">
+            <a:avLst/>
+          </a:prstGeom>
+          <a:ln w="38100">
+            <a:solidFill>
+              <a:srgbClr val="FF0000"/>
+            </a:solidFill>
+            <a:tailEnd type="arrow"/>
+          </a:ln>
+        </p:spPr>
+        <p:style>
+          <a:lnRef idx="1">
+            <a:schemeClr val="accent1"/>
+          </a:lnRef>
+          <a:fillRef idx="0">
+            <a:schemeClr val="accent1"/>
+          </a:fillRef>
+          <a:effectRef idx="0">
+            <a:schemeClr val="accent1"/>
+          </a:effectRef>
+          <a:fontRef idx="minor">
+            <a:schemeClr val="tx1"/>
+          </a:fontRef>
+        </p:style>
+      </p:cxnSp>
+      <p:cxnSp>
+        <p:nvCxnSpPr>
+          <p:cNvPr id="46" name="Straight Connector 45"/>
+          <p:cNvCxnSpPr>
+            <a:cxnSpLocks/>
+          </p:cNvCxnSpPr>
+          <p:nvPr/>
+        </p:nvCxnSpPr>
+        <p:spPr>
+          <a:xfrm>
+            <a:off x="895606" y="214952"/>
+            <a:ext cx="0" cy="6363648"/>
+          </a:xfrm>
+          <a:prstGeom prst="line">
+            <a:avLst/>
+          </a:prstGeom>
+          <a:ln>
+            <a:solidFill>
+              <a:schemeClr val="tx1"/>
+            </a:solidFill>
+            <a:headEnd type="arrow"/>
+            <a:tailEnd type="arrow"/>
+          </a:ln>
+        </p:spPr>
+        <p:style>
+          <a:lnRef idx="1">
+            <a:schemeClr val="accent1"/>
+          </a:lnRef>
+          <a:fillRef idx="0">
+            <a:schemeClr val="accent1"/>
+          </a:fillRef>
+          <a:effectRef idx="0">
+            <a:schemeClr val="accent1"/>
+          </a:effectRef>
+          <a:fontRef idx="minor">
+            <a:schemeClr val="tx1"/>
+          </a:fontRef>
+        </p:style>
+      </p:cxnSp>
+      <p:sp>
+        <p:nvSpPr>
+          <p:cNvPr id="9" name="Oval 8"/>
+          <p:cNvSpPr/>
+          <p:nvPr/>
+        </p:nvSpPr>
+        <p:spPr>
+          <a:xfrm>
+            <a:off x="438406" y="4845510"/>
+            <a:ext cx="914400" cy="914400"/>
+          </a:xfrm>
+          <a:prstGeom prst="ellipse">
+            <a:avLst/>
+          </a:prstGeom>
+        </p:spPr>
+        <p:style>
+          <a:lnRef idx="2">
+            <a:schemeClr val="accent1">
+              <a:shade val="50000"/>
+            </a:schemeClr>
+          </a:lnRef>
+          <a:fillRef idx="1">
+            <a:schemeClr val="accent1"/>
+          </a:fillRef>
+          <a:effectRef idx="0">
+            <a:schemeClr val="accent1"/>
+          </a:effectRef>
+          <a:fontRef idx="minor">
+            <a:schemeClr val="lt1"/>
+          </a:fontRef>
+        </p:style>
+        <p:txBody>
+          <a:bodyPr rtlCol="0" anchor="ctr"/>
+          <a:lstStyle/>
+          <a:p>
+            <a:pPr algn="ctr"/>
+            <a:endParaRPr lang="en-US"/>
+          </a:p>
+        </p:txBody>
+      </p:sp>
+      <p:sp>
+        <p:nvSpPr>
+          <p:cNvPr id="16" name="Rectangle 15"/>
+          <p:cNvSpPr/>
+          <p:nvPr/>
+        </p:nvSpPr>
+        <p:spPr>
+          <a:xfrm>
+            <a:off x="590806" y="5226510"/>
+            <a:ext cx="609600" cy="152400"/>
+          </a:xfrm>
+          <a:prstGeom prst="rect">
+            <a:avLst/>
+          </a:prstGeom>
+          <a:solidFill>
+            <a:schemeClr val="bg1"/>
+          </a:solidFill>
+          <a:ln>
+            <a:noFill/>
+          </a:ln>
+        </p:spPr>
+        <p:style>
+          <a:lnRef idx="2">
+            <a:schemeClr val="accent1">
+              <a:shade val="50000"/>
+            </a:schemeClr>
+          </a:lnRef>
+          <a:fillRef idx="1">
+            <a:schemeClr val="accent1"/>
+          </a:fillRef>
+          <a:effectRef idx="0">
+            <a:schemeClr val="accent1"/>
+          </a:effectRef>
+          <a:fontRef idx="minor">
+            <a:schemeClr val="lt1"/>
+          </a:fontRef>
+        </p:style>
+        <p:txBody>
+          <a:bodyPr rtlCol="0" anchor="ctr"/>
+          <a:lstStyle/>
+          <a:p>
+            <a:pPr algn="ctr"/>
+            <a:endParaRPr lang="en-US"/>
+          </a:p>
+        </p:txBody>
+      </p:sp>
+      <p:sp>
+        <p:nvSpPr>
+          <p:cNvPr id="24" name="Oval 23"/>
+          <p:cNvSpPr/>
+          <p:nvPr/>
+        </p:nvSpPr>
+        <p:spPr>
+          <a:xfrm>
+            <a:off x="438406" y="2972014"/>
+            <a:ext cx="914400" cy="914400"/>
+          </a:xfrm>
+          <a:prstGeom prst="ellipse">
+            <a:avLst/>
+          </a:prstGeom>
+        </p:spPr>
+        <p:style>
+          <a:lnRef idx="2">
+            <a:schemeClr val="accent1">
+              <a:shade val="50000"/>
+            </a:schemeClr>
+          </a:lnRef>
+          <a:fillRef idx="1">
+            <a:schemeClr val="accent1"/>
+          </a:fillRef>
+          <a:effectRef idx="0">
+            <a:schemeClr val="accent1"/>
+          </a:effectRef>
+          <a:fontRef idx="minor">
+            <a:schemeClr val="lt1"/>
+          </a:fontRef>
+        </p:style>
+        <p:txBody>
+          <a:bodyPr rtlCol="0" anchor="ctr"/>
+          <a:lstStyle/>
+          <a:p>
+            <a:pPr algn="ctr"/>
+            <a:endParaRPr lang="en-US"/>
+          </a:p>
+        </p:txBody>
+      </p:sp>
+      <p:sp>
+        <p:nvSpPr>
+          <p:cNvPr id="25" name="Rectangle 24"/>
+          <p:cNvSpPr/>
+          <p:nvPr/>
+        </p:nvSpPr>
+        <p:spPr>
+          <a:xfrm>
+            <a:off x="590806" y="3338328"/>
+            <a:ext cx="609600" cy="152400"/>
+          </a:xfrm>
+          <a:prstGeom prst="rect">
+            <a:avLst/>
+          </a:prstGeom>
+          <a:solidFill>
+            <a:schemeClr val="bg1"/>
+          </a:solidFill>
+          <a:ln>
+            <a:noFill/>
+          </a:ln>
+        </p:spPr>
+        <p:style>
+          <a:lnRef idx="2">
+            <a:schemeClr val="accent1">
+              <a:shade val="50000"/>
+            </a:schemeClr>
+          </a:lnRef>
+          <a:fillRef idx="1">
+            <a:schemeClr val="accent1"/>
+          </a:fillRef>
+          <a:effectRef idx="0">
+            <a:schemeClr val="accent1"/>
+          </a:effectRef>
+          <a:fontRef idx="minor">
+            <a:schemeClr val="lt1"/>
+          </a:fontRef>
+        </p:style>
+        <p:txBody>
+          <a:bodyPr rtlCol="0" anchor="ctr"/>
+          <a:lstStyle/>
+          <a:p>
+            <a:pPr algn="ctr"/>
+            <a:endParaRPr lang="en-US"/>
+          </a:p>
+        </p:txBody>
+      </p:sp>
+      <p:sp>
+        <p:nvSpPr>
+          <p:cNvPr id="26" name="Rectangle 25"/>
+          <p:cNvSpPr/>
+          <p:nvPr/>
+        </p:nvSpPr>
+        <p:spPr>
+          <a:xfrm rot="5400000">
+            <a:off x="590806" y="5228782"/>
+            <a:ext cx="609600" cy="152400"/>
+          </a:xfrm>
+          <a:prstGeom prst="rect">
+            <a:avLst/>
+          </a:prstGeom>
+          <a:solidFill>
+            <a:schemeClr val="bg1"/>
+          </a:solidFill>
+          <a:ln>
+            <a:noFill/>
+          </a:ln>
+        </p:spPr>
+        <p:style>
+          <a:lnRef idx="2">
+            <a:schemeClr val="accent1">
+              <a:shade val="50000"/>
+            </a:schemeClr>
+          </a:lnRef>
+          <a:fillRef idx="1">
+            <a:schemeClr val="accent1"/>
+          </a:fillRef>
+          <a:effectRef idx="0">
+            <a:schemeClr val="accent1"/>
+          </a:effectRef>
+          <a:fontRef idx="minor">
+            <a:schemeClr val="lt1"/>
+          </a:fontRef>
+        </p:style>
+        <p:txBody>
+          <a:bodyPr rtlCol="0" anchor="ctr"/>
+          <a:lstStyle/>
+          <a:p>
+            <a:pPr algn="ctr"/>
+            <a:endParaRPr lang="en-US"/>
+          </a:p>
+        </p:txBody>
+      </p:sp>
+      <p:sp>
+        <p:nvSpPr>
+          <p:cNvPr id="27" name="Rectangle 26"/>
+          <p:cNvSpPr/>
+          <p:nvPr/>
+        </p:nvSpPr>
+        <p:spPr>
+          <a:xfrm rot="5400000">
+            <a:off x="590806" y="3326993"/>
+            <a:ext cx="609600" cy="152400"/>
+          </a:xfrm>
+          <a:prstGeom prst="rect">
+            <a:avLst/>
+          </a:prstGeom>
+          <a:solidFill>
+            <a:schemeClr val="bg1"/>
+          </a:solidFill>
+          <a:ln>
+            <a:noFill/>
+          </a:ln>
+        </p:spPr>
+        <p:style>
+          <a:lnRef idx="2">
+            <a:schemeClr val="accent1">
+              <a:shade val="50000"/>
+            </a:schemeClr>
+          </a:lnRef>
+          <a:fillRef idx="1">
+            <a:schemeClr val="accent1"/>
+          </a:fillRef>
+          <a:effectRef idx="0">
+            <a:schemeClr val="accent1"/>
+          </a:effectRef>
+          <a:fontRef idx="minor">
+            <a:schemeClr val="lt1"/>
+          </a:fontRef>
+        </p:style>
+        <p:txBody>
+          <a:bodyPr rtlCol="0" anchor="ctr"/>
+          <a:lstStyle/>
+          <a:p>
+            <a:pPr algn="ctr"/>
+            <a:endParaRPr lang="en-US"/>
+          </a:p>
+        </p:txBody>
+      </p:sp>
+      <p:grpSp>
+        <p:nvGrpSpPr>
+          <p:cNvPr id="5" name="Group 4">
+            <a:extLst>
+              <a:ext uri="{FF2B5EF4-FFF2-40B4-BE49-F238E27FC236}">
+                <a16:creationId xmlns:a16="http://schemas.microsoft.com/office/drawing/2014/main" id="{DC77E067-1F3F-B028-8A79-F34E05A4A3A4}"/>
+              </a:ext>
+            </a:extLst>
+          </p:cNvPr>
+          <p:cNvGrpSpPr/>
+          <p:nvPr/>
+        </p:nvGrpSpPr>
+        <p:grpSpPr>
+          <a:xfrm>
+            <a:off x="438406" y="1107167"/>
+            <a:ext cx="914400" cy="914400"/>
+            <a:chOff x="457200" y="685800"/>
+            <a:chExt cx="914400" cy="914400"/>
+          </a:xfrm>
+        </p:grpSpPr>
+        <p:sp>
+          <p:nvSpPr>
+            <p:cNvPr id="10" name="Oval 9"/>
+            <p:cNvSpPr/>
+            <p:nvPr/>
+          </p:nvSpPr>
+          <p:spPr>
+            <a:xfrm>
+              <a:off x="457200" y="685800"/>
+              <a:ext cx="914400" cy="914400"/>
+            </a:xfrm>
+            <a:prstGeom prst="ellipse">
+              <a:avLst/>
+            </a:prstGeom>
+          </p:spPr>
+          <p:style>
+            <a:lnRef idx="2">
+              <a:schemeClr val="accent1">
+                <a:shade val="50000"/>
+              </a:schemeClr>
+            </a:lnRef>
+            <a:fillRef idx="1">
+              <a:schemeClr val="accent1"/>
+            </a:fillRef>
+            <a:effectRef idx="0">
+              <a:schemeClr val="accent1"/>
+            </a:effectRef>
+            <a:fontRef idx="minor">
+              <a:schemeClr val="lt1"/>
+            </a:fontRef>
+          </p:style>
+          <p:txBody>
+            <a:bodyPr rtlCol="0" anchor="ctr"/>
+            <a:lstStyle/>
+            <a:p>
+              <a:pPr algn="ctr"/>
+              <a:endParaRPr lang="en-US"/>
+            </a:p>
+          </p:txBody>
+        </p:sp>
+        <p:sp>
+          <p:nvSpPr>
+            <p:cNvPr id="15" name="Rectangle 14"/>
+            <p:cNvSpPr/>
+            <p:nvPr/>
+          </p:nvSpPr>
+          <p:spPr>
+            <a:xfrm>
+              <a:off x="609600" y="1066800"/>
+              <a:ext cx="609600" cy="152400"/>
+            </a:xfrm>
+            <a:prstGeom prst="rect">
+              <a:avLst/>
+            </a:prstGeom>
+            <a:solidFill>
+              <a:schemeClr val="bg1"/>
+            </a:solidFill>
+            <a:ln>
+              <a:noFill/>
+            </a:ln>
+          </p:spPr>
+          <p:style>
+            <a:lnRef idx="2">
+              <a:schemeClr val="accent1">
+                <a:shade val="50000"/>
+              </a:schemeClr>
+            </a:lnRef>
+            <a:fillRef idx="1">
+              <a:schemeClr val="accent1"/>
+            </a:fillRef>
+            <a:effectRef idx="0">
+              <a:schemeClr val="accent1"/>
+            </a:effectRef>
+            <a:fontRef idx="minor">
+              <a:schemeClr val="lt1"/>
+            </a:fontRef>
+          </p:style>
+          <p:txBody>
+            <a:bodyPr rtlCol="0" anchor="ctr"/>
+            <a:lstStyle/>
+            <a:p>
+              <a:pPr algn="ctr"/>
+              <a:endParaRPr lang="en-US"/>
+            </a:p>
+          </p:txBody>
+        </p:sp>
+        <p:sp>
+          <p:nvSpPr>
+            <p:cNvPr id="28" name="Rectangle 27"/>
+            <p:cNvSpPr/>
+            <p:nvPr/>
+          </p:nvSpPr>
+          <p:spPr>
+            <a:xfrm rot="5400000">
+              <a:off x="616421" y="1052012"/>
+              <a:ext cx="609600" cy="152400"/>
+            </a:xfrm>
+            <a:prstGeom prst="rect">
+              <a:avLst/>
+            </a:prstGeom>
+            <a:solidFill>
+              <a:schemeClr val="bg1"/>
+            </a:solidFill>
+            <a:ln>
+              <a:noFill/>
+            </a:ln>
+          </p:spPr>
+          <p:style>
+            <a:lnRef idx="2">
+              <a:schemeClr val="accent1">
+                <a:shade val="50000"/>
+              </a:schemeClr>
+            </a:lnRef>
+            <a:fillRef idx="1">
+              <a:schemeClr val="accent1"/>
+            </a:fillRef>
+            <a:effectRef idx="0">
+              <a:schemeClr val="accent1"/>
+            </a:effectRef>
+            <a:fontRef idx="minor">
+              <a:schemeClr val="lt1"/>
+            </a:fontRef>
+          </p:style>
+          <p:txBody>
+            <a:bodyPr rtlCol="0" anchor="ctr"/>
+            <a:lstStyle/>
+            <a:p>
+              <a:pPr algn="ctr"/>
+              <a:endParaRPr lang="en-US"/>
+            </a:p>
+          </p:txBody>
+        </p:sp>
+      </p:grpSp>
+      <p:grpSp>
+        <p:nvGrpSpPr>
+          <p:cNvPr id="6" name="Group 5">
+            <a:extLst>
+              <a:ext uri="{FF2B5EF4-FFF2-40B4-BE49-F238E27FC236}">
+                <a16:creationId xmlns:a16="http://schemas.microsoft.com/office/drawing/2014/main" id="{42A05E19-7BC4-09AE-81AC-7AE14A8975BC}"/>
+              </a:ext>
+            </a:extLst>
+          </p:cNvPr>
+          <p:cNvGrpSpPr/>
+          <p:nvPr/>
+        </p:nvGrpSpPr>
+        <p:grpSpPr>
+          <a:xfrm>
+            <a:off x="438406" y="2034083"/>
+            <a:ext cx="914400" cy="914400"/>
+            <a:chOff x="457200" y="685800"/>
+            <a:chExt cx="914400" cy="914400"/>
+          </a:xfrm>
+        </p:grpSpPr>
+        <p:sp>
+          <p:nvSpPr>
+            <p:cNvPr id="7" name="Oval 6">
+              <a:extLst>
+                <a:ext uri="{FF2B5EF4-FFF2-40B4-BE49-F238E27FC236}">
+                  <a16:creationId xmlns:a16="http://schemas.microsoft.com/office/drawing/2014/main" id="{F62A2AA1-DDA6-41C0-A0F9-F1287425EFD7}"/>
+                </a:ext>
+              </a:extLst>
+            </p:cNvPr>
+            <p:cNvSpPr/>
+            <p:nvPr/>
+          </p:nvSpPr>
+          <p:spPr>
+            <a:xfrm>
+              <a:off x="457200" y="685800"/>
+              <a:ext cx="914400" cy="914400"/>
+            </a:xfrm>
+            <a:prstGeom prst="ellipse">
+              <a:avLst/>
+            </a:prstGeom>
+          </p:spPr>
+          <p:style>
+            <a:lnRef idx="2">
+              <a:schemeClr val="accent1">
+                <a:shade val="50000"/>
+              </a:schemeClr>
+            </a:lnRef>
+            <a:fillRef idx="1">
+              <a:schemeClr val="accent1"/>
+            </a:fillRef>
+            <a:effectRef idx="0">
+              <a:schemeClr val="accent1"/>
+            </a:effectRef>
+            <a:fontRef idx="minor">
+              <a:schemeClr val="lt1"/>
+            </a:fontRef>
+          </p:style>
+          <p:txBody>
+            <a:bodyPr rtlCol="0" anchor="ctr"/>
+            <a:lstStyle/>
+            <a:p>
+              <a:pPr algn="ctr"/>
+              <a:endParaRPr lang="en-US"/>
+            </a:p>
+          </p:txBody>
+        </p:sp>
+        <p:sp>
+          <p:nvSpPr>
+            <p:cNvPr id="8" name="Rectangle 7">
+              <a:extLst>
+                <a:ext uri="{FF2B5EF4-FFF2-40B4-BE49-F238E27FC236}">
+                  <a16:creationId xmlns:a16="http://schemas.microsoft.com/office/drawing/2014/main" id="{D44B0DC8-24DE-889A-DAEF-332CD6727455}"/>
+                </a:ext>
+              </a:extLst>
+            </p:cNvPr>
+            <p:cNvSpPr/>
+            <p:nvPr/>
+          </p:nvSpPr>
+          <p:spPr>
+            <a:xfrm>
+              <a:off x="609600" y="1066800"/>
+              <a:ext cx="609600" cy="152400"/>
+            </a:xfrm>
+            <a:prstGeom prst="rect">
+              <a:avLst/>
+            </a:prstGeom>
+            <a:solidFill>
+              <a:schemeClr val="bg1"/>
+            </a:solidFill>
+            <a:ln>
+              <a:noFill/>
+            </a:ln>
+          </p:spPr>
+          <p:style>
+            <a:lnRef idx="2">
+              <a:schemeClr val="accent1">
+                <a:shade val="50000"/>
+              </a:schemeClr>
+            </a:lnRef>
+            <a:fillRef idx="1">
+              <a:schemeClr val="accent1"/>
+            </a:fillRef>
+            <a:effectRef idx="0">
+              <a:schemeClr val="accent1"/>
+            </a:effectRef>
+            <a:fontRef idx="minor">
+              <a:schemeClr val="lt1"/>
+            </a:fontRef>
+          </p:style>
+          <p:txBody>
+            <a:bodyPr rtlCol="0" anchor="ctr"/>
+            <a:lstStyle/>
+            <a:p>
+              <a:pPr algn="ctr"/>
+              <a:endParaRPr lang="en-US"/>
+            </a:p>
+          </p:txBody>
+        </p:sp>
+        <p:sp>
+          <p:nvSpPr>
+            <p:cNvPr id="11" name="Rectangle 10">
+              <a:extLst>
+                <a:ext uri="{FF2B5EF4-FFF2-40B4-BE49-F238E27FC236}">
+                  <a16:creationId xmlns:a16="http://schemas.microsoft.com/office/drawing/2014/main" id="{1451526D-A420-17C2-2435-B9F92A0BBC10}"/>
+                </a:ext>
+              </a:extLst>
+            </p:cNvPr>
+            <p:cNvSpPr/>
+            <p:nvPr/>
+          </p:nvSpPr>
+          <p:spPr>
+            <a:xfrm rot="5400000">
+              <a:off x="616421" y="1052012"/>
+              <a:ext cx="609600" cy="152400"/>
+            </a:xfrm>
+            <a:prstGeom prst="rect">
+              <a:avLst/>
+            </a:prstGeom>
+            <a:solidFill>
+              <a:schemeClr val="bg1"/>
+            </a:solidFill>
+            <a:ln>
+              <a:noFill/>
+            </a:ln>
+          </p:spPr>
+          <p:style>
+            <a:lnRef idx="2">
+              <a:schemeClr val="accent1">
+                <a:shade val="50000"/>
+              </a:schemeClr>
+            </a:lnRef>
+            <a:fillRef idx="1">
+              <a:schemeClr val="accent1"/>
+            </a:fillRef>
+            <a:effectRef idx="0">
+              <a:schemeClr val="accent1"/>
+            </a:effectRef>
+            <a:fontRef idx="minor">
+              <a:schemeClr val="lt1"/>
+            </a:fontRef>
+          </p:style>
+          <p:txBody>
+            <a:bodyPr rtlCol="0" anchor="ctr"/>
+            <a:lstStyle/>
+            <a:p>
+              <a:pPr algn="ctr"/>
+              <a:endParaRPr lang="en-US"/>
+            </a:p>
+          </p:txBody>
+        </p:sp>
+      </p:grpSp>
+      <p:grpSp>
+        <p:nvGrpSpPr>
+          <p:cNvPr id="14" name="Group 13">
+            <a:extLst>
+              <a:ext uri="{FF2B5EF4-FFF2-40B4-BE49-F238E27FC236}">
+                <a16:creationId xmlns:a16="http://schemas.microsoft.com/office/drawing/2014/main" id="{830BB77D-6959-D4D5-4D10-52428E5381B0}"/>
+              </a:ext>
+            </a:extLst>
+          </p:cNvPr>
+          <p:cNvGrpSpPr/>
+          <p:nvPr/>
+        </p:nvGrpSpPr>
+        <p:grpSpPr>
+          <a:xfrm>
+            <a:off x="438406" y="188218"/>
+            <a:ext cx="914400" cy="914400"/>
+            <a:chOff x="457200" y="685800"/>
+            <a:chExt cx="914400" cy="914400"/>
+          </a:xfrm>
+        </p:grpSpPr>
+        <p:sp>
+          <p:nvSpPr>
+            <p:cNvPr id="18" name="Oval 17">
+              <a:extLst>
+                <a:ext uri="{FF2B5EF4-FFF2-40B4-BE49-F238E27FC236}">
+                  <a16:creationId xmlns:a16="http://schemas.microsoft.com/office/drawing/2014/main" id="{C6EDE5AD-99C7-E868-D106-869B37DF5BA9}"/>
+                </a:ext>
+              </a:extLst>
+            </p:cNvPr>
+            <p:cNvSpPr/>
+            <p:nvPr/>
+          </p:nvSpPr>
+          <p:spPr>
+            <a:xfrm>
+              <a:off x="457200" y="685800"/>
+              <a:ext cx="914400" cy="914400"/>
+            </a:xfrm>
+            <a:prstGeom prst="ellipse">
+              <a:avLst/>
+            </a:prstGeom>
+          </p:spPr>
+          <p:style>
+            <a:lnRef idx="2">
+              <a:schemeClr val="accent1">
+                <a:shade val="50000"/>
+              </a:schemeClr>
+            </a:lnRef>
+            <a:fillRef idx="1">
+              <a:schemeClr val="accent1"/>
+            </a:fillRef>
+            <a:effectRef idx="0">
+              <a:schemeClr val="accent1"/>
+            </a:effectRef>
+            <a:fontRef idx="minor">
+              <a:schemeClr val="lt1"/>
+            </a:fontRef>
+          </p:style>
+          <p:txBody>
+            <a:bodyPr rtlCol="0" anchor="ctr"/>
+            <a:lstStyle/>
+            <a:p>
+              <a:pPr algn="ctr"/>
+              <a:endParaRPr lang="en-US"/>
+            </a:p>
+          </p:txBody>
+        </p:sp>
+        <p:sp>
+          <p:nvSpPr>
+            <p:cNvPr id="20" name="Rectangle 19">
+              <a:extLst>
+                <a:ext uri="{FF2B5EF4-FFF2-40B4-BE49-F238E27FC236}">
+                  <a16:creationId xmlns:a16="http://schemas.microsoft.com/office/drawing/2014/main" id="{6845D96B-1017-3EAA-4D44-61A705C90C14}"/>
+                </a:ext>
+              </a:extLst>
+            </p:cNvPr>
+            <p:cNvSpPr/>
+            <p:nvPr/>
+          </p:nvSpPr>
+          <p:spPr>
+            <a:xfrm>
+              <a:off x="609600" y="1066800"/>
+              <a:ext cx="609600" cy="152400"/>
+            </a:xfrm>
+            <a:prstGeom prst="rect">
+              <a:avLst/>
+            </a:prstGeom>
+            <a:solidFill>
+              <a:schemeClr val="bg1"/>
+            </a:solidFill>
+            <a:ln>
+              <a:noFill/>
+            </a:ln>
+          </p:spPr>
+          <p:style>
+            <a:lnRef idx="2">
+              <a:schemeClr val="accent1">
+                <a:shade val="50000"/>
+              </a:schemeClr>
+            </a:lnRef>
+            <a:fillRef idx="1">
+              <a:schemeClr val="accent1"/>
+            </a:fillRef>
+            <a:effectRef idx="0">
+              <a:schemeClr val="accent1"/>
+            </a:effectRef>
+            <a:fontRef idx="minor">
+              <a:schemeClr val="lt1"/>
+            </a:fontRef>
+          </p:style>
+          <p:txBody>
+            <a:bodyPr rtlCol="0" anchor="ctr"/>
+            <a:lstStyle/>
+            <a:p>
+              <a:pPr algn="ctr"/>
+              <a:endParaRPr lang="en-US"/>
+            </a:p>
+          </p:txBody>
+        </p:sp>
+        <p:sp>
+          <p:nvSpPr>
+            <p:cNvPr id="21" name="Rectangle 20">
+              <a:extLst>
+                <a:ext uri="{FF2B5EF4-FFF2-40B4-BE49-F238E27FC236}">
+                  <a16:creationId xmlns:a16="http://schemas.microsoft.com/office/drawing/2014/main" id="{3C5479B0-7E7E-D37E-8446-450EE0F9E649}"/>
+                </a:ext>
+              </a:extLst>
+            </p:cNvPr>
+            <p:cNvSpPr/>
+            <p:nvPr/>
+          </p:nvSpPr>
+          <p:spPr>
+            <a:xfrm rot="5400000">
+              <a:off x="616421" y="1052012"/>
+              <a:ext cx="609600" cy="152400"/>
+            </a:xfrm>
+            <a:prstGeom prst="rect">
+              <a:avLst/>
+            </a:prstGeom>
+            <a:solidFill>
+              <a:schemeClr val="bg1"/>
+            </a:solidFill>
+            <a:ln>
+              <a:noFill/>
+            </a:ln>
+          </p:spPr>
+          <p:style>
+            <a:lnRef idx="2">
+              <a:schemeClr val="accent1">
+                <a:shade val="50000"/>
+              </a:schemeClr>
+            </a:lnRef>
+            <a:fillRef idx="1">
+              <a:schemeClr val="accent1"/>
+            </a:fillRef>
+            <a:effectRef idx="0">
+              <a:schemeClr val="accent1"/>
+            </a:effectRef>
+            <a:fontRef idx="minor">
+              <a:schemeClr val="lt1"/>
+            </a:fontRef>
+          </p:style>
+          <p:txBody>
+            <a:bodyPr rtlCol="0" anchor="ctr"/>
+            <a:lstStyle/>
+            <a:p>
+              <a:pPr algn="ctr"/>
+              <a:endParaRPr lang="en-US"/>
+            </a:p>
+          </p:txBody>
+        </p:sp>
+      </p:grpSp>
+      <p:grpSp>
+        <p:nvGrpSpPr>
+          <p:cNvPr id="22" name="Group 21">
+            <a:extLst>
+              <a:ext uri="{FF2B5EF4-FFF2-40B4-BE49-F238E27FC236}">
+                <a16:creationId xmlns:a16="http://schemas.microsoft.com/office/drawing/2014/main" id="{C51A41D4-9308-02CC-D64A-C12B8740557E}"/>
+              </a:ext>
+            </a:extLst>
+          </p:cNvPr>
+          <p:cNvGrpSpPr/>
+          <p:nvPr/>
+        </p:nvGrpSpPr>
+        <p:grpSpPr>
+          <a:xfrm>
+            <a:off x="438406" y="3909463"/>
+            <a:ext cx="914400" cy="914400"/>
+            <a:chOff x="457200" y="685800"/>
+            <a:chExt cx="914400" cy="914400"/>
+          </a:xfrm>
+        </p:grpSpPr>
+        <p:sp>
+          <p:nvSpPr>
+            <p:cNvPr id="32" name="Oval 31">
+              <a:extLst>
+                <a:ext uri="{FF2B5EF4-FFF2-40B4-BE49-F238E27FC236}">
+                  <a16:creationId xmlns:a16="http://schemas.microsoft.com/office/drawing/2014/main" id="{AA688837-DDFA-F160-4BF6-082E0CD9A587}"/>
+                </a:ext>
+              </a:extLst>
+            </p:cNvPr>
+            <p:cNvSpPr/>
+            <p:nvPr/>
+          </p:nvSpPr>
+          <p:spPr>
+            <a:xfrm>
+              <a:off x="457200" y="685800"/>
+              <a:ext cx="914400" cy="914400"/>
+            </a:xfrm>
+            <a:prstGeom prst="ellipse">
+              <a:avLst/>
+            </a:prstGeom>
+          </p:spPr>
+          <p:style>
+            <a:lnRef idx="2">
+              <a:schemeClr val="accent1">
+                <a:shade val="50000"/>
+              </a:schemeClr>
+            </a:lnRef>
+            <a:fillRef idx="1">
+              <a:schemeClr val="accent1"/>
+            </a:fillRef>
+            <a:effectRef idx="0">
+              <a:schemeClr val="accent1"/>
+            </a:effectRef>
+            <a:fontRef idx="minor">
+              <a:schemeClr val="lt1"/>
+            </a:fontRef>
+          </p:style>
+          <p:txBody>
+            <a:bodyPr rtlCol="0" anchor="ctr"/>
+            <a:lstStyle/>
+            <a:p>
+              <a:pPr algn="ctr"/>
+              <a:endParaRPr lang="en-US"/>
+            </a:p>
+          </p:txBody>
+        </p:sp>
+        <p:sp>
+          <p:nvSpPr>
+            <p:cNvPr id="33" name="Rectangle 32">
+              <a:extLst>
+                <a:ext uri="{FF2B5EF4-FFF2-40B4-BE49-F238E27FC236}">
+                  <a16:creationId xmlns:a16="http://schemas.microsoft.com/office/drawing/2014/main" id="{274EFAC1-965D-25FE-926C-078B0F9669E8}"/>
+                </a:ext>
+              </a:extLst>
+            </p:cNvPr>
+            <p:cNvSpPr/>
+            <p:nvPr/>
+          </p:nvSpPr>
+          <p:spPr>
+            <a:xfrm>
+              <a:off x="609600" y="1066800"/>
+              <a:ext cx="609600" cy="152400"/>
+            </a:xfrm>
+            <a:prstGeom prst="rect">
+              <a:avLst/>
+            </a:prstGeom>
+            <a:solidFill>
+              <a:schemeClr val="bg1"/>
+            </a:solidFill>
+            <a:ln>
+              <a:noFill/>
+            </a:ln>
+          </p:spPr>
+          <p:style>
+            <a:lnRef idx="2">
+              <a:schemeClr val="accent1">
+                <a:shade val="50000"/>
+              </a:schemeClr>
+            </a:lnRef>
+            <a:fillRef idx="1">
+              <a:schemeClr val="accent1"/>
+            </a:fillRef>
+            <a:effectRef idx="0">
+              <a:schemeClr val="accent1"/>
+            </a:effectRef>
+            <a:fontRef idx="minor">
+              <a:schemeClr val="lt1"/>
+            </a:fontRef>
+          </p:style>
+          <p:txBody>
+            <a:bodyPr rtlCol="0" anchor="ctr"/>
+            <a:lstStyle/>
+            <a:p>
+              <a:pPr algn="ctr"/>
+              <a:endParaRPr lang="en-US"/>
+            </a:p>
+          </p:txBody>
+        </p:sp>
+        <p:sp>
+          <p:nvSpPr>
+            <p:cNvPr id="34" name="Rectangle 33">
+              <a:extLst>
+                <a:ext uri="{FF2B5EF4-FFF2-40B4-BE49-F238E27FC236}">
+                  <a16:creationId xmlns:a16="http://schemas.microsoft.com/office/drawing/2014/main" id="{9E40F588-67E5-56BC-AF91-F359B713E7AD}"/>
+                </a:ext>
+              </a:extLst>
+            </p:cNvPr>
+            <p:cNvSpPr/>
+            <p:nvPr/>
+          </p:nvSpPr>
+          <p:spPr>
+            <a:xfrm rot="5400000">
+              <a:off x="616421" y="1052012"/>
+              <a:ext cx="609600" cy="152400"/>
+            </a:xfrm>
+            <a:prstGeom prst="rect">
+              <a:avLst/>
+            </a:prstGeom>
+            <a:solidFill>
+              <a:schemeClr val="bg1"/>
+            </a:solidFill>
+            <a:ln>
+              <a:noFill/>
+            </a:ln>
+          </p:spPr>
+          <p:style>
+            <a:lnRef idx="2">
+              <a:schemeClr val="accent1">
+                <a:shade val="50000"/>
+              </a:schemeClr>
+            </a:lnRef>
+            <a:fillRef idx="1">
+              <a:schemeClr val="accent1"/>
+            </a:fillRef>
+            <a:effectRef idx="0">
+              <a:schemeClr val="accent1"/>
+            </a:effectRef>
+            <a:fontRef idx="minor">
+              <a:schemeClr val="lt1"/>
+            </a:fontRef>
+          </p:style>
+          <p:txBody>
+            <a:bodyPr rtlCol="0" anchor="ctr"/>
+            <a:lstStyle/>
+            <a:p>
+              <a:pPr algn="ctr"/>
+              <a:endParaRPr lang="en-US"/>
+            </a:p>
+          </p:txBody>
+        </p:sp>
+      </p:grpSp>
+      <p:grpSp>
+        <p:nvGrpSpPr>
+          <p:cNvPr id="49" name="Group 48">
+            <a:extLst>
+              <a:ext uri="{FF2B5EF4-FFF2-40B4-BE49-F238E27FC236}">
+                <a16:creationId xmlns:a16="http://schemas.microsoft.com/office/drawing/2014/main" id="{DABADD92-777C-3290-7198-B0C6CD6FD364}"/>
+              </a:ext>
+            </a:extLst>
+          </p:cNvPr>
+          <p:cNvGrpSpPr/>
+          <p:nvPr/>
+        </p:nvGrpSpPr>
+        <p:grpSpPr>
+          <a:xfrm>
+            <a:off x="438406" y="5795586"/>
+            <a:ext cx="914400" cy="914400"/>
+            <a:chOff x="457200" y="685800"/>
+            <a:chExt cx="914400" cy="914400"/>
+          </a:xfrm>
+        </p:grpSpPr>
+        <p:sp>
+          <p:nvSpPr>
+            <p:cNvPr id="50" name="Oval 49">
+              <a:extLst>
+                <a:ext uri="{FF2B5EF4-FFF2-40B4-BE49-F238E27FC236}">
+                  <a16:creationId xmlns:a16="http://schemas.microsoft.com/office/drawing/2014/main" id="{FE36243B-64D1-49E2-3166-5275021A60BE}"/>
+                </a:ext>
+              </a:extLst>
+            </p:cNvPr>
+            <p:cNvSpPr/>
+            <p:nvPr/>
+          </p:nvSpPr>
+          <p:spPr>
+            <a:xfrm>
+              <a:off x="457200" y="685800"/>
+              <a:ext cx="914400" cy="914400"/>
+            </a:xfrm>
+            <a:prstGeom prst="ellipse">
+              <a:avLst/>
+            </a:prstGeom>
+          </p:spPr>
+          <p:style>
+            <a:lnRef idx="2">
+              <a:schemeClr val="accent1">
+                <a:shade val="50000"/>
+              </a:schemeClr>
+            </a:lnRef>
+            <a:fillRef idx="1">
+              <a:schemeClr val="accent1"/>
+            </a:fillRef>
+            <a:effectRef idx="0">
+              <a:schemeClr val="accent1"/>
+            </a:effectRef>
+            <a:fontRef idx="minor">
+              <a:schemeClr val="lt1"/>
+            </a:fontRef>
+          </p:style>
+          <p:txBody>
+            <a:bodyPr rtlCol="0" anchor="ctr"/>
+            <a:lstStyle/>
+            <a:p>
+              <a:pPr algn="ctr"/>
+              <a:endParaRPr lang="en-US"/>
+            </a:p>
+          </p:txBody>
+        </p:sp>
+        <p:sp>
+          <p:nvSpPr>
+            <p:cNvPr id="51" name="Rectangle 50">
+              <a:extLst>
+                <a:ext uri="{FF2B5EF4-FFF2-40B4-BE49-F238E27FC236}">
+                  <a16:creationId xmlns:a16="http://schemas.microsoft.com/office/drawing/2014/main" id="{DEF87D90-9FB4-0C14-165E-31353E9B3ADE}"/>
+                </a:ext>
+              </a:extLst>
+            </p:cNvPr>
+            <p:cNvSpPr/>
+            <p:nvPr/>
+          </p:nvSpPr>
+          <p:spPr>
+            <a:xfrm>
+              <a:off x="609600" y="1066800"/>
+              <a:ext cx="609600" cy="152400"/>
+            </a:xfrm>
+            <a:prstGeom prst="rect">
+              <a:avLst/>
+            </a:prstGeom>
+            <a:solidFill>
+              <a:schemeClr val="bg1"/>
+            </a:solidFill>
+            <a:ln>
+              <a:noFill/>
+            </a:ln>
+          </p:spPr>
+          <p:style>
+            <a:lnRef idx="2">
+              <a:schemeClr val="accent1">
+                <a:shade val="50000"/>
+              </a:schemeClr>
+            </a:lnRef>
+            <a:fillRef idx="1">
+              <a:schemeClr val="accent1"/>
+            </a:fillRef>
+            <a:effectRef idx="0">
+              <a:schemeClr val="accent1"/>
+            </a:effectRef>
+            <a:fontRef idx="minor">
+              <a:schemeClr val="lt1"/>
+            </a:fontRef>
+          </p:style>
+          <p:txBody>
+            <a:bodyPr rtlCol="0" anchor="ctr"/>
+            <a:lstStyle/>
+            <a:p>
+              <a:pPr algn="ctr"/>
+              <a:endParaRPr lang="en-US"/>
+            </a:p>
+          </p:txBody>
+        </p:sp>
+        <p:sp>
+          <p:nvSpPr>
+            <p:cNvPr id="52" name="Rectangle 51">
+              <a:extLst>
+                <a:ext uri="{FF2B5EF4-FFF2-40B4-BE49-F238E27FC236}">
+                  <a16:creationId xmlns:a16="http://schemas.microsoft.com/office/drawing/2014/main" id="{5EDEFA26-BE9C-8816-5F86-784BCE47A987}"/>
+                </a:ext>
+              </a:extLst>
+            </p:cNvPr>
+            <p:cNvSpPr/>
+            <p:nvPr/>
+          </p:nvSpPr>
+          <p:spPr>
+            <a:xfrm rot="5400000">
+              <a:off x="616421" y="1052012"/>
+              <a:ext cx="609600" cy="152400"/>
+            </a:xfrm>
+            <a:prstGeom prst="rect">
+              <a:avLst/>
+            </a:prstGeom>
+            <a:solidFill>
+              <a:schemeClr val="bg1"/>
+            </a:solidFill>
+            <a:ln>
+              <a:noFill/>
+            </a:ln>
+          </p:spPr>
+          <p:style>
+            <a:lnRef idx="2">
+              <a:schemeClr val="accent1">
+                <a:shade val="50000"/>
+              </a:schemeClr>
+            </a:lnRef>
+            <a:fillRef idx="1">
+              <a:schemeClr val="accent1"/>
+            </a:fillRef>
+            <a:effectRef idx="0">
+              <a:schemeClr val="accent1"/>
+            </a:effectRef>
+            <a:fontRef idx="minor">
+              <a:schemeClr val="lt1"/>
+            </a:fontRef>
+          </p:style>
+          <p:txBody>
+            <a:bodyPr rtlCol="0" anchor="ctr"/>
+            <a:lstStyle/>
+            <a:p>
+              <a:pPr algn="ctr"/>
+              <a:endParaRPr lang="en-US"/>
+            </a:p>
+          </p:txBody>
+        </p:sp>
+      </p:grpSp>
+    </p:spTree>
+    <p:extLst>
+      <p:ext uri="{BB962C8B-B14F-4D97-AF65-F5344CB8AC3E}">
+        <p14:creationId xmlns:p14="http://schemas.microsoft.com/office/powerpoint/2010/main" val="4096599565"/>
+      </p:ext>
+    </p:extLst>
+  </p:cSld>
+  <p:clrMapOvr>
+    <a:masterClrMapping/>
+  </p:clrMapOvr>
+</p:sld>
+</file>
+
+<file path=ppt/slides/slide5.xml><?xml version="1.0" encoding="utf-8"?>
+<p:sld xmlns:a="http://schemas.openxmlformats.org/drawingml/2006/main" xmlns:r="http://schemas.openxmlformats.org/officeDocument/2006/relationships" xmlns:p="http://schemas.openxmlformats.org/presentationml/2006/main">
+  <p:cSld>
+    <p:spTree>
+      <p:nvGrpSpPr>
+        <p:cNvPr id="1" name=""/>
+        <p:cNvGrpSpPr/>
+        <p:nvPr/>
+      </p:nvGrpSpPr>
+      <p:grpSpPr>
+        <a:xfrm>
+          <a:off x="0" y="0"/>
+          <a:ext cx="0" cy="0"/>
+          <a:chOff x="0" y="0"/>
+          <a:chExt cx="0" cy="0"/>
+        </a:xfrm>
+      </p:grpSpPr>
+      <p:cxnSp>
+        <p:nvCxnSpPr>
           <p:cNvPr id="29" name="Straight Connector 28"/>
           <p:cNvCxnSpPr/>
           <p:nvPr/>
@@ -36579,7 +41105,7 @@
 </p:sld>
 </file>
 
-<file path=ppt/slides/slide5.xml><?xml version="1.0" encoding="utf-8"?>
+<file path=ppt/slides/slide6.xml><?xml version="1.0" encoding="utf-8"?>
 <p:sld xmlns:a="http://schemas.openxmlformats.org/drawingml/2006/main" xmlns:r="http://schemas.openxmlformats.org/officeDocument/2006/relationships" xmlns:p="http://schemas.openxmlformats.org/presentationml/2006/main">
   <p:cSld>
     <p:spTree>
@@ -37907,7 +42433,7 @@
 </p:sld>
 </file>
 
-<file path=ppt/slides/slide6.xml><?xml version="1.0" encoding="utf-8"?>
+<file path=ppt/slides/slide7.xml><?xml version="1.0" encoding="utf-8"?>
 <p:sld xmlns:a="http://schemas.openxmlformats.org/drawingml/2006/main" xmlns:r="http://schemas.openxmlformats.org/officeDocument/2006/relationships" xmlns:p="http://schemas.openxmlformats.org/presentationml/2006/main">
   <p:cSld>
     <p:spTree>
@@ -39198,7 +43724,7 @@
 </p:sld>
 </file>
 
-<file path=ppt/slides/slide7.xml><?xml version="1.0" encoding="utf-8"?>
+<file path=ppt/slides/slide8.xml><?xml version="1.0" encoding="utf-8"?>
 <p:sld xmlns:a="http://schemas.openxmlformats.org/drawingml/2006/main" xmlns:r="http://schemas.openxmlformats.org/officeDocument/2006/relationships" xmlns:p="http://schemas.openxmlformats.org/presentationml/2006/main">
   <p:cSld>
     <p:spTree>
@@ -41134,7 +45660,7 @@
 </p:sld>
 </file>
 
-<file path=ppt/slides/slide8.xml><?xml version="1.0" encoding="utf-8"?>
+<file path=ppt/slides/slide9.xml><?xml version="1.0" encoding="utf-8"?>
 <p:sld xmlns:a="http://schemas.openxmlformats.org/drawingml/2006/main" xmlns:r="http://schemas.openxmlformats.org/officeDocument/2006/relationships" xmlns:p="http://schemas.openxmlformats.org/presentationml/2006/main">
   <p:cSld>
     <p:spTree>
@@ -41265,1742 +45791,6 @@
             <a:pPr marL="381000" indent="-381000"/>
             <a:endParaRPr lang="en-US" sz="3200" dirty="0">
               <a:sym typeface="Symbol" pitchFamily="18" charset="2"/>
-            </a:endParaRPr>
-          </a:p>
-        </p:txBody>
-      </p:sp>
-    </p:spTree>
-  </p:cSld>
-  <p:clrMapOvr>
-    <a:masterClrMapping/>
-  </p:clrMapOvr>
-</p:sld>
-</file>
-
-<file path=ppt/slides/slide9.xml><?xml version="1.0" encoding="utf-8"?>
-<p:sld xmlns:a="http://schemas.openxmlformats.org/drawingml/2006/main" xmlns:r="http://schemas.openxmlformats.org/officeDocument/2006/relationships" xmlns:p="http://schemas.openxmlformats.org/presentationml/2006/main">
-  <p:cSld>
-    <p:spTree>
-      <p:nvGrpSpPr>
-        <p:cNvPr id="1" name=""/>
-        <p:cNvGrpSpPr/>
-        <p:nvPr/>
-      </p:nvGrpSpPr>
-      <p:grpSpPr>
-        <a:xfrm>
-          <a:off x="0" y="0"/>
-          <a:ext cx="0" cy="0"/>
-          <a:chOff x="0" y="0"/>
-          <a:chExt cx="0" cy="0"/>
-        </a:xfrm>
-      </p:grpSpPr>
-      <p:sp>
-        <p:nvSpPr>
-          <p:cNvPr id="49" name="TextBox 48"/>
-          <p:cNvSpPr txBox="1"/>
-          <p:nvPr/>
-        </p:nvSpPr>
-        <p:spPr>
-          <a:xfrm>
-            <a:off x="319360" y="4025142"/>
-            <a:ext cx="393056" cy="646331"/>
-          </a:xfrm>
-          <a:prstGeom prst="rect">
-            <a:avLst/>
-          </a:prstGeom>
-          <a:solidFill>
-            <a:schemeClr val="bg1"/>
-          </a:solidFill>
-        </p:spPr>
-        <p:txBody>
-          <a:bodyPr wrap="none" rtlCol="0">
-            <a:spAutoFit/>
-          </a:bodyPr>
-          <a:lstStyle/>
-          <a:p>
-            <a:r>
-              <a:rPr lang="en-US" sz="3600" dirty="0"/>
-              <a:t>y</a:t>
-            </a:r>
-          </a:p>
-        </p:txBody>
-      </p:sp>
-      <p:sp>
-        <p:nvSpPr>
-          <p:cNvPr id="22" name="Oval 21"/>
-          <p:cNvSpPr/>
-          <p:nvPr/>
-        </p:nvSpPr>
-        <p:spPr>
-          <a:xfrm>
-            <a:off x="944130" y="1665026"/>
-            <a:ext cx="1501254" cy="2565779"/>
-          </a:xfrm>
-          <a:prstGeom prst="ellipse">
-            <a:avLst/>
-          </a:prstGeom>
-          <a:solidFill>
-            <a:srgbClr val="FFC000"/>
-          </a:solidFill>
-        </p:spPr>
-        <p:style>
-          <a:lnRef idx="2">
-            <a:schemeClr val="accent1">
-              <a:shade val="50000"/>
-            </a:schemeClr>
-          </a:lnRef>
-          <a:fillRef idx="1">
-            <a:schemeClr val="accent1"/>
-          </a:fillRef>
-          <a:effectRef idx="0">
-            <a:schemeClr val="accent1"/>
-          </a:effectRef>
-          <a:fontRef idx="minor">
-            <a:schemeClr val="lt1"/>
-          </a:fontRef>
-        </p:style>
-        <p:txBody>
-          <a:bodyPr rtlCol="0" anchor="ctr"/>
-          <a:lstStyle/>
-          <a:p>
-            <a:pPr algn="ctr"/>
-            <a:endParaRPr lang="en-US"/>
-          </a:p>
-        </p:txBody>
-      </p:sp>
-      <p:sp>
-        <p:nvSpPr>
-          <p:cNvPr id="23" name="Oval 22"/>
-          <p:cNvSpPr/>
-          <p:nvPr/>
-        </p:nvSpPr>
-        <p:spPr>
-          <a:xfrm>
-            <a:off x="1203438" y="1872017"/>
-            <a:ext cx="1064525" cy="2140425"/>
-          </a:xfrm>
-          <a:prstGeom prst="ellipse">
-            <a:avLst/>
-          </a:prstGeom>
-          <a:solidFill>
-            <a:schemeClr val="bg1"/>
-          </a:solidFill>
-        </p:spPr>
-        <p:style>
-          <a:lnRef idx="2">
-            <a:schemeClr val="accent1">
-              <a:shade val="50000"/>
-            </a:schemeClr>
-          </a:lnRef>
-          <a:fillRef idx="1">
-            <a:schemeClr val="accent1"/>
-          </a:fillRef>
-          <a:effectRef idx="0">
-            <a:schemeClr val="accent1"/>
-          </a:effectRef>
-          <a:fontRef idx="minor">
-            <a:schemeClr val="lt1"/>
-          </a:fontRef>
-        </p:style>
-        <p:txBody>
-          <a:bodyPr rtlCol="0" anchor="ctr"/>
-          <a:lstStyle/>
-          <a:p>
-            <a:pPr algn="ctr"/>
-            <a:endParaRPr lang="en-US" dirty="0">
-              <a:solidFill>
-                <a:srgbClr val="00B050"/>
-              </a:solidFill>
-            </a:endParaRPr>
-          </a:p>
-        </p:txBody>
-      </p:sp>
-      <p:sp>
-        <p:nvSpPr>
-          <p:cNvPr id="7" name="Text Box 9"/>
-          <p:cNvSpPr txBox="1">
-            <a:spLocks noChangeArrowheads="1"/>
-          </p:cNvSpPr>
-          <p:nvPr/>
-        </p:nvSpPr>
-        <p:spPr bwMode="auto">
-          <a:xfrm>
-            <a:off x="1755968" y="1638726"/>
-            <a:ext cx="300082" cy="369332"/>
-          </a:xfrm>
-          <a:prstGeom prst="rect">
-            <a:avLst/>
-          </a:prstGeom>
-          <a:noFill/>
-          <a:ln w="9525">
-            <a:noFill/>
-            <a:miter lim="800000"/>
-            <a:headEnd/>
-            <a:tailEnd/>
-          </a:ln>
-          <a:effectLst/>
-        </p:spPr>
-        <p:txBody>
-          <a:bodyPr wrap="none">
-            <a:spAutoFit/>
-          </a:bodyPr>
-          <a:lstStyle/>
-          <a:p>
-            <a:r>
-              <a:rPr lang="en-US" dirty="0">
-                <a:solidFill>
-                  <a:schemeClr val="bg1"/>
-                </a:solidFill>
-              </a:rPr>
-              <a:t>+</a:t>
-            </a:r>
-          </a:p>
-        </p:txBody>
-      </p:sp>
-      <p:sp>
-        <p:nvSpPr>
-          <p:cNvPr id="9" name="Text Box 11"/>
-          <p:cNvSpPr txBox="1">
-            <a:spLocks noChangeArrowheads="1"/>
-          </p:cNvSpPr>
-          <p:nvPr/>
-        </p:nvSpPr>
-        <p:spPr bwMode="auto">
-          <a:xfrm>
-            <a:off x="1090497" y="1924477"/>
-            <a:ext cx="300082" cy="369332"/>
-          </a:xfrm>
-          <a:prstGeom prst="rect">
-            <a:avLst/>
-          </a:prstGeom>
-          <a:noFill/>
-          <a:ln w="9525">
-            <a:noFill/>
-            <a:miter lim="800000"/>
-            <a:headEnd/>
-            <a:tailEnd/>
-          </a:ln>
-          <a:effectLst/>
-        </p:spPr>
-        <p:txBody>
-          <a:bodyPr wrap="none">
-            <a:spAutoFit/>
-          </a:bodyPr>
-          <a:lstStyle/>
-          <a:p>
-            <a:r>
-              <a:rPr lang="en-US" dirty="0">
-                <a:solidFill>
-                  <a:schemeClr val="bg1"/>
-                </a:solidFill>
-              </a:rPr>
-              <a:t>+</a:t>
-            </a:r>
-          </a:p>
-        </p:txBody>
-      </p:sp>
-      <p:sp>
-        <p:nvSpPr>
-          <p:cNvPr id="12" name="Text Box 14"/>
-          <p:cNvSpPr txBox="1">
-            <a:spLocks noChangeArrowheads="1"/>
-          </p:cNvSpPr>
-          <p:nvPr/>
-        </p:nvSpPr>
-        <p:spPr bwMode="auto">
-          <a:xfrm>
-            <a:off x="2118866" y="2264202"/>
-            <a:ext cx="300082" cy="369332"/>
-          </a:xfrm>
-          <a:prstGeom prst="rect">
-            <a:avLst/>
-          </a:prstGeom>
-          <a:noFill/>
-          <a:ln w="9525">
-            <a:noFill/>
-            <a:miter lim="800000"/>
-            <a:headEnd/>
-            <a:tailEnd/>
-          </a:ln>
-          <a:effectLst/>
-        </p:spPr>
-        <p:txBody>
-          <a:bodyPr wrap="none">
-            <a:spAutoFit/>
-          </a:bodyPr>
-          <a:lstStyle/>
-          <a:p>
-            <a:r>
-              <a:rPr lang="en-US" dirty="0">
-                <a:solidFill>
-                  <a:schemeClr val="bg1"/>
-                </a:solidFill>
-              </a:rPr>
-              <a:t>+</a:t>
-            </a:r>
-          </a:p>
-        </p:txBody>
-      </p:sp>
-      <p:sp>
-        <p:nvSpPr>
-          <p:cNvPr id="13" name="Text Box 15"/>
-          <p:cNvSpPr txBox="1">
-            <a:spLocks noChangeArrowheads="1"/>
-          </p:cNvSpPr>
-          <p:nvPr/>
-        </p:nvSpPr>
-        <p:spPr bwMode="auto">
-          <a:xfrm>
-            <a:off x="1987103" y="1891139"/>
-            <a:ext cx="300082" cy="369332"/>
-          </a:xfrm>
-          <a:prstGeom prst="rect">
-            <a:avLst/>
-          </a:prstGeom>
-          <a:noFill/>
-          <a:ln w="9525">
-            <a:noFill/>
-            <a:miter lim="800000"/>
-            <a:headEnd/>
-            <a:tailEnd/>
-          </a:ln>
-          <a:effectLst/>
-        </p:spPr>
-        <p:txBody>
-          <a:bodyPr wrap="none">
-            <a:spAutoFit/>
-          </a:bodyPr>
-          <a:lstStyle/>
-          <a:p>
-            <a:r>
-              <a:rPr lang="en-US" dirty="0">
-                <a:solidFill>
-                  <a:schemeClr val="bg1"/>
-                </a:solidFill>
-              </a:rPr>
-              <a:t>+</a:t>
-            </a:r>
-          </a:p>
-        </p:txBody>
-      </p:sp>
-      <p:sp>
-        <p:nvSpPr>
-          <p:cNvPr id="14" name="Text Box 16"/>
-          <p:cNvSpPr txBox="1">
-            <a:spLocks noChangeArrowheads="1"/>
-          </p:cNvSpPr>
-          <p:nvPr/>
-        </p:nvSpPr>
-        <p:spPr bwMode="auto">
-          <a:xfrm>
-            <a:off x="1335280" y="1657777"/>
-            <a:ext cx="300082" cy="369332"/>
-          </a:xfrm>
-          <a:prstGeom prst="rect">
-            <a:avLst/>
-          </a:prstGeom>
-          <a:noFill/>
-          <a:ln w="9525">
-            <a:noFill/>
-            <a:miter lim="800000"/>
-            <a:headEnd/>
-            <a:tailEnd/>
-          </a:ln>
-          <a:effectLst/>
-        </p:spPr>
-        <p:txBody>
-          <a:bodyPr wrap="none">
-            <a:spAutoFit/>
-          </a:bodyPr>
-          <a:lstStyle/>
-          <a:p>
-            <a:r>
-              <a:rPr lang="en-US" dirty="0">
-                <a:solidFill>
-                  <a:schemeClr val="bg1"/>
-                </a:solidFill>
-              </a:rPr>
-              <a:t>+</a:t>
-            </a:r>
-          </a:p>
-        </p:txBody>
-      </p:sp>
-      <p:sp>
-        <p:nvSpPr>
-          <p:cNvPr id="15" name="Text Box 17"/>
-          <p:cNvSpPr txBox="1">
-            <a:spLocks noChangeArrowheads="1"/>
-          </p:cNvSpPr>
-          <p:nvPr/>
-        </p:nvSpPr>
-        <p:spPr bwMode="auto">
-          <a:xfrm>
-            <a:off x="944756" y="2299127"/>
-            <a:ext cx="300082" cy="369332"/>
-          </a:xfrm>
-          <a:prstGeom prst="rect">
-            <a:avLst/>
-          </a:prstGeom>
-          <a:noFill/>
-          <a:ln w="9525">
-            <a:noFill/>
-            <a:miter lim="800000"/>
-            <a:headEnd/>
-            <a:tailEnd/>
-          </a:ln>
-          <a:effectLst/>
-        </p:spPr>
-        <p:txBody>
-          <a:bodyPr wrap="none">
-            <a:spAutoFit/>
-          </a:bodyPr>
-          <a:lstStyle/>
-          <a:p>
-            <a:r>
-              <a:rPr lang="en-US" dirty="0">
-                <a:solidFill>
-                  <a:schemeClr val="bg1"/>
-                </a:solidFill>
-              </a:rPr>
-              <a:t>+</a:t>
-            </a:r>
-          </a:p>
-        </p:txBody>
-      </p:sp>
-      <p:sp>
-        <p:nvSpPr>
-          <p:cNvPr id="16" name="Text Box 18"/>
-          <p:cNvSpPr txBox="1">
-            <a:spLocks noChangeArrowheads="1"/>
-          </p:cNvSpPr>
-          <p:nvPr/>
-        </p:nvSpPr>
-        <p:spPr bwMode="auto">
-          <a:xfrm>
-            <a:off x="922530" y="2765851"/>
-            <a:ext cx="300082" cy="369332"/>
-          </a:xfrm>
-          <a:prstGeom prst="rect">
-            <a:avLst/>
-          </a:prstGeom>
-          <a:noFill/>
-          <a:ln w="9525">
-            <a:noFill/>
-            <a:miter lim="800000"/>
-            <a:headEnd/>
-            <a:tailEnd/>
-          </a:ln>
-          <a:effectLst/>
-        </p:spPr>
-        <p:txBody>
-          <a:bodyPr wrap="none">
-            <a:spAutoFit/>
-          </a:bodyPr>
-          <a:lstStyle/>
-          <a:p>
-            <a:r>
-              <a:rPr lang="en-US" dirty="0">
-                <a:solidFill>
-                  <a:schemeClr val="bg1"/>
-                </a:solidFill>
-              </a:rPr>
-              <a:t>+</a:t>
-            </a:r>
-          </a:p>
-        </p:txBody>
-      </p:sp>
-      <p:sp>
-        <p:nvSpPr>
-          <p:cNvPr id="19" name="Text Box 21"/>
-          <p:cNvSpPr txBox="1">
-            <a:spLocks noChangeArrowheads="1"/>
-          </p:cNvSpPr>
-          <p:nvPr/>
-        </p:nvSpPr>
-        <p:spPr bwMode="auto">
-          <a:xfrm>
-            <a:off x="2025203" y="3535789"/>
-            <a:ext cx="300082" cy="369332"/>
-          </a:xfrm>
-          <a:prstGeom prst="rect">
-            <a:avLst/>
-          </a:prstGeom>
-          <a:noFill/>
-          <a:ln w="9525">
-            <a:noFill/>
-            <a:miter lim="800000"/>
-            <a:headEnd/>
-            <a:tailEnd/>
-          </a:ln>
-          <a:effectLst/>
-        </p:spPr>
-        <p:txBody>
-          <a:bodyPr wrap="none">
-            <a:spAutoFit/>
-          </a:bodyPr>
-          <a:lstStyle/>
-          <a:p>
-            <a:r>
-              <a:rPr lang="en-US" dirty="0">
-                <a:solidFill>
-                  <a:schemeClr val="bg1"/>
-                </a:solidFill>
-              </a:rPr>
-              <a:t>+</a:t>
-            </a:r>
-          </a:p>
-        </p:txBody>
-      </p:sp>
-      <p:sp>
-        <p:nvSpPr>
-          <p:cNvPr id="20" name="Text Box 22"/>
-          <p:cNvSpPr txBox="1">
-            <a:spLocks noChangeArrowheads="1"/>
-          </p:cNvSpPr>
-          <p:nvPr/>
-        </p:nvSpPr>
-        <p:spPr bwMode="auto">
-          <a:xfrm>
-            <a:off x="2185540" y="2656314"/>
-            <a:ext cx="300082" cy="369332"/>
-          </a:xfrm>
-          <a:prstGeom prst="rect">
-            <a:avLst/>
-          </a:prstGeom>
-          <a:noFill/>
-          <a:ln w="9525">
-            <a:noFill/>
-            <a:miter lim="800000"/>
-            <a:headEnd/>
-            <a:tailEnd/>
-          </a:ln>
-          <a:effectLst/>
-        </p:spPr>
-        <p:txBody>
-          <a:bodyPr wrap="none">
-            <a:spAutoFit/>
-          </a:bodyPr>
-          <a:lstStyle/>
-          <a:p>
-            <a:r>
-              <a:rPr lang="en-US" dirty="0">
-                <a:solidFill>
-                  <a:schemeClr val="bg1"/>
-                </a:solidFill>
-              </a:rPr>
-              <a:t>+</a:t>
-            </a:r>
-          </a:p>
-        </p:txBody>
-      </p:sp>
-      <p:sp>
-        <p:nvSpPr>
-          <p:cNvPr id="11" name="Text Box 13"/>
-          <p:cNvSpPr txBox="1">
-            <a:spLocks noChangeArrowheads="1"/>
-          </p:cNvSpPr>
-          <p:nvPr/>
-        </p:nvSpPr>
-        <p:spPr bwMode="auto">
-          <a:xfrm>
-            <a:off x="955868" y="3169076"/>
-            <a:ext cx="300082" cy="369332"/>
-          </a:xfrm>
-          <a:prstGeom prst="rect">
-            <a:avLst/>
-          </a:prstGeom>
-          <a:noFill/>
-          <a:ln w="9525">
-            <a:noFill/>
-            <a:miter lim="800000"/>
-            <a:headEnd/>
-            <a:tailEnd/>
-          </a:ln>
-          <a:effectLst/>
-        </p:spPr>
-        <p:txBody>
-          <a:bodyPr wrap="none">
-            <a:spAutoFit/>
-          </a:bodyPr>
-          <a:lstStyle/>
-          <a:p>
-            <a:r>
-              <a:rPr lang="en-US" dirty="0">
-                <a:solidFill>
-                  <a:schemeClr val="bg1"/>
-                </a:solidFill>
-              </a:rPr>
-              <a:t>+</a:t>
-            </a:r>
-          </a:p>
-        </p:txBody>
-      </p:sp>
-      <p:sp>
-        <p:nvSpPr>
-          <p:cNvPr id="17" name="Text Box 19"/>
-          <p:cNvSpPr txBox="1">
-            <a:spLocks noChangeArrowheads="1"/>
-          </p:cNvSpPr>
-          <p:nvPr/>
-        </p:nvSpPr>
-        <p:spPr bwMode="auto">
-          <a:xfrm>
-            <a:off x="1089218" y="3531027"/>
-            <a:ext cx="300082" cy="369332"/>
-          </a:xfrm>
-          <a:prstGeom prst="rect">
-            <a:avLst/>
-          </a:prstGeom>
-          <a:noFill/>
-          <a:ln w="9525">
-            <a:noFill/>
-            <a:miter lim="800000"/>
-            <a:headEnd/>
-            <a:tailEnd/>
-          </a:ln>
-          <a:effectLst/>
-        </p:spPr>
-        <p:txBody>
-          <a:bodyPr wrap="none">
-            <a:spAutoFit/>
-          </a:bodyPr>
-          <a:lstStyle/>
-          <a:p>
-            <a:r>
-              <a:rPr lang="en-US" dirty="0">
-                <a:solidFill>
-                  <a:schemeClr val="bg1"/>
-                </a:solidFill>
-              </a:rPr>
-              <a:t>+</a:t>
-            </a:r>
-          </a:p>
-        </p:txBody>
-      </p:sp>
-      <p:sp>
-        <p:nvSpPr>
-          <p:cNvPr id="18" name="Text Box 20"/>
-          <p:cNvSpPr txBox="1">
-            <a:spLocks noChangeArrowheads="1"/>
-          </p:cNvSpPr>
-          <p:nvPr/>
-        </p:nvSpPr>
-        <p:spPr bwMode="auto">
-          <a:xfrm>
-            <a:off x="1346393" y="3851702"/>
-            <a:ext cx="300082" cy="369332"/>
-          </a:xfrm>
-          <a:prstGeom prst="rect">
-            <a:avLst/>
-          </a:prstGeom>
-          <a:noFill/>
-          <a:ln w="9525">
-            <a:noFill/>
-            <a:miter lim="800000"/>
-            <a:headEnd/>
-            <a:tailEnd/>
-          </a:ln>
-          <a:effectLst/>
-        </p:spPr>
-        <p:txBody>
-          <a:bodyPr wrap="none">
-            <a:spAutoFit/>
-          </a:bodyPr>
-          <a:lstStyle/>
-          <a:p>
-            <a:r>
-              <a:rPr lang="en-US" dirty="0">
-                <a:solidFill>
-                  <a:schemeClr val="bg1"/>
-                </a:solidFill>
-              </a:rPr>
-              <a:t>+</a:t>
-            </a:r>
-          </a:p>
-        </p:txBody>
-      </p:sp>
-      <p:sp>
-        <p:nvSpPr>
-          <p:cNvPr id="10" name="Text Box 12"/>
-          <p:cNvSpPr txBox="1">
-            <a:spLocks noChangeArrowheads="1"/>
-          </p:cNvSpPr>
-          <p:nvPr/>
-        </p:nvSpPr>
-        <p:spPr bwMode="auto">
-          <a:xfrm>
-            <a:off x="1787718" y="3842176"/>
-            <a:ext cx="300082" cy="369332"/>
-          </a:xfrm>
-          <a:prstGeom prst="rect">
-            <a:avLst/>
-          </a:prstGeom>
-          <a:noFill/>
-          <a:ln w="9525">
-            <a:noFill/>
-            <a:miter lim="800000"/>
-            <a:headEnd/>
-            <a:tailEnd/>
-          </a:ln>
-          <a:effectLst/>
-        </p:spPr>
-        <p:txBody>
-          <a:bodyPr wrap="none">
-            <a:spAutoFit/>
-          </a:bodyPr>
-          <a:lstStyle/>
-          <a:p>
-            <a:r>
-              <a:rPr lang="en-US" dirty="0">
-                <a:solidFill>
-                  <a:schemeClr val="bg1"/>
-                </a:solidFill>
-              </a:rPr>
-              <a:t>+</a:t>
-            </a:r>
-          </a:p>
-        </p:txBody>
-      </p:sp>
-      <p:sp>
-        <p:nvSpPr>
-          <p:cNvPr id="5" name="Text Box 7"/>
-          <p:cNvSpPr txBox="1">
-            <a:spLocks noChangeArrowheads="1"/>
-          </p:cNvSpPr>
-          <p:nvPr/>
-        </p:nvSpPr>
-        <p:spPr bwMode="auto">
-          <a:xfrm>
-            <a:off x="2169405" y="3100435"/>
-            <a:ext cx="300082" cy="369332"/>
-          </a:xfrm>
-          <a:prstGeom prst="rect">
-            <a:avLst/>
-          </a:prstGeom>
-          <a:noFill/>
-          <a:ln w="9525">
-            <a:noFill/>
-            <a:miter lim="800000"/>
-            <a:headEnd/>
-            <a:tailEnd/>
-          </a:ln>
-          <a:effectLst/>
-        </p:spPr>
-        <p:txBody>
-          <a:bodyPr wrap="none">
-            <a:spAutoFit/>
-          </a:bodyPr>
-          <a:lstStyle/>
-          <a:p>
-            <a:r>
-              <a:rPr lang="en-US" dirty="0">
-                <a:solidFill>
-                  <a:schemeClr val="bg1"/>
-                </a:solidFill>
-              </a:rPr>
-              <a:t>+</a:t>
-            </a:r>
-          </a:p>
-        </p:txBody>
-      </p:sp>
-      <p:cxnSp>
-        <p:nvCxnSpPr>
-          <p:cNvPr id="26" name="Straight Connector 25"/>
-          <p:cNvCxnSpPr>
-            <a:stCxn id="16" idx="3"/>
-          </p:cNvCxnSpPr>
-          <p:nvPr/>
-        </p:nvCxnSpPr>
-        <p:spPr>
-          <a:xfrm flipV="1">
-            <a:off x="1222612" y="2934269"/>
-            <a:ext cx="7088875" cy="16248"/>
-          </a:xfrm>
-          <a:prstGeom prst="line">
-            <a:avLst/>
-          </a:prstGeom>
-          <a:ln w="28575">
-            <a:solidFill>
-              <a:schemeClr val="tx1"/>
-            </a:solidFill>
-          </a:ln>
-        </p:spPr>
-        <p:style>
-          <a:lnRef idx="1">
-            <a:schemeClr val="accent1"/>
-          </a:lnRef>
-          <a:fillRef idx="0">
-            <a:schemeClr val="accent1"/>
-          </a:fillRef>
-          <a:effectRef idx="0">
-            <a:schemeClr val="accent1"/>
-          </a:effectRef>
-          <a:fontRef idx="minor">
-            <a:schemeClr val="tx1"/>
-          </a:fontRef>
-        </p:style>
-      </p:cxnSp>
-      <p:cxnSp>
-        <p:nvCxnSpPr>
-          <p:cNvPr id="27" name="Straight Connector 26"/>
-          <p:cNvCxnSpPr/>
-          <p:nvPr/>
-        </p:nvCxnSpPr>
-        <p:spPr>
-          <a:xfrm>
-            <a:off x="163773" y="2947916"/>
-            <a:ext cx="684823" cy="2"/>
-          </a:xfrm>
-          <a:prstGeom prst="line">
-            <a:avLst/>
-          </a:prstGeom>
-          <a:ln w="28575">
-            <a:solidFill>
-              <a:schemeClr val="tx1"/>
-            </a:solidFill>
-          </a:ln>
-        </p:spPr>
-        <p:style>
-          <a:lnRef idx="1">
-            <a:schemeClr val="accent1"/>
-          </a:lnRef>
-          <a:fillRef idx="0">
-            <a:schemeClr val="accent1"/>
-          </a:fillRef>
-          <a:effectRef idx="0">
-            <a:schemeClr val="accent1"/>
-          </a:effectRef>
-          <a:fontRef idx="minor">
-            <a:schemeClr val="tx1"/>
-          </a:fontRef>
-        </p:style>
-      </p:cxnSp>
-      <p:cxnSp>
-        <p:nvCxnSpPr>
-          <p:cNvPr id="30" name="Straight Connector 29"/>
-          <p:cNvCxnSpPr/>
-          <p:nvPr/>
-        </p:nvCxnSpPr>
-        <p:spPr>
-          <a:xfrm flipH="1" flipV="1">
-            <a:off x="1626518" y="614149"/>
-            <a:ext cx="27296" cy="2320120"/>
-          </a:xfrm>
-          <a:prstGeom prst="line">
-            <a:avLst/>
-          </a:prstGeom>
-          <a:ln>
-            <a:solidFill>
-              <a:schemeClr val="tx1"/>
-            </a:solidFill>
-            <a:tailEnd type="arrow"/>
-          </a:ln>
-        </p:spPr>
-        <p:style>
-          <a:lnRef idx="1">
-            <a:schemeClr val="accent1"/>
-          </a:lnRef>
-          <a:fillRef idx="0">
-            <a:schemeClr val="accent1"/>
-          </a:fillRef>
-          <a:effectRef idx="0">
-            <a:schemeClr val="accent1"/>
-          </a:effectRef>
-          <a:fontRef idx="minor">
-            <a:schemeClr val="tx1"/>
-          </a:fontRef>
-        </p:style>
-      </p:cxnSp>
-      <p:cxnSp>
-        <p:nvCxnSpPr>
-          <p:cNvPr id="31" name="Straight Connector 30"/>
-          <p:cNvCxnSpPr/>
-          <p:nvPr/>
-        </p:nvCxnSpPr>
-        <p:spPr>
-          <a:xfrm flipH="1">
-            <a:off x="411868" y="2950191"/>
-            <a:ext cx="1257868" cy="1185081"/>
-          </a:xfrm>
-          <a:prstGeom prst="line">
-            <a:avLst/>
-          </a:prstGeom>
-          <a:ln>
-            <a:solidFill>
-              <a:schemeClr val="tx1"/>
-            </a:solidFill>
-            <a:tailEnd type="arrow"/>
-          </a:ln>
-        </p:spPr>
-        <p:style>
-          <a:lnRef idx="1">
-            <a:schemeClr val="accent1"/>
-          </a:lnRef>
-          <a:fillRef idx="0">
-            <a:schemeClr val="accent1"/>
-          </a:fillRef>
-          <a:effectRef idx="0">
-            <a:schemeClr val="accent1"/>
-          </a:effectRef>
-          <a:fontRef idx="minor">
-            <a:schemeClr val="tx1"/>
-          </a:fontRef>
-        </p:style>
-      </p:cxnSp>
-      <p:sp>
-        <p:nvSpPr>
-          <p:cNvPr id="29" name="Freeform 28"/>
-          <p:cNvSpPr/>
-          <p:nvPr/>
-        </p:nvSpPr>
-        <p:spPr>
-          <a:xfrm>
-            <a:off x="1449097" y="1665027"/>
-            <a:ext cx="423081" cy="272955"/>
-          </a:xfrm>
-          <a:custGeom>
-            <a:avLst/>
-            <a:gdLst>
-              <a:gd name="connsiteX0" fmla="*/ 0 w 423081"/>
-              <a:gd name="connsiteY0" fmla="*/ 68239 h 272955"/>
-              <a:gd name="connsiteX1" fmla="*/ 191069 w 423081"/>
-              <a:gd name="connsiteY1" fmla="*/ 0 h 272955"/>
-              <a:gd name="connsiteX2" fmla="*/ 423081 w 423081"/>
-              <a:gd name="connsiteY2" fmla="*/ 13648 h 272955"/>
-              <a:gd name="connsiteX3" fmla="*/ 354842 w 423081"/>
-              <a:gd name="connsiteY3" fmla="*/ 218364 h 272955"/>
-              <a:gd name="connsiteX4" fmla="*/ 245660 w 423081"/>
-              <a:gd name="connsiteY4" fmla="*/ 191069 h 272955"/>
-              <a:gd name="connsiteX5" fmla="*/ 109183 w 423081"/>
-              <a:gd name="connsiteY5" fmla="*/ 272955 h 272955"/>
-              <a:gd name="connsiteX6" fmla="*/ 0 w 423081"/>
-              <a:gd name="connsiteY6" fmla="*/ 68239 h 272955"/>
-            </a:gdLst>
-            <a:ahLst/>
-            <a:cxnLst>
-              <a:cxn ang="0">
-                <a:pos x="connsiteX0" y="connsiteY0"/>
-              </a:cxn>
-              <a:cxn ang="0">
-                <a:pos x="connsiteX1" y="connsiteY1"/>
-              </a:cxn>
-              <a:cxn ang="0">
-                <a:pos x="connsiteX2" y="connsiteY2"/>
-              </a:cxn>
-              <a:cxn ang="0">
-                <a:pos x="connsiteX3" y="connsiteY3"/>
-              </a:cxn>
-              <a:cxn ang="0">
-                <a:pos x="connsiteX4" y="connsiteY4"/>
-              </a:cxn>
-              <a:cxn ang="0">
-                <a:pos x="connsiteX5" y="connsiteY5"/>
-              </a:cxn>
-              <a:cxn ang="0">
-                <a:pos x="connsiteX6" y="connsiteY6"/>
-              </a:cxn>
-            </a:cxnLst>
-            <a:rect l="l" t="t" r="r" b="b"/>
-            <a:pathLst>
-              <a:path w="423081" h="272955">
-                <a:moveTo>
-                  <a:pt x="0" y="68239"/>
-                </a:moveTo>
-                <a:lnTo>
-                  <a:pt x="191069" y="0"/>
-                </a:lnTo>
-                <a:lnTo>
-                  <a:pt x="423081" y="13648"/>
-                </a:lnTo>
-                <a:lnTo>
-                  <a:pt x="354842" y="218364"/>
-                </a:lnTo>
-                <a:lnTo>
-                  <a:pt x="245660" y="191069"/>
-                </a:lnTo>
-                <a:lnTo>
-                  <a:pt x="109183" y="272955"/>
-                </a:lnTo>
-                <a:lnTo>
-                  <a:pt x="0" y="68239"/>
-                </a:lnTo>
-                <a:close/>
-              </a:path>
-            </a:pathLst>
-          </a:custGeom>
-          <a:solidFill>
-            <a:schemeClr val="accent3">
-              <a:alpha val="63000"/>
-            </a:schemeClr>
-          </a:solidFill>
-          <a:ln>
-            <a:noFill/>
-          </a:ln>
-        </p:spPr>
-        <p:style>
-          <a:lnRef idx="2">
-            <a:schemeClr val="accent1">
-              <a:shade val="50000"/>
-            </a:schemeClr>
-          </a:lnRef>
-          <a:fillRef idx="1">
-            <a:schemeClr val="accent1"/>
-          </a:fillRef>
-          <a:effectRef idx="0">
-            <a:schemeClr val="accent1"/>
-          </a:effectRef>
-          <a:fontRef idx="minor">
-            <a:schemeClr val="lt1"/>
-          </a:fontRef>
-        </p:style>
-        <p:txBody>
-          <a:bodyPr rtlCol="0" anchor="ctr"/>
-          <a:lstStyle/>
-          <a:p>
-            <a:pPr algn="ctr"/>
-            <a:endParaRPr lang="en-US"/>
-          </a:p>
-        </p:txBody>
-      </p:sp>
-      <p:sp>
-        <p:nvSpPr>
-          <p:cNvPr id="32" name="Freeform 31"/>
-          <p:cNvSpPr/>
-          <p:nvPr/>
-        </p:nvSpPr>
-        <p:spPr>
-          <a:xfrm flipH="1" flipV="1">
-            <a:off x="1570790" y="3962400"/>
-            <a:ext cx="423081" cy="272955"/>
-          </a:xfrm>
-          <a:custGeom>
-            <a:avLst/>
-            <a:gdLst>
-              <a:gd name="connsiteX0" fmla="*/ 0 w 423081"/>
-              <a:gd name="connsiteY0" fmla="*/ 68239 h 272955"/>
-              <a:gd name="connsiteX1" fmla="*/ 191069 w 423081"/>
-              <a:gd name="connsiteY1" fmla="*/ 0 h 272955"/>
-              <a:gd name="connsiteX2" fmla="*/ 423081 w 423081"/>
-              <a:gd name="connsiteY2" fmla="*/ 13648 h 272955"/>
-              <a:gd name="connsiteX3" fmla="*/ 354842 w 423081"/>
-              <a:gd name="connsiteY3" fmla="*/ 218364 h 272955"/>
-              <a:gd name="connsiteX4" fmla="*/ 245660 w 423081"/>
-              <a:gd name="connsiteY4" fmla="*/ 191069 h 272955"/>
-              <a:gd name="connsiteX5" fmla="*/ 109183 w 423081"/>
-              <a:gd name="connsiteY5" fmla="*/ 272955 h 272955"/>
-              <a:gd name="connsiteX6" fmla="*/ 0 w 423081"/>
-              <a:gd name="connsiteY6" fmla="*/ 68239 h 272955"/>
-            </a:gdLst>
-            <a:ahLst/>
-            <a:cxnLst>
-              <a:cxn ang="0">
-                <a:pos x="connsiteX0" y="connsiteY0"/>
-              </a:cxn>
-              <a:cxn ang="0">
-                <a:pos x="connsiteX1" y="connsiteY1"/>
-              </a:cxn>
-              <a:cxn ang="0">
-                <a:pos x="connsiteX2" y="connsiteY2"/>
-              </a:cxn>
-              <a:cxn ang="0">
-                <a:pos x="connsiteX3" y="connsiteY3"/>
-              </a:cxn>
-              <a:cxn ang="0">
-                <a:pos x="connsiteX4" y="connsiteY4"/>
-              </a:cxn>
-              <a:cxn ang="0">
-                <a:pos x="connsiteX5" y="connsiteY5"/>
-              </a:cxn>
-              <a:cxn ang="0">
-                <a:pos x="connsiteX6" y="connsiteY6"/>
-              </a:cxn>
-            </a:cxnLst>
-            <a:rect l="l" t="t" r="r" b="b"/>
-            <a:pathLst>
-              <a:path w="423081" h="272955">
-                <a:moveTo>
-                  <a:pt x="0" y="68239"/>
-                </a:moveTo>
-                <a:lnTo>
-                  <a:pt x="191069" y="0"/>
-                </a:lnTo>
-                <a:lnTo>
-                  <a:pt x="423081" y="13648"/>
-                </a:lnTo>
-                <a:lnTo>
-                  <a:pt x="354842" y="218364"/>
-                </a:lnTo>
-                <a:lnTo>
-                  <a:pt x="245660" y="191069"/>
-                </a:lnTo>
-                <a:lnTo>
-                  <a:pt x="109183" y="272955"/>
-                </a:lnTo>
-                <a:lnTo>
-                  <a:pt x="0" y="68239"/>
-                </a:lnTo>
-                <a:close/>
-              </a:path>
-            </a:pathLst>
-          </a:custGeom>
-          <a:solidFill>
-            <a:schemeClr val="accent3">
-              <a:alpha val="63000"/>
-            </a:schemeClr>
-          </a:solidFill>
-          <a:ln>
-            <a:noFill/>
-          </a:ln>
-        </p:spPr>
-        <p:style>
-          <a:lnRef idx="2">
-            <a:schemeClr val="accent1">
-              <a:shade val="50000"/>
-            </a:schemeClr>
-          </a:lnRef>
-          <a:fillRef idx="1">
-            <a:schemeClr val="accent1"/>
-          </a:fillRef>
-          <a:effectRef idx="0">
-            <a:schemeClr val="accent1"/>
-          </a:effectRef>
-          <a:fontRef idx="minor">
-            <a:schemeClr val="lt1"/>
-          </a:fontRef>
-        </p:style>
-        <p:txBody>
-          <a:bodyPr rtlCol="0" anchor="ctr"/>
-          <a:lstStyle/>
-          <a:p>
-            <a:pPr algn="ctr"/>
-            <a:endParaRPr lang="en-US"/>
-          </a:p>
-        </p:txBody>
-      </p:sp>
-      <p:cxnSp>
-        <p:nvCxnSpPr>
-          <p:cNvPr id="35" name="Straight Connector 34"/>
-          <p:cNvCxnSpPr/>
-          <p:nvPr/>
-        </p:nvCxnSpPr>
-        <p:spPr>
-          <a:xfrm flipH="1" flipV="1">
-            <a:off x="1646990" y="1752601"/>
-            <a:ext cx="5013117" cy="1195315"/>
-          </a:xfrm>
-          <a:prstGeom prst="line">
-            <a:avLst/>
-          </a:prstGeom>
-          <a:ln>
-            <a:solidFill>
-              <a:schemeClr val="tx1"/>
-            </a:solidFill>
-          </a:ln>
-        </p:spPr>
-        <p:style>
-          <a:lnRef idx="1">
-            <a:schemeClr val="accent1"/>
-          </a:lnRef>
-          <a:fillRef idx="0">
-            <a:schemeClr val="accent1"/>
-          </a:fillRef>
-          <a:effectRef idx="0">
-            <a:schemeClr val="accent1"/>
-          </a:effectRef>
-          <a:fontRef idx="minor">
-            <a:schemeClr val="tx1"/>
-          </a:fontRef>
-        </p:style>
-      </p:cxnSp>
-      <p:sp>
-        <p:nvSpPr>
-          <p:cNvPr id="37" name="TextBox 36"/>
-          <p:cNvSpPr txBox="1"/>
-          <p:nvPr/>
-        </p:nvSpPr>
-        <p:spPr>
-          <a:xfrm>
-            <a:off x="8127783" y="3015521"/>
-            <a:ext cx="367408" cy="646331"/>
-          </a:xfrm>
-          <a:prstGeom prst="rect">
-            <a:avLst/>
-          </a:prstGeom>
-          <a:noFill/>
-        </p:spPr>
-        <p:txBody>
-          <a:bodyPr wrap="none" rtlCol="0">
-            <a:spAutoFit/>
-          </a:bodyPr>
-          <a:lstStyle/>
-          <a:p>
-            <a:r>
-              <a:rPr lang="en-US" sz="3600" dirty="0"/>
-              <a:t>z</a:t>
-            </a:r>
-          </a:p>
-        </p:txBody>
-      </p:sp>
-      <p:cxnSp>
-        <p:nvCxnSpPr>
-          <p:cNvPr id="39" name="Straight Arrow Connector 38"/>
-          <p:cNvCxnSpPr/>
-          <p:nvPr/>
-        </p:nvCxnSpPr>
-        <p:spPr>
-          <a:xfrm>
-            <a:off x="6573830" y="2954740"/>
-            <a:ext cx="864200" cy="225189"/>
-          </a:xfrm>
-          <a:prstGeom prst="straightConnector1">
-            <a:avLst/>
-          </a:prstGeom>
-          <a:ln w="38100">
-            <a:solidFill>
-              <a:srgbClr val="FF0000"/>
-            </a:solidFill>
-            <a:tailEnd type="arrow"/>
-          </a:ln>
-        </p:spPr>
-        <p:style>
-          <a:lnRef idx="1">
-            <a:schemeClr val="accent1"/>
-          </a:lnRef>
-          <a:fillRef idx="0">
-            <a:schemeClr val="accent1"/>
-          </a:fillRef>
-          <a:effectRef idx="0">
-            <a:schemeClr val="accent1"/>
-          </a:effectRef>
-          <a:fontRef idx="minor">
-            <a:schemeClr val="tx1"/>
-          </a:fontRef>
-        </p:style>
-      </p:cxnSp>
-      <p:sp>
-        <p:nvSpPr>
-          <p:cNvPr id="41" name="TextBox 40"/>
-          <p:cNvSpPr txBox="1"/>
-          <p:nvPr/>
-        </p:nvSpPr>
-        <p:spPr>
-          <a:xfrm>
-            <a:off x="4340122" y="2438388"/>
-            <a:ext cx="533400" cy="461665"/>
-          </a:xfrm>
-          <a:prstGeom prst="rect">
-            <a:avLst/>
-          </a:prstGeom>
-          <a:noFill/>
-        </p:spPr>
-        <p:txBody>
-          <a:bodyPr wrap="square" rtlCol="0">
-            <a:spAutoFit/>
-          </a:bodyPr>
-          <a:lstStyle/>
-          <a:p>
-            <a:r>
-              <a:rPr lang="en-US" sz="2400" dirty="0">
-                <a:latin typeface="Symbol" pitchFamily="18" charset="2"/>
-              </a:rPr>
-              <a:t>q</a:t>
-            </a:r>
-          </a:p>
-        </p:txBody>
-      </p:sp>
-      <p:sp>
-        <p:nvSpPr>
-          <p:cNvPr id="42" name="Arc 41"/>
-          <p:cNvSpPr/>
-          <p:nvPr/>
-        </p:nvSpPr>
-        <p:spPr>
-          <a:xfrm flipH="1" flipV="1">
-            <a:off x="4660839" y="2416778"/>
-            <a:ext cx="533400" cy="609600"/>
-          </a:xfrm>
-          <a:prstGeom prst="arc">
-            <a:avLst>
-              <a:gd name="adj1" fmla="val 19626747"/>
-              <a:gd name="adj2" fmla="val 2775242"/>
-            </a:avLst>
-          </a:prstGeom>
-          <a:ln>
-            <a:solidFill>
-              <a:schemeClr val="tx1"/>
-            </a:solidFill>
-            <a:prstDash val="lgDash"/>
-          </a:ln>
-        </p:spPr>
-        <p:style>
-          <a:lnRef idx="1">
-            <a:schemeClr val="accent1"/>
-          </a:lnRef>
-          <a:fillRef idx="0">
-            <a:schemeClr val="accent1"/>
-          </a:fillRef>
-          <a:effectRef idx="0">
-            <a:schemeClr val="accent1"/>
-          </a:effectRef>
-          <a:fontRef idx="minor">
-            <a:schemeClr val="tx1"/>
-          </a:fontRef>
-        </p:style>
-        <p:txBody>
-          <a:bodyPr rtlCol="0" anchor="ctr"/>
-          <a:lstStyle/>
-          <a:p>
-            <a:pPr algn="ctr"/>
-            <a:endParaRPr lang="en-US"/>
-          </a:p>
-        </p:txBody>
-      </p:sp>
-      <p:graphicFrame>
-        <p:nvGraphicFramePr>
-          <p:cNvPr id="44" name="Object 43"/>
-          <p:cNvGraphicFramePr>
-            <a:graphicFrameLocks noChangeAspect="1"/>
-          </p:cNvGraphicFramePr>
-          <p:nvPr/>
-        </p:nvGraphicFramePr>
-        <p:xfrm>
-          <a:off x="3898900" y="1746250"/>
-          <a:ext cx="1338263" cy="488950"/>
-        </p:xfrm>
-        <a:graphic>
-          <a:graphicData uri="http://schemas.openxmlformats.org/presentationml/2006/ole">
-            <mc:AlternateContent xmlns:mc="http://schemas.openxmlformats.org/markup-compatibility/2006">
-              <mc:Choice xmlns:v="urn:schemas-microsoft-com:vml" Requires="v">
-                <p:oleObj name="Equation" r:id="rId2" imgW="838080" imgH="304560" progId="Equation.3">
-                  <p:embed/>
-                </p:oleObj>
-              </mc:Choice>
-              <mc:Fallback>
-                <p:oleObj name="Equation" r:id="rId2" imgW="838080" imgH="304560" progId="Equation.3">
-                  <p:embed/>
-                  <p:pic>
-                    <p:nvPicPr>
-                      <p:cNvPr id="44" name="Object 43"/>
-                      <p:cNvPicPr>
-                        <a:picLocks noChangeAspect="1" noChangeArrowheads="1"/>
-                      </p:cNvPicPr>
-                      <p:nvPr/>
-                    </p:nvPicPr>
-                    <p:blipFill>
-                      <a:blip r:embed="rId3">
-                        <a:extLst>
-                          <a:ext uri="{28A0092B-C50C-407E-A947-70E740481C1C}">
-                            <a14:useLocalDpi xmlns:a14="http://schemas.microsoft.com/office/drawing/2010/main" val="0"/>
-                          </a:ext>
-                        </a:extLst>
-                      </a:blip>
-                      <a:srcRect/>
-                      <a:stretch>
-                        <a:fillRect/>
-                      </a:stretch>
-                    </p:blipFill>
-                    <p:spPr bwMode="auto">
-                      <a:xfrm>
-                        <a:off x="3898900" y="1746250"/>
-                        <a:ext cx="1338263" cy="488950"/>
-                      </a:xfrm>
-                      <a:prstGeom prst="rect">
-                        <a:avLst/>
-                      </a:prstGeom>
-                      <a:noFill/>
-                      <a:extLst>
-                        <a:ext uri="{909E8E84-426E-40DD-AFC4-6F175D3DCCD1}">
-                          <a14:hiddenFill xmlns:a14="http://schemas.microsoft.com/office/drawing/2010/main">
-                            <a:solidFill>
-                              <a:srgbClr val="FFFFFF"/>
-                            </a:solidFill>
-                          </a14:hiddenFill>
-                        </a:ext>
-                      </a:extLst>
-                    </p:spPr>
-                  </p:pic>
-                </p:oleObj>
-              </mc:Fallback>
-            </mc:AlternateContent>
-          </a:graphicData>
-        </a:graphic>
-      </p:graphicFrame>
-      <p:sp>
-        <p:nvSpPr>
-          <p:cNvPr id="50" name="TextBox 49"/>
-          <p:cNvSpPr txBox="1"/>
-          <p:nvPr/>
-        </p:nvSpPr>
-        <p:spPr>
-          <a:xfrm>
-            <a:off x="1162337" y="266131"/>
-            <a:ext cx="385042" cy="646331"/>
-          </a:xfrm>
-          <a:prstGeom prst="rect">
-            <a:avLst/>
-          </a:prstGeom>
-          <a:solidFill>
-            <a:schemeClr val="bg1"/>
-          </a:solidFill>
-        </p:spPr>
-        <p:txBody>
-          <a:bodyPr wrap="none" rtlCol="0">
-            <a:spAutoFit/>
-          </a:bodyPr>
-          <a:lstStyle/>
-          <a:p>
-            <a:r>
-              <a:rPr lang="en-US" sz="3600" dirty="0"/>
-              <a:t>x</a:t>
-            </a:r>
-          </a:p>
-        </p:txBody>
-      </p:sp>
-      <p:cxnSp>
-        <p:nvCxnSpPr>
-          <p:cNvPr id="54" name="Straight Connector 53"/>
-          <p:cNvCxnSpPr/>
-          <p:nvPr/>
-        </p:nvCxnSpPr>
-        <p:spPr>
-          <a:xfrm flipH="1">
-            <a:off x="1731153" y="2934269"/>
-            <a:ext cx="4819772" cy="1162333"/>
-          </a:xfrm>
-          <a:prstGeom prst="line">
-            <a:avLst/>
-          </a:prstGeom>
-          <a:ln>
-            <a:solidFill>
-              <a:schemeClr val="tx1"/>
-            </a:solidFill>
-          </a:ln>
-        </p:spPr>
-        <p:style>
-          <a:lnRef idx="1">
-            <a:schemeClr val="accent1"/>
-          </a:lnRef>
-          <a:fillRef idx="0">
-            <a:schemeClr val="accent1"/>
-          </a:fillRef>
-          <a:effectRef idx="0">
-            <a:schemeClr val="accent1"/>
-          </a:effectRef>
-          <a:fontRef idx="minor">
-            <a:schemeClr val="tx1"/>
-          </a:fontRef>
-        </p:style>
-      </p:cxnSp>
-      <p:cxnSp>
-        <p:nvCxnSpPr>
-          <p:cNvPr id="57" name="Straight Arrow Connector 56"/>
-          <p:cNvCxnSpPr/>
-          <p:nvPr/>
-        </p:nvCxnSpPr>
-        <p:spPr>
-          <a:xfrm flipV="1">
-            <a:off x="6562458" y="2684060"/>
-            <a:ext cx="864200" cy="225189"/>
-          </a:xfrm>
-          <a:prstGeom prst="straightConnector1">
-            <a:avLst/>
-          </a:prstGeom>
-          <a:ln w="38100">
-            <a:solidFill>
-              <a:srgbClr val="FF0000"/>
-            </a:solidFill>
-            <a:tailEnd type="arrow"/>
-          </a:ln>
-        </p:spPr>
-        <p:style>
-          <a:lnRef idx="1">
-            <a:schemeClr val="accent1"/>
-          </a:lnRef>
-          <a:fillRef idx="0">
-            <a:schemeClr val="accent1"/>
-          </a:fillRef>
-          <a:effectRef idx="0">
-            <a:schemeClr val="accent1"/>
-          </a:effectRef>
-          <a:fontRef idx="minor">
-            <a:schemeClr val="tx1"/>
-          </a:fontRef>
-        </p:style>
-      </p:cxnSp>
-      <p:cxnSp>
-        <p:nvCxnSpPr>
-          <p:cNvPr id="59" name="Straight Arrow Connector 58"/>
-          <p:cNvCxnSpPr/>
-          <p:nvPr/>
-        </p:nvCxnSpPr>
-        <p:spPr>
-          <a:xfrm flipH="1">
-            <a:off x="1119116" y="2961564"/>
-            <a:ext cx="504969" cy="532263"/>
-          </a:xfrm>
-          <a:prstGeom prst="straightConnector1">
-            <a:avLst/>
-          </a:prstGeom>
-          <a:ln w="38100">
-            <a:solidFill>
-              <a:srgbClr val="00B050"/>
-            </a:solidFill>
-            <a:tailEnd type="arrow"/>
-          </a:ln>
-        </p:spPr>
-        <p:style>
-          <a:lnRef idx="1">
-            <a:schemeClr val="accent1"/>
-          </a:lnRef>
-          <a:fillRef idx="0">
-            <a:schemeClr val="accent1"/>
-          </a:fillRef>
-          <a:effectRef idx="0">
-            <a:schemeClr val="accent1"/>
-          </a:effectRef>
-          <a:fontRef idx="minor">
-            <a:schemeClr val="tx1"/>
-          </a:fontRef>
-        </p:style>
-      </p:cxnSp>
-      <p:sp>
-        <p:nvSpPr>
-          <p:cNvPr id="62" name="Rectangle 61"/>
-          <p:cNvSpPr/>
-          <p:nvPr/>
-        </p:nvSpPr>
-        <p:spPr>
-          <a:xfrm>
-            <a:off x="1387347" y="3107855"/>
-            <a:ext cx="351378" cy="461665"/>
-          </a:xfrm>
-          <a:prstGeom prst="rect">
-            <a:avLst/>
-          </a:prstGeom>
-        </p:spPr>
-        <p:txBody>
-          <a:bodyPr wrap="none">
-            <a:spAutoFit/>
-          </a:bodyPr>
-          <a:lstStyle/>
-          <a:p>
-            <a:r>
-              <a:rPr lang="en-US" sz="2400" dirty="0">
-                <a:solidFill>
-                  <a:srgbClr val="00B050"/>
-                </a:solidFill>
-              </a:rPr>
-              <a:t>R</a:t>
-            </a:r>
-            <a:endParaRPr lang="en-US" sz="2400" dirty="0"/>
-          </a:p>
-        </p:txBody>
-      </p:sp>
-      <p:cxnSp>
-        <p:nvCxnSpPr>
-          <p:cNvPr id="36" name="Straight Arrow Connector 35"/>
-          <p:cNvCxnSpPr/>
-          <p:nvPr/>
-        </p:nvCxnSpPr>
-        <p:spPr>
-          <a:xfrm flipV="1">
-            <a:off x="6543350" y="2933700"/>
-            <a:ext cx="1951841" cy="5800"/>
-          </a:xfrm>
-          <a:prstGeom prst="straightConnector1">
-            <a:avLst/>
-          </a:prstGeom>
-          <a:ln w="57150">
-            <a:solidFill>
-              <a:srgbClr val="00B050"/>
-            </a:solidFill>
-            <a:tailEnd type="arrow"/>
-          </a:ln>
-        </p:spPr>
-        <p:style>
-          <a:lnRef idx="1">
-            <a:schemeClr val="accent1"/>
-          </a:lnRef>
-          <a:fillRef idx="0">
-            <a:schemeClr val="accent1"/>
-          </a:fillRef>
-          <a:effectRef idx="0">
-            <a:schemeClr val="accent1"/>
-          </a:effectRef>
-          <a:fontRef idx="minor">
-            <a:schemeClr val="tx1"/>
-          </a:fontRef>
-        </p:style>
-      </p:cxnSp>
-      <p:sp>
-        <p:nvSpPr>
-          <p:cNvPr id="38" name="TextBox 37"/>
-          <p:cNvSpPr txBox="1"/>
-          <p:nvPr/>
-        </p:nvSpPr>
-        <p:spPr>
-          <a:xfrm>
-            <a:off x="7840980" y="2308860"/>
-            <a:ext cx="410690" cy="646331"/>
-          </a:xfrm>
-          <a:prstGeom prst="rect">
-            <a:avLst/>
-          </a:prstGeom>
-          <a:noFill/>
-        </p:spPr>
-        <p:txBody>
-          <a:bodyPr wrap="none" rtlCol="0">
-            <a:spAutoFit/>
-          </a:bodyPr>
-          <a:lstStyle/>
-          <a:p>
-            <a:r>
-              <a:rPr lang="en-US" sz="3600" dirty="0">
-                <a:solidFill>
-                  <a:srgbClr val="00B050"/>
-                </a:solidFill>
-              </a:rPr>
-              <a:t>E</a:t>
-            </a:r>
-          </a:p>
-        </p:txBody>
-      </p:sp>
-      <p:sp>
-        <p:nvSpPr>
-          <p:cNvPr id="40" name="Oval 39"/>
-          <p:cNvSpPr/>
-          <p:nvPr/>
-        </p:nvSpPr>
-        <p:spPr>
-          <a:xfrm>
-            <a:off x="6419850" y="2838450"/>
-            <a:ext cx="190500" cy="190500"/>
-          </a:xfrm>
-          <a:prstGeom prst="ellipse">
-            <a:avLst/>
-          </a:prstGeom>
-          <a:solidFill>
-            <a:schemeClr val="tx1"/>
-          </a:solidFill>
-          <a:ln>
-            <a:noFill/>
-          </a:ln>
-        </p:spPr>
-        <p:style>
-          <a:lnRef idx="2">
-            <a:schemeClr val="accent1">
-              <a:shade val="50000"/>
-            </a:schemeClr>
-          </a:lnRef>
-          <a:fillRef idx="1">
-            <a:schemeClr val="accent1"/>
-          </a:fillRef>
-          <a:effectRef idx="0">
-            <a:schemeClr val="accent1"/>
-          </a:effectRef>
-          <a:fontRef idx="minor">
-            <a:schemeClr val="lt1"/>
-          </a:fontRef>
-        </p:style>
-        <p:txBody>
-          <a:bodyPr rtlCol="0" anchor="ctr"/>
-          <a:lstStyle/>
-          <a:p>
-            <a:pPr algn="ctr"/>
-            <a:endParaRPr lang="en-US"/>
-          </a:p>
-        </p:txBody>
-      </p:sp>
-      <p:sp>
-        <p:nvSpPr>
-          <p:cNvPr id="43" name="TextBox 42"/>
-          <p:cNvSpPr txBox="1"/>
-          <p:nvPr/>
-        </p:nvSpPr>
-        <p:spPr>
-          <a:xfrm>
-            <a:off x="6324600" y="3238500"/>
-            <a:ext cx="423514" cy="646331"/>
-          </a:xfrm>
-          <a:prstGeom prst="rect">
-            <a:avLst/>
-          </a:prstGeom>
-          <a:noFill/>
-        </p:spPr>
-        <p:txBody>
-          <a:bodyPr wrap="none" rtlCol="0">
-            <a:spAutoFit/>
-          </a:bodyPr>
-          <a:lstStyle/>
-          <a:p>
-            <a:r>
-              <a:rPr lang="en-US" sz="3600" dirty="0"/>
-              <a:t>P</a:t>
-            </a:r>
-          </a:p>
-        </p:txBody>
-      </p:sp>
-      <p:cxnSp>
-        <p:nvCxnSpPr>
-          <p:cNvPr id="3" name="Straight Connector 2"/>
-          <p:cNvCxnSpPr/>
-          <p:nvPr/>
-        </p:nvCxnSpPr>
-        <p:spPr>
-          <a:xfrm flipH="1" flipV="1">
-            <a:off x="1239259" y="2109143"/>
-            <a:ext cx="430477" cy="824557"/>
-          </a:xfrm>
-          <a:prstGeom prst="line">
-            <a:avLst/>
-          </a:prstGeom>
-        </p:spPr>
-        <p:style>
-          <a:lnRef idx="1">
-            <a:schemeClr val="accent1"/>
-          </a:lnRef>
-          <a:fillRef idx="0">
-            <a:schemeClr val="accent1"/>
-          </a:fillRef>
-          <a:effectRef idx="0">
-            <a:schemeClr val="accent1"/>
-          </a:effectRef>
-          <a:fontRef idx="minor">
-            <a:schemeClr val="tx1"/>
-          </a:fontRef>
-        </p:style>
-      </p:cxnSp>
-      <p:sp>
-        <p:nvSpPr>
-          <p:cNvPr id="45" name="TextBox 44"/>
-          <p:cNvSpPr txBox="1"/>
-          <p:nvPr/>
-        </p:nvSpPr>
-        <p:spPr>
-          <a:xfrm>
-            <a:off x="1322840" y="2059756"/>
-            <a:ext cx="533400" cy="461665"/>
-          </a:xfrm>
-          <a:prstGeom prst="rect">
-            <a:avLst/>
-          </a:prstGeom>
-          <a:noFill/>
-        </p:spPr>
-        <p:txBody>
-          <a:bodyPr wrap="square" rtlCol="0">
-            <a:spAutoFit/>
-          </a:bodyPr>
-          <a:lstStyle/>
-          <a:p>
-            <a:r>
-              <a:rPr lang="en-US" sz="2400" dirty="0">
-                <a:latin typeface="Symbol" pitchFamily="18" charset="2"/>
-                <a:sym typeface="Symbol"/>
-              </a:rPr>
-              <a:t></a:t>
-            </a:r>
-            <a:endParaRPr lang="en-US" sz="2400" dirty="0">
-              <a:latin typeface="Symbol" pitchFamily="18" charset="2"/>
             </a:endParaRPr>
           </a:p>
         </p:txBody>
@@ -43294,4 +46084,319 @@
   <a:objectDefaults/>
   <a:extraClrSchemeLst/>
 </a:theme>
+</file>
+
+<file path=ppt/theme/theme2.xml><?xml version="1.0" encoding="utf-8"?>
+<a:theme xmlns:a="http://schemas.openxmlformats.org/drawingml/2006/main" name="Office Theme">
+  <a:themeElements>
+    <a:clrScheme name="Office">
+      <a:dk1>
+        <a:sysClr val="windowText" lastClr="000000"/>
+      </a:dk1>
+      <a:lt1>
+        <a:sysClr val="window" lastClr="FFFFFF"/>
+      </a:lt1>
+      <a:dk2>
+        <a:srgbClr val="0E2841"/>
+      </a:dk2>
+      <a:lt2>
+        <a:srgbClr val="E8E8E8"/>
+      </a:lt2>
+      <a:accent1>
+        <a:srgbClr val="156082"/>
+      </a:accent1>
+      <a:accent2>
+        <a:srgbClr val="E97132"/>
+      </a:accent2>
+      <a:accent3>
+        <a:srgbClr val="196B24"/>
+      </a:accent3>
+      <a:accent4>
+        <a:srgbClr val="0F9ED5"/>
+      </a:accent4>
+      <a:accent5>
+        <a:srgbClr val="A02B93"/>
+      </a:accent5>
+      <a:accent6>
+        <a:srgbClr val="4EA72E"/>
+      </a:accent6>
+      <a:hlink>
+        <a:srgbClr val="467886"/>
+      </a:hlink>
+      <a:folHlink>
+        <a:srgbClr val="96607D"/>
+      </a:folHlink>
+    </a:clrScheme>
+    <a:fontScheme name="Office">
+      <a:majorFont>
+        <a:latin typeface="Aptos Display" panose="02110004020202020204"/>
+        <a:ea typeface=""/>
+        <a:cs typeface=""/>
+        <a:font script="Jpan" typeface="游ゴシック Light"/>
+        <a:font script="Hang" typeface="맑은 고딕"/>
+        <a:font script="Hans" typeface="等线 Light"/>
+        <a:font script="Hant" typeface="新細明體"/>
+        <a:font script="Arab" typeface="Times New Roman"/>
+        <a:font script="Hebr" typeface="Times New Roman"/>
+        <a:font script="Thai" typeface="Angsana New"/>
+        <a:font script="Ethi" typeface="Nyala"/>
+        <a:font script="Beng" typeface="Vrinda"/>
+        <a:font script="Gujr" typeface="Shruti"/>
+        <a:font script="Khmr" typeface="MoolBoran"/>
+        <a:font script="Knda" typeface="Tunga"/>
+        <a:font script="Guru" typeface="Raavi"/>
+        <a:font script="Cans" typeface="Euphemia"/>
+        <a:font script="Cher" typeface="Plantagenet Cherokee"/>
+        <a:font script="Yiii" typeface="Microsoft Yi Baiti"/>
+        <a:font script="Tibt" typeface="Microsoft Himalaya"/>
+        <a:font script="Thaa" typeface="MV Boli"/>
+        <a:font script="Deva" typeface="Mangal"/>
+        <a:font script="Telu" typeface="Gautami"/>
+        <a:font script="Taml" typeface="Latha"/>
+        <a:font script="Syrc" typeface="Estrangelo Edessa"/>
+        <a:font script="Orya" typeface="Kalinga"/>
+        <a:font script="Mlym" typeface="Kartika"/>
+        <a:font script="Laoo" typeface="DokChampa"/>
+        <a:font script="Sinh" typeface="Iskoola Pota"/>
+        <a:font script="Mong" typeface="Mongolian Baiti"/>
+        <a:font script="Viet" typeface="Times New Roman"/>
+        <a:font script="Uigh" typeface="Microsoft Uighur"/>
+        <a:font script="Geor" typeface="Sylfaen"/>
+        <a:font script="Armn" typeface="Arial"/>
+        <a:font script="Bugi" typeface="Leelawadee UI"/>
+        <a:font script="Bopo" typeface="Microsoft JhengHei"/>
+        <a:font script="Java" typeface="Javanese Text"/>
+        <a:font script="Lisu" typeface="Segoe UI"/>
+        <a:font script="Mymr" typeface="Myanmar Text"/>
+        <a:font script="Nkoo" typeface="Ebrima"/>
+        <a:font script="Olck" typeface="Nirmala UI"/>
+        <a:font script="Osma" typeface="Ebrima"/>
+        <a:font script="Phag" typeface="Phagspa"/>
+        <a:font script="Syrn" typeface="Estrangelo Edessa"/>
+        <a:font script="Syrj" typeface="Estrangelo Edessa"/>
+        <a:font script="Syre" typeface="Estrangelo Edessa"/>
+        <a:font script="Sora" typeface="Nirmala UI"/>
+        <a:font script="Tale" typeface="Microsoft Tai Le"/>
+        <a:font script="Talu" typeface="Microsoft New Tai Lue"/>
+        <a:font script="Tfng" typeface="Ebrima"/>
+      </a:majorFont>
+      <a:minorFont>
+        <a:latin typeface="Aptos" panose="02110004020202020204"/>
+        <a:ea typeface=""/>
+        <a:cs typeface=""/>
+        <a:font script="Jpan" typeface="游ゴシック"/>
+        <a:font script="Hang" typeface="맑은 고딕"/>
+        <a:font script="Hans" typeface="等线"/>
+        <a:font script="Hant" typeface="新細明體"/>
+        <a:font script="Arab" typeface="Arial"/>
+        <a:font script="Hebr" typeface="Arial"/>
+        <a:font script="Thai" typeface="Cordia New"/>
+        <a:font script="Ethi" typeface="Nyala"/>
+        <a:font script="Beng" typeface="Vrinda"/>
+        <a:font script="Gujr" typeface="Shruti"/>
+        <a:font script="Khmr" typeface="DaunPenh"/>
+        <a:font script="Knda" typeface="Tunga"/>
+        <a:font script="Guru" typeface="Raavi"/>
+        <a:font script="Cans" typeface="Euphemia"/>
+        <a:font script="Cher" typeface="Plantagenet Cherokee"/>
+        <a:font script="Yiii" typeface="Microsoft Yi Baiti"/>
+        <a:font script="Tibt" typeface="Microsoft Himalaya"/>
+        <a:font script="Thaa" typeface="MV Boli"/>
+        <a:font script="Deva" typeface="Mangal"/>
+        <a:font script="Telu" typeface="Gautami"/>
+        <a:font script="Taml" typeface="Latha"/>
+        <a:font script="Syrc" typeface="Estrangelo Edessa"/>
+        <a:font script="Orya" typeface="Kalinga"/>
+        <a:font script="Mlym" typeface="Kartika"/>
+        <a:font script="Laoo" typeface="DokChampa"/>
+        <a:font script="Sinh" typeface="Iskoola Pota"/>
+        <a:font script="Mong" typeface="Mongolian Baiti"/>
+        <a:font script="Viet" typeface="Arial"/>
+        <a:font script="Uigh" typeface="Microsoft Uighur"/>
+        <a:font script="Geor" typeface="Sylfaen"/>
+        <a:font script="Armn" typeface="Arial"/>
+        <a:font script="Bugi" typeface="Leelawadee UI"/>
+        <a:font script="Bopo" typeface="Microsoft JhengHei"/>
+        <a:font script="Java" typeface="Javanese Text"/>
+        <a:font script="Lisu" typeface="Segoe UI"/>
+        <a:font script="Mymr" typeface="Myanmar Text"/>
+        <a:font script="Nkoo" typeface="Ebrima"/>
+        <a:font script="Olck" typeface="Nirmala UI"/>
+        <a:font script="Osma" typeface="Ebrima"/>
+        <a:font script="Phag" typeface="Phagspa"/>
+        <a:font script="Syrn" typeface="Estrangelo Edessa"/>
+        <a:font script="Syrj" typeface="Estrangelo Edessa"/>
+        <a:font script="Syre" typeface="Estrangelo Edessa"/>
+        <a:font script="Sora" typeface="Nirmala UI"/>
+        <a:font script="Tale" typeface="Microsoft Tai Le"/>
+        <a:font script="Talu" typeface="Microsoft New Tai Lue"/>
+        <a:font script="Tfng" typeface="Ebrima"/>
+      </a:minorFont>
+    </a:fontScheme>
+    <a:fmtScheme name="Office">
+      <a:fillStyleLst>
+        <a:solidFill>
+          <a:schemeClr val="phClr"/>
+        </a:solidFill>
+        <a:gradFill rotWithShape="1">
+          <a:gsLst>
+            <a:gs pos="0">
+              <a:schemeClr val="phClr">
+                <a:lumMod val="110000"/>
+                <a:satMod val="105000"/>
+                <a:tint val="67000"/>
+              </a:schemeClr>
+            </a:gs>
+            <a:gs pos="50000">
+              <a:schemeClr val="phClr">
+                <a:lumMod val="105000"/>
+                <a:satMod val="103000"/>
+                <a:tint val="73000"/>
+              </a:schemeClr>
+            </a:gs>
+            <a:gs pos="100000">
+              <a:schemeClr val="phClr">
+                <a:lumMod val="105000"/>
+                <a:satMod val="109000"/>
+                <a:tint val="81000"/>
+              </a:schemeClr>
+            </a:gs>
+          </a:gsLst>
+          <a:lin ang="5400000" scaled="0"/>
+        </a:gradFill>
+        <a:gradFill rotWithShape="1">
+          <a:gsLst>
+            <a:gs pos="0">
+              <a:schemeClr val="phClr">
+                <a:satMod val="103000"/>
+                <a:lumMod val="102000"/>
+                <a:tint val="94000"/>
+              </a:schemeClr>
+            </a:gs>
+            <a:gs pos="50000">
+              <a:schemeClr val="phClr">
+                <a:satMod val="110000"/>
+                <a:lumMod val="100000"/>
+                <a:shade val="100000"/>
+              </a:schemeClr>
+            </a:gs>
+            <a:gs pos="100000">
+              <a:schemeClr val="phClr">
+                <a:lumMod val="99000"/>
+                <a:satMod val="120000"/>
+                <a:shade val="78000"/>
+              </a:schemeClr>
+            </a:gs>
+          </a:gsLst>
+          <a:lin ang="5400000" scaled="0"/>
+        </a:gradFill>
+      </a:fillStyleLst>
+      <a:lnStyleLst>
+        <a:ln w="12700" cap="flat" cmpd="sng" algn="ctr">
+          <a:solidFill>
+            <a:schemeClr val="phClr"/>
+          </a:solidFill>
+          <a:prstDash val="solid"/>
+          <a:miter lim="800000"/>
+        </a:ln>
+        <a:ln w="19050" cap="flat" cmpd="sng" algn="ctr">
+          <a:solidFill>
+            <a:schemeClr val="phClr"/>
+          </a:solidFill>
+          <a:prstDash val="solid"/>
+          <a:miter lim="800000"/>
+        </a:ln>
+        <a:ln w="25400" cap="flat" cmpd="sng" algn="ctr">
+          <a:solidFill>
+            <a:schemeClr val="phClr"/>
+          </a:solidFill>
+          <a:prstDash val="solid"/>
+          <a:miter lim="800000"/>
+        </a:ln>
+      </a:lnStyleLst>
+      <a:effectStyleLst>
+        <a:effectStyle>
+          <a:effectLst/>
+        </a:effectStyle>
+        <a:effectStyle>
+          <a:effectLst/>
+        </a:effectStyle>
+        <a:effectStyle>
+          <a:effectLst>
+            <a:outerShdw blurRad="57150" dist="19050" dir="5400000" algn="ctr" rotWithShape="0">
+              <a:srgbClr val="000000">
+                <a:alpha val="63000"/>
+              </a:srgbClr>
+            </a:outerShdw>
+          </a:effectLst>
+        </a:effectStyle>
+      </a:effectStyleLst>
+      <a:bgFillStyleLst>
+        <a:solidFill>
+          <a:schemeClr val="phClr"/>
+        </a:solidFill>
+        <a:solidFill>
+          <a:schemeClr val="phClr">
+            <a:tint val="95000"/>
+            <a:satMod val="170000"/>
+          </a:schemeClr>
+        </a:solidFill>
+        <a:gradFill rotWithShape="1">
+          <a:gsLst>
+            <a:gs pos="0">
+              <a:schemeClr val="phClr">
+                <a:tint val="93000"/>
+                <a:satMod val="150000"/>
+                <a:shade val="98000"/>
+                <a:lumMod val="102000"/>
+              </a:schemeClr>
+            </a:gs>
+            <a:gs pos="50000">
+              <a:schemeClr val="phClr">
+                <a:tint val="98000"/>
+                <a:satMod val="130000"/>
+                <a:shade val="90000"/>
+                <a:lumMod val="103000"/>
+              </a:schemeClr>
+            </a:gs>
+            <a:gs pos="100000">
+              <a:schemeClr val="phClr">
+                <a:shade val="63000"/>
+                <a:satMod val="120000"/>
+              </a:schemeClr>
+            </a:gs>
+          </a:gsLst>
+          <a:lin ang="5400000" scaled="0"/>
+        </a:gradFill>
+      </a:bgFillStyleLst>
+    </a:fmtScheme>
+  </a:themeElements>
+  <a:objectDefaults>
+    <a:lnDef>
+      <a:spPr/>
+      <a:bodyPr/>
+      <a:lstStyle/>
+      <a:style>
+        <a:lnRef idx="2">
+          <a:schemeClr val="accent1"/>
+        </a:lnRef>
+        <a:fillRef idx="0">
+          <a:schemeClr val="accent1"/>
+        </a:fillRef>
+        <a:effectRef idx="1">
+          <a:schemeClr val="accent1"/>
+        </a:effectRef>
+        <a:fontRef idx="minor">
+          <a:schemeClr val="tx1"/>
+        </a:fontRef>
+      </a:style>
+    </a:lnDef>
+  </a:objectDefaults>
+  <a:extraClrSchemeLst/>
+  <a:extLst>
+    <a:ext uri="{05A4C25C-085E-4340-85A3-A5531E510DB2}">
+      <thm15:themeFamily xmlns:thm15="http://schemas.microsoft.com/office/thememl/2012/main" name="Office Theme" id="{2E142A2C-CD16-42D6-873A-C26D2A0506FA}" vid="{1BDDFF52-6CD6-40A5-AB3C-68EB2F1E4D0A}"/>
+    </a:ext>
+  </a:extLst>
+</a:theme>
 </file>
--- a/Slides/PH223_Lecture_23.pptx
+++ b/Slides/PH223_Lecture_23.pptx
@@ -146,7 +146,7 @@
 <file path=ppt/revisionInfo.xml><?xml version="1.0" encoding="utf-8"?>
 <p1510:revInfo xmlns:a="http://schemas.openxmlformats.org/drawingml/2006/main" xmlns:r="http://schemas.openxmlformats.org/officeDocument/2006/relationships" xmlns:p1510="http://schemas.microsoft.com/office/powerpoint/2015/10/main">
   <p1510:revLst>
-    <p1510:client id="{85ABCA9D-111F-41D7-92D0-19D5E39D5466}" v="19" dt="2024-02-16T00:52:27.152"/>
+    <p1510:client id="{F368B08F-DDD8-42D5-B747-6A50D4D2C26F}" v="1" dt="2024-05-30T16:44:49.830"/>
   </p1510:revLst>
 </p1510:revInfo>
 </file>
@@ -244,6 +244,30 @@
           <pc:docMk/>
           <pc:sldMk cId="0" sldId="1114"/>
         </pc:sldMkLst>
+      </pc:sldChg>
+    </pc:docChg>
+  </pc:docChgLst>
+  <pc:docChgLst>
+    <pc:chgData name="Lines, Todd" userId="afaf7c3a-e8aa-4568-882a-02ad8f9e19b0" providerId="ADAL" clId="{F368B08F-DDD8-42D5-B747-6A50D4D2C26F}"/>
+    <pc:docChg chg="custSel modSld">
+      <pc:chgData name="Lines, Todd" userId="afaf7c3a-e8aa-4568-882a-02ad8f9e19b0" providerId="ADAL" clId="{F368B08F-DDD8-42D5-B747-6A50D4D2C26F}" dt="2024-05-30T16:44:55.916" v="1" actId="21"/>
+      <pc:docMkLst>
+        <pc:docMk/>
+      </pc:docMkLst>
+      <pc:sldChg chg="delSp modSp mod">
+        <pc:chgData name="Lines, Todd" userId="afaf7c3a-e8aa-4568-882a-02ad8f9e19b0" providerId="ADAL" clId="{F368B08F-DDD8-42D5-B747-6A50D4D2C26F}" dt="2024-05-30T16:44:55.916" v="1" actId="21"/>
+        <pc:sldMkLst>
+          <pc:docMk/>
+          <pc:sldMk cId="2016951262" sldId="264"/>
+        </pc:sldMkLst>
+        <pc:picChg chg="del mod">
+          <ac:chgData name="Lines, Todd" userId="afaf7c3a-e8aa-4568-882a-02ad8f9e19b0" providerId="ADAL" clId="{F368B08F-DDD8-42D5-B747-6A50D4D2C26F}" dt="2024-05-30T16:44:55.916" v="1" actId="21"/>
+          <ac:picMkLst>
+            <pc:docMk/>
+            <pc:sldMk cId="2016951262" sldId="264"/>
+            <ac:picMk id="2" creationId="{9E912451-CB60-6304-1E48-8486F47517D6}"/>
+          </ac:picMkLst>
+        </pc:picChg>
       </pc:sldChg>
     </pc:docChg>
   </pc:docChgLst>
@@ -828,7 +852,7 @@
           <a:p>
             <a:fld id="{CD4C3869-4CA1-4828-AC4F-DF026F211266}" type="datetimeFigureOut">
               <a:rPr lang="en-US" smtClean="0"/>
-              <a:t>2/15/2024</a:t>
+              <a:t>5/30/2024</a:t>
             </a:fld>
             <a:endParaRPr lang="en-US"/>
           </a:p>
@@ -1359,7 +1383,7 @@
             <a:fld id="{E5B5A7AD-3644-4FD9-AB8D-0B617DF79C2D}" type="datetimeFigureOut">
               <a:rPr lang="en-US" smtClean="0"/>
               <a:pPr/>
-              <a:t>2/15/2024</a:t>
+              <a:t>5/30/2024</a:t>
             </a:fld>
             <a:endParaRPr lang="en-US"/>
           </a:p>
@@ -1524,7 +1548,7 @@
             <a:fld id="{E5B5A7AD-3644-4FD9-AB8D-0B617DF79C2D}" type="datetimeFigureOut">
               <a:rPr lang="en-US" smtClean="0"/>
               <a:pPr/>
-              <a:t>2/15/2024</a:t>
+              <a:t>5/30/2024</a:t>
             </a:fld>
             <a:endParaRPr lang="en-US"/>
           </a:p>
@@ -1699,7 +1723,7 @@
             <a:fld id="{E5B5A7AD-3644-4FD9-AB8D-0B617DF79C2D}" type="datetimeFigureOut">
               <a:rPr lang="en-US" smtClean="0"/>
               <a:pPr/>
-              <a:t>2/15/2024</a:t>
+              <a:t>5/30/2024</a:t>
             </a:fld>
             <a:endParaRPr lang="en-US"/>
           </a:p>
@@ -1864,7 +1888,7 @@
             <a:fld id="{E5B5A7AD-3644-4FD9-AB8D-0B617DF79C2D}" type="datetimeFigureOut">
               <a:rPr lang="en-US" smtClean="0"/>
               <a:pPr/>
-              <a:t>2/15/2024</a:t>
+              <a:t>5/30/2024</a:t>
             </a:fld>
             <a:endParaRPr lang="en-US"/>
           </a:p>
@@ -2106,7 +2130,7 @@
             <a:fld id="{E5B5A7AD-3644-4FD9-AB8D-0B617DF79C2D}" type="datetimeFigureOut">
               <a:rPr lang="en-US" smtClean="0"/>
               <a:pPr/>
-              <a:t>2/15/2024</a:t>
+              <a:t>5/30/2024</a:t>
             </a:fld>
             <a:endParaRPr lang="en-US"/>
           </a:p>
@@ -2388,7 +2412,7 @@
             <a:fld id="{E5B5A7AD-3644-4FD9-AB8D-0B617DF79C2D}" type="datetimeFigureOut">
               <a:rPr lang="en-US" smtClean="0"/>
               <a:pPr/>
-              <a:t>2/15/2024</a:t>
+              <a:t>5/30/2024</a:t>
             </a:fld>
             <a:endParaRPr lang="en-US"/>
           </a:p>
@@ -2804,7 +2828,7 @@
             <a:fld id="{E5B5A7AD-3644-4FD9-AB8D-0B617DF79C2D}" type="datetimeFigureOut">
               <a:rPr lang="en-US" smtClean="0"/>
               <a:pPr/>
-              <a:t>2/15/2024</a:t>
+              <a:t>5/30/2024</a:t>
             </a:fld>
             <a:endParaRPr lang="en-US"/>
           </a:p>
@@ -2918,7 +2942,7 @@
             <a:fld id="{E5B5A7AD-3644-4FD9-AB8D-0B617DF79C2D}" type="datetimeFigureOut">
               <a:rPr lang="en-US" smtClean="0"/>
               <a:pPr/>
-              <a:t>2/15/2024</a:t>
+              <a:t>5/30/2024</a:t>
             </a:fld>
             <a:endParaRPr lang="en-US"/>
           </a:p>
@@ -3010,7 +3034,7 @@
             <a:fld id="{E5B5A7AD-3644-4FD9-AB8D-0B617DF79C2D}" type="datetimeFigureOut">
               <a:rPr lang="en-US" smtClean="0"/>
               <a:pPr/>
-              <a:t>2/15/2024</a:t>
+              <a:t>5/30/2024</a:t>
             </a:fld>
             <a:endParaRPr lang="en-US"/>
           </a:p>
@@ -3282,7 +3306,7 @@
             <a:fld id="{E5B5A7AD-3644-4FD9-AB8D-0B617DF79C2D}" type="datetimeFigureOut">
               <a:rPr lang="en-US" smtClean="0"/>
               <a:pPr/>
-              <a:t>2/15/2024</a:t>
+              <a:t>5/30/2024</a:t>
             </a:fld>
             <a:endParaRPr lang="en-US"/>
           </a:p>
@@ -3531,7 +3555,7 @@
             <a:fld id="{E5B5A7AD-3644-4FD9-AB8D-0B617DF79C2D}" type="datetimeFigureOut">
               <a:rPr lang="en-US" smtClean="0"/>
               <a:pPr/>
-              <a:t>2/15/2024</a:t>
+              <a:t>5/30/2024</a:t>
             </a:fld>
             <a:endParaRPr lang="en-US"/>
           </a:p>
@@ -3739,7 +3763,7 @@
             <a:fld id="{E5B5A7AD-3644-4FD9-AB8D-0B617DF79C2D}" type="datetimeFigureOut">
               <a:rPr lang="en-US" smtClean="0"/>
               <a:pPr/>
-              <a:t>2/15/2024</a:t>
+              <a:t>5/30/2024</a:t>
             </a:fld>
             <a:endParaRPr lang="en-US"/>
           </a:p>
